--- a/Templates/testmercredi.pptx
+++ b/Templates/testmercredi.pptx
@@ -238,7 +238,7 @@
           <a:p>
             <a:fld id="{515CCE07-1711-4DC7-A7D8-7ED312C82FB8}" type="datetimeFigureOut">
               <a:rPr lang="fr-FR" smtClean="0"/>
-              <a:t>19/05/2022</a:t>
+              <a:t>20/05/2022</a:t>
             </a:fld>
             <a:endParaRPr lang="fr-FR"/>
           </a:p>
@@ -403,7 +403,7 @@
           <a:p>
             <a:fld id="{014ABEAC-8B63-4BD1-9569-A14EB8752A94}" type="datetimeFigureOut">
               <a:rPr lang="fr-FR" smtClean="0"/>
-              <a:t>19/05/2022</a:t>
+              <a:t>20/05/2022</a:t>
             </a:fld>
             <a:endParaRPr lang="fr-FR"/>
           </a:p>
@@ -6169,14 +6169,14 @@
           <p:nvPr>
             <p:extLst>
               <p:ext uri="{D42A27DB-BD31-4B8C-83A1-F6EECF244321}">
-                <p14:modId xmlns:p14="http://schemas.microsoft.com/office/powerpoint/2010/main" val="4194857205"/>
+                <p14:modId xmlns:p14="http://schemas.microsoft.com/office/powerpoint/2010/main" val="2018787666"/>
               </p:ext>
             </p:extLst>
           </p:nvPr>
         </p:nvGraphicFramePr>
         <p:xfrm>
           <a:off x="361950" y="979297"/>
-          <a:ext cx="6837886" cy="7496715"/>
+          <a:ext cx="6837886" cy="7686327"/>
         </p:xfrm>
         <a:graphic>
           <a:graphicData uri="http://schemas.openxmlformats.org/drawingml/2006/table">
@@ -6200,6 +6200,173 @@
                   </a:extLst>
                 </a:gridCol>
               </a:tblGrid>
+              <a:tr h="0">
+                <a:tc>
+                  <a:txBody>
+                    <a:bodyPr/>
+                    <a:lstStyle/>
+                    <a:p>
+                      <a:pPr marL="0" marR="0" lvl="0" indent="0" algn="l" defTabSz="755934" rtl="0" eaLnBrk="1" fontAlgn="auto" latinLnBrk="0" hangingPunct="1">
+                        <a:lnSpc>
+                          <a:spcPct val="90000"/>
+                        </a:lnSpc>
+                        <a:spcBef>
+                          <a:spcPts val="0"/>
+                        </a:spcBef>
+                        <a:spcAft>
+                          <a:spcPts val="0"/>
+                        </a:spcAft>
+                        <a:buClrTx/>
+                        <a:buSzTx/>
+                        <a:buFontTx/>
+                        <a:buNone/>
+                        <a:tabLst/>
+                        <a:defRPr/>
+                      </a:pPr>
+                      <a:endParaRPr lang="fr-FR" sz="700" b="1" kern="1200" dirty="0">
+                        <a:solidFill>
+                          <a:srgbClr val="B9A049"/>
+                        </a:solidFill>
+                        <a:latin typeface="+mn-lt"/>
+                        <a:ea typeface="+mn-ea"/>
+                        <a:cs typeface="+mn-cs"/>
+                      </a:endParaRPr>
+                    </a:p>
+                  </a:txBody>
+                  <a:tcPr marL="72000" marR="72000" marT="46800" marB="46800" anchor="ctr">
+                    <a:lnL w="12700" cap="flat" cmpd="sng" algn="ctr">
+                      <a:solidFill>
+                        <a:schemeClr val="bg1">
+                          <a:lumMod val="85000"/>
+                        </a:schemeClr>
+                      </a:solidFill>
+                      <a:prstDash val="solid"/>
+                      <a:round/>
+                      <a:headEnd type="none" w="med" len="med"/>
+                      <a:tailEnd type="none" w="med" len="med"/>
+                    </a:lnL>
+                    <a:lnR w="12700" cap="flat" cmpd="sng" algn="ctr">
+                      <a:solidFill>
+                        <a:schemeClr val="bg1"/>
+                      </a:solidFill>
+                      <a:prstDash val="solid"/>
+                      <a:round/>
+                      <a:headEnd type="none" w="med" len="med"/>
+                      <a:tailEnd type="none" w="med" len="med"/>
+                    </a:lnR>
+                    <a:lnT w="12700" cap="flat" cmpd="sng" algn="ctr">
+                      <a:solidFill>
+                        <a:schemeClr val="bg1">
+                          <a:lumMod val="85000"/>
+                        </a:schemeClr>
+                      </a:solidFill>
+                      <a:prstDash val="solid"/>
+                      <a:round/>
+                      <a:headEnd type="none" w="med" len="med"/>
+                      <a:tailEnd type="none" w="med" len="med"/>
+                    </a:lnT>
+                    <a:lnB w="12700" cap="flat" cmpd="sng" algn="ctr">
+                      <a:solidFill>
+                        <a:schemeClr val="bg1"/>
+                      </a:solidFill>
+                      <a:prstDash val="solid"/>
+                      <a:round/>
+                      <a:headEnd type="none" w="med" len="med"/>
+                      <a:tailEnd type="none" w="med" len="med"/>
+                    </a:lnB>
+                    <a:lnTlToBr w="12700" cmpd="sng">
+                      <a:noFill/>
+                      <a:prstDash val="solid"/>
+                    </a:lnTlToBr>
+                    <a:lnBlToTr w="12700" cmpd="sng">
+                      <a:noFill/>
+                      <a:prstDash val="solid"/>
+                    </a:lnBlToTr>
+                    <a:solidFill>
+                      <a:schemeClr val="bg1">
+                        <a:lumMod val="95000"/>
+                      </a:schemeClr>
+                    </a:solidFill>
+                  </a:tcPr>
+                </a:tc>
+                <a:tc>
+                  <a:txBody>
+                    <a:bodyPr/>
+                    <a:lstStyle/>
+                    <a:p>
+                      <a:pPr algn="just">
+                        <a:lnSpc>
+                          <a:spcPct val="90000"/>
+                        </a:lnSpc>
+                      </a:pPr>
+                      <a:endParaRPr lang="fr-FR" sz="700" b="1" i="0" dirty="0">
+                        <a:solidFill>
+                          <a:schemeClr val="tx1"/>
+                        </a:solidFill>
+                        <a:latin typeface="+mn-lt"/>
+                      </a:endParaRPr>
+                    </a:p>
+                  </a:txBody>
+                  <a:tcPr marL="36000" marR="36000" marT="46800" marB="46800" anchor="ctr">
+                    <a:lnL w="12700" cap="flat" cmpd="sng" algn="ctr">
+                      <a:solidFill>
+                        <a:schemeClr val="bg1"/>
+                      </a:solidFill>
+                      <a:prstDash val="solid"/>
+                      <a:round/>
+                      <a:headEnd type="none" w="med" len="med"/>
+                      <a:tailEnd type="none" w="med" len="med"/>
+                    </a:lnL>
+                    <a:lnR w="6350" cap="flat" cmpd="sng" algn="ctr">
+                      <a:solidFill>
+                        <a:schemeClr val="bg1">
+                          <a:lumMod val="65000"/>
+                        </a:schemeClr>
+                      </a:solidFill>
+                      <a:prstDash val="solid"/>
+                      <a:round/>
+                      <a:headEnd type="none" w="med" len="med"/>
+                      <a:tailEnd type="none" w="med" len="med"/>
+                    </a:lnR>
+                    <a:lnT w="6350" cap="flat" cmpd="sng" algn="ctr">
+                      <a:solidFill>
+                        <a:schemeClr val="bg1">
+                          <a:lumMod val="65000"/>
+                        </a:schemeClr>
+                      </a:solidFill>
+                      <a:prstDash val="solid"/>
+                      <a:round/>
+                      <a:headEnd type="none" w="med" len="med"/>
+                      <a:tailEnd type="none" w="med" len="med"/>
+                    </a:lnT>
+                    <a:lnB w="6350" cap="flat" cmpd="sng" algn="ctr">
+                      <a:solidFill>
+                        <a:schemeClr val="bg1">
+                          <a:lumMod val="65000"/>
+                        </a:schemeClr>
+                      </a:solidFill>
+                      <a:prstDash val="solid"/>
+                      <a:round/>
+                      <a:headEnd type="none" w="med" len="med"/>
+                      <a:tailEnd type="none" w="med" len="med"/>
+                    </a:lnB>
+                    <a:lnTlToBr w="12700" cmpd="sng">
+                      <a:noFill/>
+                      <a:prstDash val="solid"/>
+                    </a:lnTlToBr>
+                    <a:lnBlToTr w="12700" cmpd="sng">
+                      <a:noFill/>
+                      <a:prstDash val="solid"/>
+                    </a:lnBlToTr>
+                    <a:noFill/>
+                  </a:tcPr>
+                </a:tc>
+                <a:extLst>
+                  <a:ext uri="{0D108BD9-81ED-4DB2-BD59-A6C34878D82A}">
+                    <a16:rowId xmlns:a16="http://schemas.microsoft.com/office/drawing/2014/main" val="1365312463"/>
+                  </a:ext>
+                </a:extLst>
+              </a:tr>
               <a:tr h="268891">
                 <a:tc>
                   <a:txBody>
@@ -6259,9 +6426,7 @@
                     </a:lnR>
                     <a:lnT w="12700" cap="flat" cmpd="sng" algn="ctr">
                       <a:solidFill>
-                        <a:schemeClr val="bg1">
-                          <a:lumMod val="85000"/>
-                        </a:schemeClr>
+                        <a:schemeClr val="bg1"/>
                       </a:solidFill>
                       <a:prstDash val="solid"/>
                       <a:round/>
@@ -13082,6 +13247,6662 @@
           </a:p>
         </p:txBody>
       </p:sp>
+      <p:graphicFrame>
+        <p:nvGraphicFramePr>
+          <p:cNvPr id="9" name="Tableau 8">
+            <a:extLst>
+              <a:ext uri="{FF2B5EF4-FFF2-40B4-BE49-F238E27FC236}">
+                <a16:creationId xmlns:a16="http://schemas.microsoft.com/office/drawing/2014/main" id="{CDF24725-4E16-F687-E839-9CDE396BAF0D}"/>
+              </a:ext>
+            </a:extLst>
+          </p:cNvPr>
+          <p:cNvGraphicFramePr>
+            <a:graphicFrameLocks noGrp="1"/>
+          </p:cNvGraphicFramePr>
+          <p:nvPr>
+            <p:extLst>
+              <p:ext uri="{D42A27DB-BD31-4B8C-83A1-F6EECF244321}">
+                <p14:modId xmlns:p14="http://schemas.microsoft.com/office/powerpoint/2010/main" val="1137634670"/>
+              </p:ext>
+            </p:extLst>
+          </p:nvPr>
+        </p:nvGraphicFramePr>
+        <p:xfrm>
+          <a:off x="360894" y="977900"/>
+          <a:ext cx="6837886" cy="7886607"/>
+        </p:xfrm>
+        <a:graphic>
+          <a:graphicData uri="http://schemas.openxmlformats.org/drawingml/2006/table">
+            <a:tbl>
+              <a:tblPr firstRow="1" bandRow="1">
+                <a:tableStyleId>{5C22544A-7EE6-4342-B048-85BDC9FD1C3A}</a:tableStyleId>
+              </a:tblPr>
+              <a:tblGrid>
+                <a:gridCol w="2126026">
+                  <a:extLst>
+                    <a:ext uri="{9D8B030D-6E8A-4147-A177-3AD203B41FA5}">
+                      <a16:colId xmlns:a16="http://schemas.microsoft.com/office/drawing/2014/main" val="404097337"/>
+                    </a:ext>
+                  </a:extLst>
+                </a:gridCol>
+                <a:gridCol w="4711860">
+                  <a:extLst>
+                    <a:ext uri="{9D8B030D-6E8A-4147-A177-3AD203B41FA5}">
+                      <a16:colId xmlns:a16="http://schemas.microsoft.com/office/drawing/2014/main" val="3064900403"/>
+                    </a:ext>
+                  </a:extLst>
+                </a:gridCol>
+              </a:tblGrid>
+              <a:tr h="0">
+                <a:tc>
+                  <a:txBody>
+                    <a:bodyPr/>
+                    <a:lstStyle/>
+                    <a:p>
+                      <a:pPr marL="0" marR="0" lvl="0" indent="0" algn="l" defTabSz="755934" rtl="0" eaLnBrk="1" fontAlgn="auto" latinLnBrk="0" hangingPunct="1">
+                        <a:lnSpc>
+                          <a:spcPct val="90000"/>
+                        </a:lnSpc>
+                        <a:spcBef>
+                          <a:spcPts val="0"/>
+                        </a:spcBef>
+                        <a:spcAft>
+                          <a:spcPts val="0"/>
+                        </a:spcAft>
+                        <a:buClrTx/>
+                        <a:buSzTx/>
+                        <a:buFontTx/>
+                        <a:buNone/>
+                        <a:tabLst/>
+                        <a:defRPr/>
+                      </a:pPr>
+                      <a:endParaRPr lang="fr-FR" sz="700" b="1" kern="1200" dirty="0">
+                        <a:solidFill>
+                          <a:srgbClr val="B9A049"/>
+                        </a:solidFill>
+                        <a:latin typeface="+mn-lt"/>
+                        <a:ea typeface="+mn-ea"/>
+                        <a:cs typeface="+mn-cs"/>
+                      </a:endParaRPr>
+                    </a:p>
+                  </a:txBody>
+                  <a:tcPr marL="72000" marR="72000" marT="46800" marB="46800" anchor="ctr">
+                    <a:lnL w="12700" cap="flat" cmpd="sng" algn="ctr">
+                      <a:solidFill>
+                        <a:schemeClr val="bg1">
+                          <a:lumMod val="85000"/>
+                        </a:schemeClr>
+                      </a:solidFill>
+                      <a:prstDash val="solid"/>
+                      <a:round/>
+                      <a:headEnd type="none" w="med" len="med"/>
+                      <a:tailEnd type="none" w="med" len="med"/>
+                    </a:lnL>
+                    <a:lnR w="12700" cap="flat" cmpd="sng" algn="ctr">
+                      <a:solidFill>
+                        <a:schemeClr val="bg1"/>
+                      </a:solidFill>
+                      <a:prstDash val="solid"/>
+                      <a:round/>
+                      <a:headEnd type="none" w="med" len="med"/>
+                      <a:tailEnd type="none" w="med" len="med"/>
+                    </a:lnR>
+                    <a:lnT w="12700" cap="flat" cmpd="sng" algn="ctr">
+                      <a:solidFill>
+                        <a:schemeClr val="bg1">
+                          <a:lumMod val="85000"/>
+                        </a:schemeClr>
+                      </a:solidFill>
+                      <a:prstDash val="solid"/>
+                      <a:round/>
+                      <a:headEnd type="none" w="med" len="med"/>
+                      <a:tailEnd type="none" w="med" len="med"/>
+                    </a:lnT>
+                    <a:lnB w="12700" cap="flat" cmpd="sng" algn="ctr">
+                      <a:solidFill>
+                        <a:schemeClr val="bg1"/>
+                      </a:solidFill>
+                      <a:prstDash val="solid"/>
+                      <a:round/>
+                      <a:headEnd type="none" w="med" len="med"/>
+                      <a:tailEnd type="none" w="med" len="med"/>
+                    </a:lnB>
+                    <a:lnTlToBr w="12700" cmpd="sng">
+                      <a:noFill/>
+                      <a:prstDash val="solid"/>
+                    </a:lnTlToBr>
+                    <a:lnBlToTr w="12700" cmpd="sng">
+                      <a:noFill/>
+                      <a:prstDash val="solid"/>
+                    </a:lnBlToTr>
+                    <a:solidFill>
+                      <a:schemeClr val="bg1">
+                        <a:lumMod val="95000"/>
+                      </a:schemeClr>
+                    </a:solidFill>
+                  </a:tcPr>
+                </a:tc>
+                <a:tc>
+                  <a:txBody>
+                    <a:bodyPr/>
+                    <a:lstStyle/>
+                    <a:p>
+                      <a:pPr algn="just">
+                        <a:lnSpc>
+                          <a:spcPct val="90000"/>
+                        </a:lnSpc>
+                      </a:pPr>
+                      <a:endParaRPr lang="fr-FR" sz="700" b="1" i="0" dirty="0">
+                        <a:solidFill>
+                          <a:schemeClr val="tx1"/>
+                        </a:solidFill>
+                        <a:latin typeface="+mn-lt"/>
+                      </a:endParaRPr>
+                    </a:p>
+                  </a:txBody>
+                  <a:tcPr marL="36000" marR="36000" marT="46800" marB="46800" anchor="ctr">
+                    <a:lnL w="12700" cap="flat" cmpd="sng" algn="ctr">
+                      <a:solidFill>
+                        <a:schemeClr val="bg1"/>
+                      </a:solidFill>
+                      <a:prstDash val="solid"/>
+                      <a:round/>
+                      <a:headEnd type="none" w="med" len="med"/>
+                      <a:tailEnd type="none" w="med" len="med"/>
+                    </a:lnL>
+                    <a:lnR w="6350" cap="flat" cmpd="sng" algn="ctr">
+                      <a:solidFill>
+                        <a:schemeClr val="bg1">
+                          <a:lumMod val="65000"/>
+                        </a:schemeClr>
+                      </a:solidFill>
+                      <a:prstDash val="solid"/>
+                      <a:round/>
+                      <a:headEnd type="none" w="med" len="med"/>
+                      <a:tailEnd type="none" w="med" len="med"/>
+                    </a:lnR>
+                    <a:lnT w="6350" cap="flat" cmpd="sng" algn="ctr">
+                      <a:solidFill>
+                        <a:schemeClr val="bg1">
+                          <a:lumMod val="65000"/>
+                        </a:schemeClr>
+                      </a:solidFill>
+                      <a:prstDash val="solid"/>
+                      <a:round/>
+                      <a:headEnd type="none" w="med" len="med"/>
+                      <a:tailEnd type="none" w="med" len="med"/>
+                    </a:lnT>
+                    <a:lnB w="6350" cap="flat" cmpd="sng" algn="ctr">
+                      <a:solidFill>
+                        <a:schemeClr val="bg1">
+                          <a:lumMod val="65000"/>
+                        </a:schemeClr>
+                      </a:solidFill>
+                      <a:prstDash val="solid"/>
+                      <a:round/>
+                      <a:headEnd type="none" w="med" len="med"/>
+                      <a:tailEnd type="none" w="med" len="med"/>
+                    </a:lnB>
+                    <a:lnTlToBr w="12700" cmpd="sng">
+                      <a:noFill/>
+                      <a:prstDash val="solid"/>
+                    </a:lnTlToBr>
+                    <a:lnBlToTr w="12700" cmpd="sng">
+                      <a:noFill/>
+                      <a:prstDash val="solid"/>
+                    </a:lnBlToTr>
+                    <a:noFill/>
+                  </a:tcPr>
+                </a:tc>
+                <a:extLst>
+                  <a:ext uri="{0D108BD9-81ED-4DB2-BD59-A6C34878D82A}">
+                    <a16:rowId xmlns:a16="http://schemas.microsoft.com/office/drawing/2014/main" val="405921866"/>
+                  </a:ext>
+                </a:extLst>
+              </a:tr>
+              <a:tr h="472328">
+                <a:tc>
+                  <a:txBody>
+                    <a:bodyPr/>
+                    <a:lstStyle/>
+                    <a:p>
+                      <a:pPr marL="0" marR="0" lvl="0" indent="0" algn="l" defTabSz="755934" rtl="0" eaLnBrk="1" fontAlgn="auto" latinLnBrk="0" hangingPunct="1">
+                        <a:lnSpc>
+                          <a:spcPct val="90000"/>
+                        </a:lnSpc>
+                        <a:spcBef>
+                          <a:spcPts val="0"/>
+                        </a:spcBef>
+                        <a:spcAft>
+                          <a:spcPts val="0"/>
+                        </a:spcAft>
+                        <a:buClrTx/>
+                        <a:buSzTx/>
+                        <a:buFontTx/>
+                        <a:buNone/>
+                        <a:tabLst/>
+                        <a:defRPr/>
+                      </a:pPr>
+                      <a:r>
+                        <a:rPr lang="fr-FR" sz="700" b="1" kern="1200" dirty="0">
+                          <a:solidFill>
+                            <a:srgbClr val="B9A049"/>
+                          </a:solidFill>
+                          <a:latin typeface="+mn-lt"/>
+                          <a:ea typeface="+mn-ea"/>
+                          <a:cs typeface="+mn-cs"/>
+                        </a:rPr>
+                        <a:t>Forme</a:t>
+                      </a:r>
+                    </a:p>
+                  </a:txBody>
+                  <a:tcPr marL="72000" marR="72000" marT="46800" marB="46800" anchor="ctr">
+                    <a:lnL w="12700" cap="flat" cmpd="sng" algn="ctr">
+                      <a:solidFill>
+                        <a:schemeClr val="bg1">
+                          <a:lumMod val="85000"/>
+                        </a:schemeClr>
+                      </a:solidFill>
+                      <a:prstDash val="solid"/>
+                      <a:round/>
+                      <a:headEnd type="none" w="med" len="med"/>
+                      <a:tailEnd type="none" w="med" len="med"/>
+                    </a:lnL>
+                    <a:lnR w="12700" cap="flat" cmpd="sng" algn="ctr">
+                      <a:solidFill>
+                        <a:schemeClr val="bg1"/>
+                      </a:solidFill>
+                      <a:prstDash val="solid"/>
+                      <a:round/>
+                      <a:headEnd type="none" w="med" len="med"/>
+                      <a:tailEnd type="none" w="med" len="med"/>
+                    </a:lnR>
+                    <a:lnT w="12700" cap="flat" cmpd="sng" algn="ctr">
+                      <a:solidFill>
+                        <a:schemeClr val="bg1"/>
+                      </a:solidFill>
+                      <a:prstDash val="solid"/>
+                      <a:round/>
+                      <a:headEnd type="none" w="med" len="med"/>
+                      <a:tailEnd type="none" w="med" len="med"/>
+                    </a:lnT>
+                    <a:lnB w="12700" cap="flat" cmpd="sng" algn="ctr">
+                      <a:solidFill>
+                        <a:schemeClr val="bg1"/>
+                      </a:solidFill>
+                      <a:prstDash val="solid"/>
+                      <a:round/>
+                      <a:headEnd type="none" w="med" len="med"/>
+                      <a:tailEnd type="none" w="med" len="med"/>
+                    </a:lnB>
+                    <a:lnTlToBr w="12700" cmpd="sng">
+                      <a:noFill/>
+                      <a:prstDash val="solid"/>
+                    </a:lnTlToBr>
+                    <a:lnBlToTr w="12700" cmpd="sng">
+                      <a:noFill/>
+                      <a:prstDash val="solid"/>
+                    </a:lnBlToTr>
+                    <a:solidFill>
+                      <a:schemeClr val="bg1">
+                        <a:lumMod val="95000"/>
+                      </a:schemeClr>
+                    </a:solidFill>
+                  </a:tcPr>
+                </a:tc>
+                <a:tc>
+                  <a:txBody>
+                    <a:bodyPr/>
+                    <a:lstStyle/>
+                    <a:p>
+                      <a:pPr algn="just">
+                        <a:lnSpc>
+                          <a:spcPct val="90000"/>
+                        </a:lnSpc>
+                      </a:pPr>
+                      <a:r>
+                        <a:rPr lang="fr-FR" sz="700" b="1" i="0" dirty="0">
+                          <a:solidFill>
+                            <a:schemeClr val="tx1"/>
+                          </a:solidFill>
+                          <a:latin typeface="+mn-lt"/>
+                        </a:rPr>
+                        <a:t>EMTN (Euro Medium </a:t>
+                      </a:r>
+                      <a:r>
+                        <a:rPr lang="fr-FR" sz="700" b="1" i="0" dirty="0" err="1">
+                          <a:solidFill>
+                            <a:schemeClr val="tx1"/>
+                          </a:solidFill>
+                          <a:latin typeface="+mn-lt"/>
+                        </a:rPr>
+                        <a:t>Term</a:t>
+                      </a:r>
+                      <a:r>
+                        <a:rPr lang="fr-FR" sz="700" b="1" i="0" dirty="0">
+                          <a:solidFill>
+                            <a:schemeClr val="tx1"/>
+                          </a:solidFill>
+                          <a:latin typeface="+mn-lt"/>
+                        </a:rPr>
+                        <a:t> Note), Titre de créance de droit français présentant un risque de perte en capital en cours de vie et à l’échéance. </a:t>
+                      </a:r>
+                      <a:r>
+                        <a:rPr lang="fr-FR" sz="700" b="1" i="0" kern="1200" dirty="0">
+                          <a:solidFill>
+                            <a:schemeClr val="tx1"/>
+                          </a:solidFill>
+                          <a:latin typeface="+mn-lt"/>
+                          <a:ea typeface="+mn-ea"/>
+                          <a:cs typeface="+mn-cs"/>
+                        </a:rPr>
+                        <a:t>Bien que la formule de remboursement et le paiement des sommes dues par l’Émetteur au titre du produit soient garanties par </a:t>
+                      </a:r>
+                      <a:r>
+                        <a:rPr lang="fr-FR" sz="700" b="1" i="0" kern="1200" noProof="0" dirty="0">
+                          <a:solidFill>
+                            <a:schemeClr val="tx1"/>
+                          </a:solidFill>
+                          <a:latin typeface="+mn-lt"/>
+                          <a:ea typeface="+mn-ea"/>
+                          <a:cs typeface="+mn-cs"/>
+                        </a:rPr>
+                        <a:t>BNP Paribas SA</a:t>
+                      </a:r>
+                      <a:r>
+                        <a:rPr kumimoji="0" lang="fr-FR" sz="700" b="1" i="0" u="none" strike="noStrike" kern="1200" cap="none" spc="0" normalizeH="0" baseline="30000" noProof="0" dirty="0">
+                          <a:ln>
+                            <a:noFill/>
+                          </a:ln>
+                          <a:solidFill>
+                            <a:schemeClr val="tx1"/>
+                          </a:solidFill>
+                          <a:effectLst/>
+                          <a:uLnTx/>
+                          <a:uFillTx/>
+                          <a:latin typeface="+mn-lt"/>
+                          <a:ea typeface="+mn-ea"/>
+                          <a:cs typeface="+mn-cs"/>
+                        </a:rPr>
+                        <a:t>(1)</a:t>
+                      </a:r>
+                      <a:r>
+                        <a:rPr lang="fr-FR" sz="700" b="1" i="0" kern="1200" dirty="0">
+                          <a:solidFill>
+                            <a:schemeClr val="tx1"/>
+                          </a:solidFill>
+                          <a:latin typeface="+mn-lt"/>
+                          <a:ea typeface="+mn-ea"/>
+                          <a:cs typeface="+mn-cs"/>
+                        </a:rPr>
+                        <a:t>, le </a:t>
+                      </a:r>
+                      <a:r>
+                        <a:rPr lang="fr-FR" sz="700" b="1" i="0" dirty="0">
+                          <a:solidFill>
+                            <a:schemeClr val="tx1"/>
+                          </a:solidFill>
+                          <a:latin typeface="+mn-lt"/>
+                        </a:rPr>
+                        <a:t>produit présente un risque de perte en capital à hauteur de l’intégralité de la baisse enregistrée par &lt;SJR1&gt;.</a:t>
+                      </a:r>
+                    </a:p>
+                  </a:txBody>
+                  <a:tcPr marL="36000" marR="36000" marT="46800" marB="46800" anchor="ctr">
+                    <a:lnL w="12700" cap="flat" cmpd="sng" algn="ctr">
+                      <a:solidFill>
+                        <a:schemeClr val="bg1"/>
+                      </a:solidFill>
+                      <a:prstDash val="solid"/>
+                      <a:round/>
+                      <a:headEnd type="none" w="med" len="med"/>
+                      <a:tailEnd type="none" w="med" len="med"/>
+                    </a:lnL>
+                    <a:lnR w="6350" cap="flat" cmpd="sng" algn="ctr">
+                      <a:solidFill>
+                        <a:schemeClr val="bg1">
+                          <a:lumMod val="65000"/>
+                        </a:schemeClr>
+                      </a:solidFill>
+                      <a:prstDash val="solid"/>
+                      <a:round/>
+                      <a:headEnd type="none" w="med" len="med"/>
+                      <a:tailEnd type="none" w="med" len="med"/>
+                    </a:lnR>
+                    <a:lnT w="6350" cap="flat" cmpd="sng" algn="ctr">
+                      <a:solidFill>
+                        <a:schemeClr val="bg1">
+                          <a:lumMod val="65000"/>
+                        </a:schemeClr>
+                      </a:solidFill>
+                      <a:prstDash val="solid"/>
+                      <a:round/>
+                      <a:headEnd type="none" w="med" len="med"/>
+                      <a:tailEnd type="none" w="med" len="med"/>
+                    </a:lnT>
+                    <a:lnB w="6350" cap="flat" cmpd="sng" algn="ctr">
+                      <a:solidFill>
+                        <a:schemeClr val="bg1">
+                          <a:lumMod val="65000"/>
+                        </a:schemeClr>
+                      </a:solidFill>
+                      <a:prstDash val="solid"/>
+                      <a:round/>
+                      <a:headEnd type="none" w="med" len="med"/>
+                      <a:tailEnd type="none" w="med" len="med"/>
+                    </a:lnB>
+                    <a:lnTlToBr w="12700" cmpd="sng">
+                      <a:noFill/>
+                      <a:prstDash val="solid"/>
+                    </a:lnTlToBr>
+                    <a:lnBlToTr w="12700" cmpd="sng">
+                      <a:noFill/>
+                      <a:prstDash val="solid"/>
+                    </a:lnBlToTr>
+                    <a:noFill/>
+                  </a:tcPr>
+                </a:tc>
+                <a:extLst>
+                  <a:ext uri="{0D108BD9-81ED-4DB2-BD59-A6C34878D82A}">
+                    <a16:rowId xmlns:a16="http://schemas.microsoft.com/office/drawing/2014/main" val="3737194071"/>
+                  </a:ext>
+                </a:extLst>
+              </a:tr>
+              <a:tr h="198049">
+                <a:tc>
+                  <a:txBody>
+                    <a:bodyPr/>
+                    <a:lstStyle/>
+                    <a:p>
+                      <a:pPr marL="0" marR="0" lvl="0" indent="0" algn="l" defTabSz="755934" rtl="0" eaLnBrk="1" fontAlgn="auto" latinLnBrk="0" hangingPunct="1">
+                        <a:lnSpc>
+                          <a:spcPct val="90000"/>
+                        </a:lnSpc>
+                        <a:spcBef>
+                          <a:spcPts val="0"/>
+                        </a:spcBef>
+                        <a:spcAft>
+                          <a:spcPts val="0"/>
+                        </a:spcAft>
+                        <a:buClrTx/>
+                        <a:buSzTx/>
+                        <a:buFontTx/>
+                        <a:buNone/>
+                        <a:tabLst/>
+                        <a:defRPr/>
+                      </a:pPr>
+                      <a:r>
+                        <a:rPr lang="fr-FR" sz="700" b="1" kern="1200">
+                          <a:solidFill>
+                            <a:srgbClr val="B9A049"/>
+                          </a:solidFill>
+                          <a:latin typeface="+mn-lt"/>
+                          <a:ea typeface="+mn-ea"/>
+                          <a:cs typeface="+mn-cs"/>
+                        </a:rPr>
+                        <a:t>Émetteur</a:t>
+                      </a:r>
+                    </a:p>
+                  </a:txBody>
+                  <a:tcPr marL="72000" marR="72000" marT="46800" marB="46800" anchor="ctr" horzOverflow="overflow">
+                    <a:lnL w="12700" cap="flat" cmpd="sng" algn="ctr">
+                      <a:solidFill>
+                        <a:schemeClr val="bg1">
+                          <a:lumMod val="85000"/>
+                        </a:schemeClr>
+                      </a:solidFill>
+                      <a:prstDash val="solid"/>
+                      <a:round/>
+                      <a:headEnd type="none" w="med" len="med"/>
+                      <a:tailEnd type="none" w="med" len="med"/>
+                    </a:lnL>
+                    <a:lnR w="12700" cap="flat" cmpd="sng" algn="ctr">
+                      <a:solidFill>
+                        <a:schemeClr val="bg1"/>
+                      </a:solidFill>
+                      <a:prstDash val="solid"/>
+                      <a:round/>
+                      <a:headEnd type="none" w="med" len="med"/>
+                      <a:tailEnd type="none" w="med" len="med"/>
+                    </a:lnR>
+                    <a:lnT w="12700" cap="flat" cmpd="sng" algn="ctr">
+                      <a:solidFill>
+                        <a:schemeClr val="bg1"/>
+                      </a:solidFill>
+                      <a:prstDash val="solid"/>
+                      <a:round/>
+                      <a:headEnd type="none" w="med" len="med"/>
+                      <a:tailEnd type="none" w="med" len="med"/>
+                    </a:lnT>
+                    <a:lnB w="12700" cap="flat" cmpd="sng" algn="ctr">
+                      <a:solidFill>
+                        <a:schemeClr val="bg1"/>
+                      </a:solidFill>
+                      <a:prstDash val="solid"/>
+                      <a:round/>
+                      <a:headEnd type="none" w="med" len="med"/>
+                      <a:tailEnd type="none" w="med" len="med"/>
+                    </a:lnB>
+                    <a:lnTlToBr w="12700" cmpd="sng">
+                      <a:noFill/>
+                      <a:prstDash val="solid"/>
+                    </a:lnTlToBr>
+                    <a:lnBlToTr w="12700" cmpd="sng">
+                      <a:noFill/>
+                      <a:prstDash val="solid"/>
+                    </a:lnBlToTr>
+                    <a:solidFill>
+                      <a:schemeClr val="bg1">
+                        <a:lumMod val="95000"/>
+                      </a:schemeClr>
+                    </a:solidFill>
+                  </a:tcPr>
+                </a:tc>
+                <a:tc>
+                  <a:txBody>
+                    <a:bodyPr/>
+                    <a:lstStyle/>
+                    <a:p>
+                      <a:pPr marL="0" marR="0" lvl="0" indent="0" algn="just" defTabSz="1042988" rtl="0" eaLnBrk="1" fontAlgn="base" latinLnBrk="0" hangingPunct="1">
+                        <a:lnSpc>
+                          <a:spcPct val="100000"/>
+                        </a:lnSpc>
+                        <a:spcBef>
+                          <a:spcPct val="0"/>
+                        </a:spcBef>
+                        <a:spcAft>
+                          <a:spcPct val="0"/>
+                        </a:spcAft>
+                        <a:buClrTx/>
+                        <a:buSzTx/>
+                        <a:buFontTx/>
+                        <a:buNone/>
+                        <a:tabLst/>
+                        <a:defRPr/>
+                      </a:pPr>
+                      <a:r>
+                        <a:rPr kumimoji="0" lang="fr-FR" sz="700" b="0" i="0" u="none" strike="noStrike" kern="1200" cap="none" spc="0" normalizeH="0" baseline="0" noProof="0" dirty="0">
+                          <a:ln>
+                            <a:noFill/>
+                          </a:ln>
+                          <a:solidFill>
+                            <a:schemeClr val="tx1"/>
+                          </a:solidFill>
+                          <a:effectLst/>
+                          <a:uLnTx/>
+                          <a:uFillTx/>
+                          <a:latin typeface="+mn-lt"/>
+                          <a:ea typeface="+mn-ea"/>
+                          <a:cs typeface="+mn-cs"/>
+                        </a:rPr>
+                        <a:t>BNP Paribas </a:t>
+                      </a:r>
+                      <a:r>
+                        <a:rPr kumimoji="0" lang="fr-FR" sz="700" b="0" i="0" u="none" strike="noStrike" kern="1200" cap="none" spc="0" normalizeH="0" baseline="0" noProof="0" dirty="0" err="1">
+                          <a:ln>
+                            <a:noFill/>
+                          </a:ln>
+                          <a:solidFill>
+                            <a:schemeClr val="tx1"/>
+                          </a:solidFill>
+                          <a:effectLst/>
+                          <a:uLnTx/>
+                          <a:uFillTx/>
+                          <a:latin typeface="+mn-lt"/>
+                          <a:ea typeface="+mn-ea"/>
+                          <a:cs typeface="+mn-cs"/>
+                        </a:rPr>
+                        <a:t>Issuance</a:t>
+                      </a:r>
+                      <a:r>
+                        <a:rPr kumimoji="0" lang="fr-FR" sz="700" b="0" i="0" u="none" strike="noStrike" kern="1200" cap="none" spc="0" normalizeH="0" baseline="0" noProof="0" dirty="0">
+                          <a:ln>
+                            <a:noFill/>
+                          </a:ln>
+                          <a:solidFill>
+                            <a:schemeClr val="tx1"/>
+                          </a:solidFill>
+                          <a:effectLst/>
+                          <a:uLnTx/>
+                          <a:uFillTx/>
+                          <a:latin typeface="+mn-lt"/>
+                          <a:ea typeface="+mn-ea"/>
+                          <a:cs typeface="+mn-cs"/>
+                        </a:rPr>
+                        <a:t> B.V.</a:t>
+                      </a:r>
+                      <a:r>
+                        <a:rPr lang="fr-FR" sz="700" kern="1200" baseline="30000" dirty="0">
+                          <a:solidFill>
+                            <a:schemeClr val="tx1"/>
+                          </a:solidFill>
+                          <a:latin typeface="+mn-lt"/>
+                          <a:ea typeface="+mn-ea"/>
+                          <a:cs typeface="+mn-cs"/>
+                        </a:rPr>
+                        <a:t>(1)</a:t>
+                      </a:r>
+                      <a:r>
+                        <a:rPr kumimoji="0" lang="fr-FR" sz="700" b="0" i="0" u="none" strike="noStrike" kern="1200" cap="none" spc="0" normalizeH="0" baseline="0" noProof="0" dirty="0">
+                          <a:ln>
+                            <a:noFill/>
+                          </a:ln>
+                          <a:solidFill>
+                            <a:schemeClr val="tx1"/>
+                          </a:solidFill>
+                          <a:effectLst/>
+                          <a:uLnTx/>
+                          <a:uFillTx/>
+                          <a:latin typeface="+mn-lt"/>
+                          <a:ea typeface="+mn-ea"/>
+                          <a:cs typeface="+mn-cs"/>
+                        </a:rPr>
+                        <a:t>(véhicule d’émission dédié de droit néerlandais)</a:t>
+                      </a:r>
+                      <a:endParaRPr kumimoji="0" lang="fr-FR" sz="700" b="0" i="0" u="none" strike="noStrike" kern="1200" cap="none" spc="0" normalizeH="0" baseline="30000" noProof="0" dirty="0">
+                        <a:ln>
+                          <a:noFill/>
+                        </a:ln>
+                        <a:solidFill>
+                          <a:schemeClr val="tx1"/>
+                        </a:solidFill>
+                        <a:effectLst/>
+                        <a:uLnTx/>
+                        <a:uFillTx/>
+                        <a:latin typeface="+mn-lt"/>
+                        <a:ea typeface="+mn-ea"/>
+                        <a:cs typeface="+mn-cs"/>
+                      </a:endParaRPr>
+                    </a:p>
+                  </a:txBody>
+                  <a:tcPr marL="72000" marR="72000" marT="46800" marB="46800" anchor="ctr" horzOverflow="overflow">
+                    <a:lnL w="12700" cap="flat" cmpd="sng" algn="ctr">
+                      <a:solidFill>
+                        <a:schemeClr val="bg1"/>
+                      </a:solidFill>
+                      <a:prstDash val="solid"/>
+                      <a:round/>
+                      <a:headEnd type="none" w="med" len="med"/>
+                      <a:tailEnd type="none" w="med" len="med"/>
+                    </a:lnL>
+                    <a:lnR w="6350" cap="flat" cmpd="sng" algn="ctr">
+                      <a:solidFill>
+                        <a:schemeClr val="bg1">
+                          <a:lumMod val="65000"/>
+                        </a:schemeClr>
+                      </a:solidFill>
+                      <a:prstDash val="solid"/>
+                      <a:round/>
+                      <a:headEnd type="none" w="med" len="med"/>
+                      <a:tailEnd type="none" w="med" len="med"/>
+                    </a:lnR>
+                    <a:lnT w="6350" cap="flat" cmpd="sng" algn="ctr">
+                      <a:solidFill>
+                        <a:schemeClr val="bg1">
+                          <a:lumMod val="65000"/>
+                        </a:schemeClr>
+                      </a:solidFill>
+                      <a:prstDash val="solid"/>
+                      <a:round/>
+                      <a:headEnd type="none" w="med" len="med"/>
+                      <a:tailEnd type="none" w="med" len="med"/>
+                    </a:lnT>
+                    <a:lnB w="6350" cap="flat" cmpd="sng" algn="ctr">
+                      <a:solidFill>
+                        <a:schemeClr val="bg1">
+                          <a:lumMod val="65000"/>
+                        </a:schemeClr>
+                      </a:solidFill>
+                      <a:prstDash val="solid"/>
+                      <a:round/>
+                      <a:headEnd type="none" w="med" len="med"/>
+                      <a:tailEnd type="none" w="med" len="med"/>
+                    </a:lnB>
+                    <a:lnTlToBr w="12700" cmpd="sng">
+                      <a:noFill/>
+                      <a:prstDash val="solid"/>
+                    </a:lnTlToBr>
+                    <a:lnBlToTr w="12700" cmpd="sng">
+                      <a:noFill/>
+                      <a:prstDash val="solid"/>
+                    </a:lnBlToTr>
+                    <a:noFill/>
+                  </a:tcPr>
+                </a:tc>
+                <a:extLst>
+                  <a:ext uri="{0D108BD9-81ED-4DB2-BD59-A6C34878D82A}">
+                    <a16:rowId xmlns:a16="http://schemas.microsoft.com/office/drawing/2014/main" val="2863756262"/>
+                  </a:ext>
+                </a:extLst>
+              </a:tr>
+              <a:tr h="198049">
+                <a:tc>
+                  <a:txBody>
+                    <a:bodyPr/>
+                    <a:lstStyle/>
+                    <a:p>
+                      <a:pPr marL="0" marR="0" lvl="0" indent="0" algn="l" defTabSz="755934" rtl="0" eaLnBrk="1" fontAlgn="auto" latinLnBrk="0" hangingPunct="1">
+                        <a:lnSpc>
+                          <a:spcPct val="90000"/>
+                        </a:lnSpc>
+                        <a:spcBef>
+                          <a:spcPts val="0"/>
+                        </a:spcBef>
+                        <a:spcAft>
+                          <a:spcPts val="0"/>
+                        </a:spcAft>
+                        <a:buClrTx/>
+                        <a:buSzTx/>
+                        <a:buFontTx/>
+                        <a:buNone/>
+                        <a:tabLst/>
+                        <a:defRPr/>
+                      </a:pPr>
+                      <a:r>
+                        <a:rPr lang="fr-FR" sz="700" b="1" kern="1200">
+                          <a:solidFill>
+                            <a:srgbClr val="B9A049"/>
+                          </a:solidFill>
+                          <a:latin typeface="+mn-lt"/>
+                          <a:ea typeface="+mn-ea"/>
+                          <a:cs typeface="+mn-cs"/>
+                        </a:rPr>
+                        <a:t>Garant de la formule</a:t>
+                      </a:r>
+                    </a:p>
+                  </a:txBody>
+                  <a:tcPr marL="72000" marR="72000" marT="46800" marB="46800" anchor="ctr" horzOverflow="overflow">
+                    <a:lnL w="12700" cap="flat" cmpd="sng" algn="ctr">
+                      <a:solidFill>
+                        <a:schemeClr val="bg1">
+                          <a:lumMod val="85000"/>
+                        </a:schemeClr>
+                      </a:solidFill>
+                      <a:prstDash val="solid"/>
+                      <a:round/>
+                      <a:headEnd type="none" w="med" len="med"/>
+                      <a:tailEnd type="none" w="med" len="med"/>
+                    </a:lnL>
+                    <a:lnR w="12700" cap="flat" cmpd="sng" algn="ctr">
+                      <a:solidFill>
+                        <a:schemeClr val="bg1"/>
+                      </a:solidFill>
+                      <a:prstDash val="solid"/>
+                      <a:round/>
+                      <a:headEnd type="none" w="med" len="med"/>
+                      <a:tailEnd type="none" w="med" len="med"/>
+                    </a:lnR>
+                    <a:lnT w="12700" cap="flat" cmpd="sng" algn="ctr">
+                      <a:solidFill>
+                        <a:schemeClr val="bg1"/>
+                      </a:solidFill>
+                      <a:prstDash val="solid"/>
+                      <a:round/>
+                      <a:headEnd type="none" w="med" len="med"/>
+                      <a:tailEnd type="none" w="med" len="med"/>
+                    </a:lnT>
+                    <a:lnB w="12700" cap="flat" cmpd="sng" algn="ctr">
+                      <a:solidFill>
+                        <a:schemeClr val="bg1"/>
+                      </a:solidFill>
+                      <a:prstDash val="solid"/>
+                      <a:round/>
+                      <a:headEnd type="none" w="med" len="med"/>
+                      <a:tailEnd type="none" w="med" len="med"/>
+                    </a:lnB>
+                    <a:lnTlToBr w="12700" cmpd="sng">
+                      <a:noFill/>
+                      <a:prstDash val="solid"/>
+                    </a:lnTlToBr>
+                    <a:lnBlToTr w="12700" cmpd="sng">
+                      <a:noFill/>
+                      <a:prstDash val="solid"/>
+                    </a:lnBlToTr>
+                    <a:solidFill>
+                      <a:schemeClr val="bg1">
+                        <a:lumMod val="95000"/>
+                      </a:schemeClr>
+                    </a:solidFill>
+                  </a:tcPr>
+                </a:tc>
+                <a:tc>
+                  <a:txBody>
+                    <a:bodyPr/>
+                    <a:lstStyle/>
+                    <a:p>
+                      <a:pPr marL="0" marR="0" lvl="0" indent="0" algn="just" defTabSz="1042988" rtl="0" eaLnBrk="1" fontAlgn="base" latinLnBrk="0" hangingPunct="1">
+                        <a:lnSpc>
+                          <a:spcPct val="100000"/>
+                        </a:lnSpc>
+                        <a:spcBef>
+                          <a:spcPct val="0"/>
+                        </a:spcBef>
+                        <a:spcAft>
+                          <a:spcPct val="0"/>
+                        </a:spcAft>
+                        <a:buClrTx/>
+                        <a:buSzTx/>
+                        <a:buFontTx/>
+                        <a:buNone/>
+                        <a:tabLst/>
+                        <a:defRPr/>
+                      </a:pPr>
+                      <a:r>
+                        <a:rPr kumimoji="0" lang="fr-FR" sz="700" b="0" i="0" u="none" strike="noStrike" kern="1200" cap="none" spc="0" normalizeH="0" baseline="0" noProof="0" dirty="0">
+                          <a:ln>
+                            <a:noFill/>
+                          </a:ln>
+                          <a:solidFill>
+                            <a:schemeClr val="tx1"/>
+                          </a:solidFill>
+                          <a:effectLst/>
+                          <a:uLnTx/>
+                          <a:uFillTx/>
+                          <a:latin typeface="+mn-lt"/>
+                          <a:ea typeface="+mn-ea"/>
+                          <a:cs typeface="+mn-cs"/>
+                        </a:rPr>
+                        <a:t>BNP Paribas SA</a:t>
+                      </a:r>
+                      <a:r>
+                        <a:rPr kumimoji="0" lang="fr-FR" sz="700" b="0" i="0" u="none" strike="noStrike" kern="1200" cap="none" spc="0" normalizeH="0" baseline="30000" noProof="0" dirty="0">
+                          <a:ln>
+                            <a:noFill/>
+                          </a:ln>
+                          <a:solidFill>
+                            <a:schemeClr val="tx1"/>
+                          </a:solidFill>
+                          <a:effectLst/>
+                          <a:uLnTx/>
+                          <a:uFillTx/>
+                          <a:latin typeface="+mn-lt"/>
+                          <a:ea typeface="+mn-ea"/>
+                          <a:cs typeface="+mn-cs"/>
+                        </a:rPr>
+                        <a:t>(1)</a:t>
+                      </a:r>
+                    </a:p>
+                  </a:txBody>
+                  <a:tcPr marL="72000" marR="72000" marT="46800" marB="46800" anchor="ctr" horzOverflow="overflow">
+                    <a:lnL w="12700" cap="flat" cmpd="sng" algn="ctr">
+                      <a:solidFill>
+                        <a:schemeClr val="bg1"/>
+                      </a:solidFill>
+                      <a:prstDash val="solid"/>
+                      <a:round/>
+                      <a:headEnd type="none" w="med" len="med"/>
+                      <a:tailEnd type="none" w="med" len="med"/>
+                    </a:lnL>
+                    <a:lnR w="6350" cap="flat" cmpd="sng" algn="ctr">
+                      <a:solidFill>
+                        <a:schemeClr val="bg1">
+                          <a:lumMod val="65000"/>
+                        </a:schemeClr>
+                      </a:solidFill>
+                      <a:prstDash val="solid"/>
+                      <a:round/>
+                      <a:headEnd type="none" w="med" len="med"/>
+                      <a:tailEnd type="none" w="med" len="med"/>
+                    </a:lnR>
+                    <a:lnT w="6350" cap="flat" cmpd="sng" algn="ctr">
+                      <a:solidFill>
+                        <a:schemeClr val="bg1">
+                          <a:lumMod val="65000"/>
+                        </a:schemeClr>
+                      </a:solidFill>
+                      <a:prstDash val="solid"/>
+                      <a:round/>
+                      <a:headEnd type="none" w="med" len="med"/>
+                      <a:tailEnd type="none" w="med" len="med"/>
+                    </a:lnT>
+                    <a:lnB w="6350" cap="flat" cmpd="sng" algn="ctr">
+                      <a:solidFill>
+                        <a:schemeClr val="bg1">
+                          <a:lumMod val="65000"/>
+                        </a:schemeClr>
+                      </a:solidFill>
+                      <a:prstDash val="solid"/>
+                      <a:round/>
+                      <a:headEnd type="none" w="med" len="med"/>
+                      <a:tailEnd type="none" w="med" len="med"/>
+                    </a:lnB>
+                    <a:lnTlToBr w="12700" cmpd="sng">
+                      <a:noFill/>
+                      <a:prstDash val="solid"/>
+                    </a:lnTlToBr>
+                    <a:lnBlToTr w="12700" cmpd="sng">
+                      <a:noFill/>
+                      <a:prstDash val="solid"/>
+                    </a:lnBlToTr>
+                    <a:noFill/>
+                  </a:tcPr>
+                </a:tc>
+                <a:extLst>
+                  <a:ext uri="{0D108BD9-81ED-4DB2-BD59-A6C34878D82A}">
+                    <a16:rowId xmlns:a16="http://schemas.microsoft.com/office/drawing/2014/main" val="2602005501"/>
+                  </a:ext>
+                </a:extLst>
+              </a:tr>
+              <a:tr h="198049">
+                <a:tc>
+                  <a:txBody>
+                    <a:bodyPr/>
+                    <a:lstStyle/>
+                    <a:p>
+                      <a:pPr marL="0" marR="0" lvl="0" indent="0" algn="l" defTabSz="755934" rtl="0" eaLnBrk="1" fontAlgn="auto" latinLnBrk="0" hangingPunct="1">
+                        <a:lnSpc>
+                          <a:spcPct val="90000"/>
+                        </a:lnSpc>
+                        <a:spcBef>
+                          <a:spcPts val="0"/>
+                        </a:spcBef>
+                        <a:spcAft>
+                          <a:spcPts val="0"/>
+                        </a:spcAft>
+                        <a:buClrTx/>
+                        <a:buSzTx/>
+                        <a:buFontTx/>
+                        <a:buNone/>
+                        <a:tabLst/>
+                        <a:defRPr/>
+                      </a:pPr>
+                      <a:r>
+                        <a:rPr lang="fr-FR" sz="700" b="1" kern="1200">
+                          <a:solidFill>
+                            <a:srgbClr val="B9A049"/>
+                          </a:solidFill>
+                          <a:latin typeface="+mn-lt"/>
+                          <a:ea typeface="+mn-ea"/>
+                          <a:cs typeface="+mn-cs"/>
+                        </a:rPr>
+                        <a:t>Distributeur</a:t>
+                      </a:r>
+                    </a:p>
+                  </a:txBody>
+                  <a:tcPr marL="72000" marR="72000" marT="46800" marB="46800" anchor="ctr" horzOverflow="overflow">
+                    <a:lnL w="12700" cap="flat" cmpd="sng" algn="ctr">
+                      <a:solidFill>
+                        <a:schemeClr val="bg1">
+                          <a:lumMod val="85000"/>
+                        </a:schemeClr>
+                      </a:solidFill>
+                      <a:prstDash val="solid"/>
+                      <a:round/>
+                      <a:headEnd type="none" w="med" len="med"/>
+                      <a:tailEnd type="none" w="med" len="med"/>
+                    </a:lnL>
+                    <a:lnR w="12700" cap="flat" cmpd="sng" algn="ctr">
+                      <a:solidFill>
+                        <a:schemeClr val="bg1"/>
+                      </a:solidFill>
+                      <a:prstDash val="solid"/>
+                      <a:round/>
+                      <a:headEnd type="none" w="med" len="med"/>
+                      <a:tailEnd type="none" w="med" len="med"/>
+                    </a:lnR>
+                    <a:lnT w="12700" cap="flat" cmpd="sng" algn="ctr">
+                      <a:solidFill>
+                        <a:schemeClr val="bg1"/>
+                      </a:solidFill>
+                      <a:prstDash val="solid"/>
+                      <a:round/>
+                      <a:headEnd type="none" w="med" len="med"/>
+                      <a:tailEnd type="none" w="med" len="med"/>
+                    </a:lnT>
+                    <a:lnB w="12700" cap="flat" cmpd="sng" algn="ctr">
+                      <a:solidFill>
+                        <a:schemeClr val="bg1"/>
+                      </a:solidFill>
+                      <a:prstDash val="solid"/>
+                      <a:round/>
+                      <a:headEnd type="none" w="med" len="med"/>
+                      <a:tailEnd type="none" w="med" len="med"/>
+                    </a:lnB>
+                    <a:lnTlToBr w="12700" cmpd="sng">
+                      <a:noFill/>
+                      <a:prstDash val="solid"/>
+                    </a:lnTlToBr>
+                    <a:lnBlToTr w="12700" cmpd="sng">
+                      <a:noFill/>
+                      <a:prstDash val="solid"/>
+                    </a:lnBlToTr>
+                    <a:solidFill>
+                      <a:schemeClr val="bg1">
+                        <a:lumMod val="95000"/>
+                      </a:schemeClr>
+                    </a:solidFill>
+                  </a:tcPr>
+                </a:tc>
+                <a:tc>
+                  <a:txBody>
+                    <a:bodyPr/>
+                    <a:lstStyle/>
+                    <a:p>
+                      <a:pPr marL="0" marR="0" lvl="0" indent="0" algn="just" defTabSz="755934" rtl="0" eaLnBrk="1" fontAlgn="base" latinLnBrk="0" hangingPunct="1">
+                        <a:lnSpc>
+                          <a:spcPct val="100000"/>
+                        </a:lnSpc>
+                        <a:spcBef>
+                          <a:spcPct val="0"/>
+                        </a:spcBef>
+                        <a:spcAft>
+                          <a:spcPct val="0"/>
+                        </a:spcAft>
+                        <a:buClrTx/>
+                        <a:buSzTx/>
+                        <a:buFontTx/>
+                        <a:buNone/>
+                        <a:tabLst/>
+                        <a:defRPr/>
+                      </a:pPr>
+                      <a:r>
+                        <a:rPr lang="fr-FR" sz="700" b="0" i="0" kern="1200" noProof="0">
+                          <a:solidFill>
+                            <a:schemeClr val="tx1"/>
+                          </a:solidFill>
+                          <a:latin typeface="+mn-lt"/>
+                          <a:ea typeface="+mn-ea"/>
+                          <a:cs typeface="+mn-cs"/>
+                        </a:rPr>
+                        <a:t>EQUITIM, Prestataire de Service d’Investissements agréé par l’ACPR sous le numéro 11283.</a:t>
+                      </a:r>
+                    </a:p>
+                  </a:txBody>
+                  <a:tcPr marL="72000" marR="72000" marT="46800" marB="46800" anchor="ctr" horzOverflow="overflow">
+                    <a:lnL w="12700" cap="flat" cmpd="sng" algn="ctr">
+                      <a:solidFill>
+                        <a:schemeClr val="bg1"/>
+                      </a:solidFill>
+                      <a:prstDash val="solid"/>
+                      <a:round/>
+                      <a:headEnd type="none" w="med" len="med"/>
+                      <a:tailEnd type="none" w="med" len="med"/>
+                    </a:lnL>
+                    <a:lnR w="6350" cap="flat" cmpd="sng" algn="ctr">
+                      <a:solidFill>
+                        <a:schemeClr val="bg1">
+                          <a:lumMod val="65000"/>
+                        </a:schemeClr>
+                      </a:solidFill>
+                      <a:prstDash val="solid"/>
+                      <a:round/>
+                      <a:headEnd type="none" w="med" len="med"/>
+                      <a:tailEnd type="none" w="med" len="med"/>
+                    </a:lnR>
+                    <a:lnT w="6350" cap="flat" cmpd="sng" algn="ctr">
+                      <a:solidFill>
+                        <a:schemeClr val="bg1">
+                          <a:lumMod val="65000"/>
+                        </a:schemeClr>
+                      </a:solidFill>
+                      <a:prstDash val="solid"/>
+                      <a:round/>
+                      <a:headEnd type="none" w="med" len="med"/>
+                      <a:tailEnd type="none" w="med" len="med"/>
+                    </a:lnT>
+                    <a:lnB w="6350" cap="flat" cmpd="sng" algn="ctr">
+                      <a:solidFill>
+                        <a:schemeClr val="bg1">
+                          <a:lumMod val="65000"/>
+                        </a:schemeClr>
+                      </a:solidFill>
+                      <a:prstDash val="solid"/>
+                      <a:round/>
+                      <a:headEnd type="none" w="med" len="med"/>
+                      <a:tailEnd type="none" w="med" len="med"/>
+                    </a:lnB>
+                    <a:lnTlToBr w="12700" cmpd="sng">
+                      <a:noFill/>
+                      <a:prstDash val="solid"/>
+                    </a:lnTlToBr>
+                    <a:lnBlToTr w="12700" cmpd="sng">
+                      <a:noFill/>
+                      <a:prstDash val="solid"/>
+                    </a:lnBlToTr>
+                    <a:noFill/>
+                  </a:tcPr>
+                </a:tc>
+                <a:extLst>
+                  <a:ext uri="{0D108BD9-81ED-4DB2-BD59-A6C34878D82A}">
+                    <a16:rowId xmlns:a16="http://schemas.microsoft.com/office/drawing/2014/main" val="2400717869"/>
+                  </a:ext>
+                </a:extLst>
+              </a:tr>
+              <a:tr h="309569">
+                <a:tc>
+                  <a:txBody>
+                    <a:bodyPr/>
+                    <a:lstStyle/>
+                    <a:p>
+                      <a:pPr marL="0" marR="0" lvl="0" indent="0" algn="l" defTabSz="755934" rtl="0" eaLnBrk="1" fontAlgn="auto" latinLnBrk="0" hangingPunct="1">
+                        <a:lnSpc>
+                          <a:spcPct val="90000"/>
+                        </a:lnSpc>
+                        <a:spcBef>
+                          <a:spcPts val="0"/>
+                        </a:spcBef>
+                        <a:spcAft>
+                          <a:spcPts val="0"/>
+                        </a:spcAft>
+                        <a:buClrTx/>
+                        <a:buSzTx/>
+                        <a:buFontTx/>
+                        <a:buNone/>
+                        <a:tabLst/>
+                        <a:defRPr/>
+                      </a:pPr>
+                      <a:r>
+                        <a:rPr lang="fr-FR" sz="700" b="1" kern="1200">
+                          <a:solidFill>
+                            <a:srgbClr val="B9A049"/>
+                          </a:solidFill>
+                          <a:latin typeface="+mn-lt"/>
+                          <a:ea typeface="+mn-ea"/>
+                          <a:cs typeface="+mn-cs"/>
+                        </a:rPr>
+                        <a:t>Sous-jacent</a:t>
+                      </a:r>
+                    </a:p>
+                  </a:txBody>
+                  <a:tcPr marL="72000" marR="72000" marT="46800" marB="46800" anchor="ctr" horzOverflow="overflow">
+                    <a:lnL w="12700" cap="flat" cmpd="sng" algn="ctr">
+                      <a:solidFill>
+                        <a:schemeClr val="bg1">
+                          <a:lumMod val="85000"/>
+                        </a:schemeClr>
+                      </a:solidFill>
+                      <a:prstDash val="solid"/>
+                      <a:round/>
+                      <a:headEnd type="none" w="med" len="med"/>
+                      <a:tailEnd type="none" w="med" len="med"/>
+                    </a:lnL>
+                    <a:lnR w="12700" cap="flat" cmpd="sng" algn="ctr">
+                      <a:solidFill>
+                        <a:schemeClr val="bg1"/>
+                      </a:solidFill>
+                      <a:prstDash val="solid"/>
+                      <a:round/>
+                      <a:headEnd type="none" w="med" len="med"/>
+                      <a:tailEnd type="none" w="med" len="med"/>
+                    </a:lnR>
+                    <a:lnT w="12700" cap="flat" cmpd="sng" algn="ctr">
+                      <a:solidFill>
+                        <a:schemeClr val="bg1"/>
+                      </a:solidFill>
+                      <a:prstDash val="solid"/>
+                      <a:round/>
+                      <a:headEnd type="none" w="med" len="med"/>
+                      <a:tailEnd type="none" w="med" len="med"/>
+                    </a:lnT>
+                    <a:lnB w="12700" cap="flat" cmpd="sng" algn="ctr">
+                      <a:solidFill>
+                        <a:schemeClr val="bg1"/>
+                      </a:solidFill>
+                      <a:prstDash val="solid"/>
+                      <a:round/>
+                      <a:headEnd type="none" w="med" len="med"/>
+                      <a:tailEnd type="none" w="med" len="med"/>
+                    </a:lnB>
+                    <a:lnTlToBr w="12700" cmpd="sng">
+                      <a:noFill/>
+                      <a:prstDash val="solid"/>
+                    </a:lnTlToBr>
+                    <a:lnBlToTr w="12700" cmpd="sng">
+                      <a:noFill/>
+                      <a:prstDash val="solid"/>
+                    </a:lnBlToTr>
+                    <a:solidFill>
+                      <a:schemeClr val="bg1">
+                        <a:lumMod val="95000"/>
+                      </a:schemeClr>
+                    </a:solidFill>
+                  </a:tcPr>
+                </a:tc>
+                <a:tc>
+                  <a:txBody>
+                    <a:bodyPr/>
+                    <a:lstStyle/>
+                    <a:p>
+                      <a:pPr marL="0" marR="0" lvl="1" indent="0" algn="just" defTabSz="755934" rtl="0" eaLnBrk="1" fontAlgn="auto" latinLnBrk="0" hangingPunct="1">
+                        <a:lnSpc>
+                          <a:spcPct val="90000"/>
+                        </a:lnSpc>
+                        <a:spcBef>
+                          <a:spcPts val="800"/>
+                        </a:spcBef>
+                        <a:spcAft>
+                          <a:spcPts val="0"/>
+                        </a:spcAft>
+                        <a:buClrTx/>
+                        <a:buSzTx/>
+                        <a:buFont typeface="Arial" panose="020B0604020202020204" pitchFamily="34" charset="0"/>
+                        <a:buNone/>
+                        <a:tabLst/>
+                        <a:defRPr/>
+                      </a:pPr>
+                      <a:r>
+                        <a:rPr kumimoji="0" lang="fr-FR" sz="800" b="1" i="0" u="none" strike="noStrike" kern="1200" cap="none" spc="0" normalizeH="0" baseline="0" noProof="0" dirty="0">
+                          <a:ln>
+                            <a:noFill/>
+                          </a:ln>
+                          <a:solidFill>
+                            <a:schemeClr val="tx1"/>
+                          </a:solidFill>
+                          <a:effectLst/>
+                          <a:uLnTx/>
+                          <a:uFillTx/>
+                          <a:latin typeface="+mn-lt"/>
+                          <a:ea typeface="+mn-ea"/>
+                          <a:cs typeface="+mn-cs"/>
+                        </a:rPr>
+                        <a:t>&lt;SJR1&gt; entre &lt;NOMSOUSJACENT&gt; </a:t>
+                      </a:r>
+                      <a:r>
+                        <a:rPr kumimoji="0" lang="fr-FR" sz="800" b="0" i="0" u="none" strike="noStrike" kern="1200" cap="none" spc="0" normalizeH="0" baseline="0" noProof="0" dirty="0">
+                          <a:ln>
+                            <a:noFill/>
+                          </a:ln>
+                          <a:solidFill>
+                            <a:schemeClr val="tx1"/>
+                          </a:solidFill>
+                          <a:effectLst/>
+                          <a:uLnTx/>
+                          <a:uFillTx/>
+                          <a:latin typeface="Proxima Nova Rg" panose="02000506030000020004" pitchFamily="2" charset="0"/>
+                          <a:ea typeface="+mn-ea"/>
+                          <a:cs typeface="+mn-cs"/>
+                        </a:rPr>
+                        <a:t>(</a:t>
+                      </a:r>
+                      <a:r>
+                        <a:rPr kumimoji="0" lang="fr-FR" sz="800" b="1" i="0" u="none" strike="noStrike" kern="1200" cap="none" spc="0" normalizeH="0" baseline="0" noProof="0" dirty="0">
+                          <a:ln>
+                            <a:noFill/>
+                          </a:ln>
+                          <a:solidFill>
+                            <a:schemeClr val="tx1"/>
+                          </a:solidFill>
+                          <a:effectLst/>
+                          <a:uLnTx/>
+                          <a:uFillTx/>
+                          <a:latin typeface="Proxima Nova Rg" panose="02000506030000020004" pitchFamily="2" charset="0"/>
+                          <a:ea typeface="+mn-ea"/>
+                          <a:cs typeface="+mn-cs"/>
+                        </a:rPr>
+                        <a:t>&lt;DIVIDENDE&gt; </a:t>
+                      </a:r>
+                      <a:r>
+                        <a:rPr kumimoji="0" lang="fr-FR" sz="800" b="0" i="0" u="none" strike="noStrike" kern="1200" cap="none" spc="0" normalizeH="0" baseline="0" noProof="0" dirty="0">
+                          <a:ln>
+                            <a:noFill/>
+                          </a:ln>
+                          <a:solidFill>
+                            <a:schemeClr val="tx1"/>
+                          </a:solidFill>
+                          <a:effectLst/>
+                          <a:uLnTx/>
+                          <a:uFillTx/>
+                          <a:latin typeface="Proxima Nova Rg" panose="02000506030000020004" pitchFamily="2" charset="0"/>
+                          <a:ea typeface="+mn-ea"/>
+                          <a:cs typeface="+mn-cs"/>
+                        </a:rPr>
+                        <a:t>; code Bloomberg : &lt;TICKER&gt; ; &lt;sponsor&gt; : &lt;SPONSOR&gt; ; </a:t>
+                      </a:r>
+                      <a:r>
+                        <a:rPr kumimoji="0" lang="fr-FR" sz="800" b="0" i="0" u="sng" strike="noStrike" kern="1200" cap="none" spc="0" normalizeH="0" baseline="0" noProof="0" dirty="0">
+                          <a:ln>
+                            <a:noFill/>
+                          </a:ln>
+                          <a:solidFill>
+                            <a:srgbClr val="B9A049"/>
+                          </a:solidFill>
+                          <a:effectLst/>
+                          <a:uLnTx/>
+                          <a:uFillTx/>
+                          <a:latin typeface="Proxima Nova Rg" panose="02000506030000020004" pitchFamily="2" charset="0"/>
+                          <a:ea typeface="+mn-ea"/>
+                          <a:cs typeface="+mn-cs"/>
+                        </a:rPr>
+                        <a:t>&lt;SITE&gt;</a:t>
+                      </a:r>
+                      <a:r>
+                        <a:rPr kumimoji="0" lang="fr-FR" sz="800" b="0" i="0" u="none" strike="noStrike" kern="1200" cap="none" spc="0" normalizeH="0" baseline="0" noProof="0" dirty="0">
+                          <a:ln>
+                            <a:noFill/>
+                          </a:ln>
+                          <a:solidFill>
+                            <a:schemeClr val="tx1"/>
+                          </a:solidFill>
+                          <a:effectLst/>
+                          <a:uLnTx/>
+                          <a:uFillTx/>
+                          <a:latin typeface="Proxima Nova Rg" panose="02000506030000020004" pitchFamily="2" charset="0"/>
+                          <a:ea typeface="+mn-ea"/>
+                          <a:cs typeface="+mn-cs"/>
+                        </a:rPr>
+                        <a:t>)</a:t>
+                      </a:r>
+                      <a:r>
+                        <a:rPr kumimoji="0" lang="fr-FR" sz="800" b="0" i="0" u="none" strike="noStrike" kern="1200" cap="none" spc="0" normalizeH="0" baseline="0" noProof="0" dirty="0">
+                          <a:ln>
+                            <a:noFill/>
+                          </a:ln>
+                          <a:solidFill>
+                            <a:schemeClr val="tx1"/>
+                          </a:solidFill>
+                          <a:effectLst/>
+                          <a:uLnTx/>
+                          <a:uFillTx/>
+                          <a:latin typeface="+mn-lt"/>
+                          <a:ea typeface="+mn-ea"/>
+                          <a:cs typeface="+mn-cs"/>
+                        </a:rPr>
+                        <a:t>.</a:t>
+                      </a:r>
+                    </a:p>
+                  </a:txBody>
+                  <a:tcPr marL="72000" marR="72000" marT="46800" marB="46800" anchor="ctr" horzOverflow="overflow">
+                    <a:lnL w="12700" cap="flat" cmpd="sng" algn="ctr">
+                      <a:solidFill>
+                        <a:schemeClr val="bg1"/>
+                      </a:solidFill>
+                      <a:prstDash val="solid"/>
+                      <a:round/>
+                      <a:headEnd type="none" w="med" len="med"/>
+                      <a:tailEnd type="none" w="med" len="med"/>
+                    </a:lnL>
+                    <a:lnR w="6350" cap="flat" cmpd="sng" algn="ctr">
+                      <a:solidFill>
+                        <a:schemeClr val="bg1">
+                          <a:lumMod val="65000"/>
+                        </a:schemeClr>
+                      </a:solidFill>
+                      <a:prstDash val="solid"/>
+                      <a:round/>
+                      <a:headEnd type="none" w="med" len="med"/>
+                      <a:tailEnd type="none" w="med" len="med"/>
+                    </a:lnR>
+                    <a:lnT w="6350" cap="flat" cmpd="sng" algn="ctr">
+                      <a:solidFill>
+                        <a:schemeClr val="bg1">
+                          <a:lumMod val="65000"/>
+                        </a:schemeClr>
+                      </a:solidFill>
+                      <a:prstDash val="solid"/>
+                      <a:round/>
+                      <a:headEnd type="none" w="med" len="med"/>
+                      <a:tailEnd type="none" w="med" len="med"/>
+                    </a:lnT>
+                    <a:lnB w="6350" cap="flat" cmpd="sng" algn="ctr">
+                      <a:solidFill>
+                        <a:schemeClr val="bg1">
+                          <a:lumMod val="65000"/>
+                        </a:schemeClr>
+                      </a:solidFill>
+                      <a:prstDash val="solid"/>
+                      <a:round/>
+                      <a:headEnd type="none" w="med" len="med"/>
+                      <a:tailEnd type="none" w="med" len="med"/>
+                    </a:lnB>
+                    <a:lnTlToBr w="12700" cmpd="sng">
+                      <a:noFill/>
+                      <a:prstDash val="solid"/>
+                    </a:lnTlToBr>
+                    <a:lnBlToTr w="12700" cmpd="sng">
+                      <a:noFill/>
+                      <a:prstDash val="solid"/>
+                    </a:lnBlToTr>
+                    <a:noFill/>
+                  </a:tcPr>
+                </a:tc>
+                <a:extLst>
+                  <a:ext uri="{0D108BD9-81ED-4DB2-BD59-A6C34878D82A}">
+                    <a16:rowId xmlns:a16="http://schemas.microsoft.com/office/drawing/2014/main" val="2695218422"/>
+                  </a:ext>
+                </a:extLst>
+              </a:tr>
+              <a:tr h="198049">
+                <a:tc>
+                  <a:txBody>
+                    <a:bodyPr/>
+                    <a:lstStyle/>
+                    <a:p>
+                      <a:pPr marL="0" marR="0" lvl="0" indent="0" algn="l" defTabSz="755934" rtl="0" eaLnBrk="1" fontAlgn="auto" latinLnBrk="0" hangingPunct="1">
+                        <a:lnSpc>
+                          <a:spcPct val="90000"/>
+                        </a:lnSpc>
+                        <a:spcBef>
+                          <a:spcPts val="0"/>
+                        </a:spcBef>
+                        <a:spcAft>
+                          <a:spcPts val="0"/>
+                        </a:spcAft>
+                        <a:buClrTx/>
+                        <a:buSzTx/>
+                        <a:buFontTx/>
+                        <a:buNone/>
+                        <a:tabLst/>
+                        <a:defRPr/>
+                      </a:pPr>
+                      <a:r>
+                        <a:rPr lang="fr-FR" sz="700" b="1" kern="1200">
+                          <a:solidFill>
+                            <a:srgbClr val="B9A049"/>
+                          </a:solidFill>
+                          <a:latin typeface="+mn-lt"/>
+                          <a:ea typeface="+mn-ea"/>
+                          <a:cs typeface="+mn-cs"/>
+                        </a:rPr>
+                        <a:t>Devise</a:t>
+                      </a:r>
+                    </a:p>
+                  </a:txBody>
+                  <a:tcPr marL="72000" marR="72000" marT="46800" marB="46800" anchor="ctr" horzOverflow="overflow">
+                    <a:lnL w="12700" cap="flat" cmpd="sng" algn="ctr">
+                      <a:solidFill>
+                        <a:schemeClr val="bg1">
+                          <a:lumMod val="85000"/>
+                        </a:schemeClr>
+                      </a:solidFill>
+                      <a:prstDash val="solid"/>
+                      <a:round/>
+                      <a:headEnd type="none" w="med" len="med"/>
+                      <a:tailEnd type="none" w="med" len="med"/>
+                    </a:lnL>
+                    <a:lnR w="12700" cap="flat" cmpd="sng" algn="ctr">
+                      <a:solidFill>
+                        <a:schemeClr val="bg1"/>
+                      </a:solidFill>
+                      <a:prstDash val="solid"/>
+                      <a:round/>
+                      <a:headEnd type="none" w="med" len="med"/>
+                      <a:tailEnd type="none" w="med" len="med"/>
+                    </a:lnR>
+                    <a:lnT w="12700" cap="flat" cmpd="sng" algn="ctr">
+                      <a:solidFill>
+                        <a:schemeClr val="bg1"/>
+                      </a:solidFill>
+                      <a:prstDash val="solid"/>
+                      <a:round/>
+                      <a:headEnd type="none" w="med" len="med"/>
+                      <a:tailEnd type="none" w="med" len="med"/>
+                    </a:lnT>
+                    <a:lnB w="12700" cap="flat" cmpd="sng" algn="ctr">
+                      <a:solidFill>
+                        <a:schemeClr val="bg1"/>
+                      </a:solidFill>
+                      <a:prstDash val="solid"/>
+                      <a:round/>
+                      <a:headEnd type="none" w="med" len="med"/>
+                      <a:tailEnd type="none" w="med" len="med"/>
+                    </a:lnB>
+                    <a:lnTlToBr w="12700" cmpd="sng">
+                      <a:noFill/>
+                      <a:prstDash val="solid"/>
+                    </a:lnTlToBr>
+                    <a:lnBlToTr w="12700" cmpd="sng">
+                      <a:noFill/>
+                      <a:prstDash val="solid"/>
+                    </a:lnBlToTr>
+                    <a:solidFill>
+                      <a:schemeClr val="bg1">
+                        <a:lumMod val="95000"/>
+                      </a:schemeClr>
+                    </a:solidFill>
+                  </a:tcPr>
+                </a:tc>
+                <a:tc>
+                  <a:txBody>
+                    <a:bodyPr/>
+                    <a:lstStyle/>
+                    <a:p>
+                      <a:pPr marL="0" marR="0" lvl="0" indent="0" algn="just" defTabSz="755934" rtl="0" eaLnBrk="1" fontAlgn="base" latinLnBrk="0" hangingPunct="1">
+                        <a:lnSpc>
+                          <a:spcPct val="100000"/>
+                        </a:lnSpc>
+                        <a:spcBef>
+                          <a:spcPct val="0"/>
+                        </a:spcBef>
+                        <a:spcAft>
+                          <a:spcPct val="0"/>
+                        </a:spcAft>
+                        <a:buClrTx/>
+                        <a:buSzTx/>
+                        <a:buFontTx/>
+                        <a:buNone/>
+                        <a:tabLst/>
+                      </a:pPr>
+                      <a:r>
+                        <a:rPr lang="fr-FR" sz="700" b="0" i="0" kern="1200">
+                          <a:solidFill>
+                            <a:schemeClr val="tx1"/>
+                          </a:solidFill>
+                          <a:latin typeface="+mn-lt"/>
+                          <a:ea typeface="+mn-ea"/>
+                          <a:cs typeface="+mn-cs"/>
+                        </a:rPr>
+                        <a:t>Euro (EUR - €)</a:t>
+                      </a:r>
+                    </a:p>
+                  </a:txBody>
+                  <a:tcPr marL="72000" marR="72000" marT="46800" marB="46800" anchor="ctr" horzOverflow="overflow">
+                    <a:lnL w="12700" cap="flat" cmpd="sng" algn="ctr">
+                      <a:solidFill>
+                        <a:schemeClr val="bg1"/>
+                      </a:solidFill>
+                      <a:prstDash val="solid"/>
+                      <a:round/>
+                      <a:headEnd type="none" w="med" len="med"/>
+                      <a:tailEnd type="none" w="med" len="med"/>
+                    </a:lnL>
+                    <a:lnR w="6350" cap="flat" cmpd="sng" algn="ctr">
+                      <a:solidFill>
+                        <a:schemeClr val="bg1">
+                          <a:lumMod val="65000"/>
+                        </a:schemeClr>
+                      </a:solidFill>
+                      <a:prstDash val="solid"/>
+                      <a:round/>
+                      <a:headEnd type="none" w="med" len="med"/>
+                      <a:tailEnd type="none" w="med" len="med"/>
+                    </a:lnR>
+                    <a:lnT w="6350" cap="flat" cmpd="sng" algn="ctr">
+                      <a:solidFill>
+                        <a:schemeClr val="bg1">
+                          <a:lumMod val="65000"/>
+                        </a:schemeClr>
+                      </a:solidFill>
+                      <a:prstDash val="solid"/>
+                      <a:round/>
+                      <a:headEnd type="none" w="med" len="med"/>
+                      <a:tailEnd type="none" w="med" len="med"/>
+                    </a:lnT>
+                    <a:lnB w="6350" cap="flat" cmpd="sng" algn="ctr">
+                      <a:solidFill>
+                        <a:schemeClr val="bg1">
+                          <a:lumMod val="65000"/>
+                        </a:schemeClr>
+                      </a:solidFill>
+                      <a:prstDash val="solid"/>
+                      <a:round/>
+                      <a:headEnd type="none" w="med" len="med"/>
+                      <a:tailEnd type="none" w="med" len="med"/>
+                    </a:lnB>
+                    <a:lnTlToBr w="12700" cmpd="sng">
+                      <a:noFill/>
+                      <a:prstDash val="solid"/>
+                    </a:lnTlToBr>
+                    <a:lnBlToTr w="12700" cmpd="sng">
+                      <a:noFill/>
+                      <a:prstDash val="solid"/>
+                    </a:lnBlToTr>
+                    <a:noFill/>
+                  </a:tcPr>
+                </a:tc>
+                <a:extLst>
+                  <a:ext uri="{0D108BD9-81ED-4DB2-BD59-A6C34878D82A}">
+                    <a16:rowId xmlns:a16="http://schemas.microsoft.com/office/drawing/2014/main" val="2894602003"/>
+                  </a:ext>
+                </a:extLst>
+              </a:tr>
+              <a:tr h="198049">
+                <a:tc>
+                  <a:txBody>
+                    <a:bodyPr/>
+                    <a:lstStyle/>
+                    <a:p>
+                      <a:pPr marL="0" marR="0" lvl="0" indent="0" algn="l" defTabSz="755934" rtl="0" eaLnBrk="1" fontAlgn="auto" latinLnBrk="0" hangingPunct="1">
+                        <a:lnSpc>
+                          <a:spcPct val="90000"/>
+                        </a:lnSpc>
+                        <a:spcBef>
+                          <a:spcPts val="0"/>
+                        </a:spcBef>
+                        <a:spcAft>
+                          <a:spcPts val="0"/>
+                        </a:spcAft>
+                        <a:buClrTx/>
+                        <a:buSzTx/>
+                        <a:buFontTx/>
+                        <a:buNone/>
+                        <a:tabLst/>
+                        <a:defRPr/>
+                      </a:pPr>
+                      <a:r>
+                        <a:rPr lang="fr-FR" sz="700" b="1" kern="1200">
+                          <a:solidFill>
+                            <a:srgbClr val="B9A049"/>
+                          </a:solidFill>
+                          <a:latin typeface="+mn-lt"/>
+                          <a:ea typeface="+mn-ea"/>
+                          <a:cs typeface="+mn-cs"/>
+                        </a:rPr>
+                        <a:t>Montant de l’émission</a:t>
+                      </a:r>
+                    </a:p>
+                  </a:txBody>
+                  <a:tcPr marL="72000" marR="72000" marT="46800" marB="46800" anchor="ctr" horzOverflow="overflow">
+                    <a:lnL w="12700" cap="flat" cmpd="sng" algn="ctr">
+                      <a:solidFill>
+                        <a:schemeClr val="bg1">
+                          <a:lumMod val="85000"/>
+                        </a:schemeClr>
+                      </a:solidFill>
+                      <a:prstDash val="solid"/>
+                      <a:round/>
+                      <a:headEnd type="none" w="med" len="med"/>
+                      <a:tailEnd type="none" w="med" len="med"/>
+                    </a:lnL>
+                    <a:lnR w="12700" cap="flat" cmpd="sng" algn="ctr">
+                      <a:solidFill>
+                        <a:schemeClr val="bg1"/>
+                      </a:solidFill>
+                      <a:prstDash val="solid"/>
+                      <a:round/>
+                      <a:headEnd type="none" w="med" len="med"/>
+                      <a:tailEnd type="none" w="med" len="med"/>
+                    </a:lnR>
+                    <a:lnT w="12700" cap="flat" cmpd="sng" algn="ctr">
+                      <a:solidFill>
+                        <a:schemeClr val="bg1"/>
+                      </a:solidFill>
+                      <a:prstDash val="solid"/>
+                      <a:round/>
+                      <a:headEnd type="none" w="med" len="med"/>
+                      <a:tailEnd type="none" w="med" len="med"/>
+                    </a:lnT>
+                    <a:lnB w="12700" cap="flat" cmpd="sng" algn="ctr">
+                      <a:solidFill>
+                        <a:schemeClr val="bg1"/>
+                      </a:solidFill>
+                      <a:prstDash val="solid"/>
+                      <a:round/>
+                      <a:headEnd type="none" w="med" len="med"/>
+                      <a:tailEnd type="none" w="med" len="med"/>
+                    </a:lnB>
+                    <a:lnTlToBr w="12700" cmpd="sng">
+                      <a:noFill/>
+                      <a:prstDash val="solid"/>
+                    </a:lnTlToBr>
+                    <a:lnBlToTr w="12700" cmpd="sng">
+                      <a:noFill/>
+                      <a:prstDash val="solid"/>
+                    </a:lnBlToTr>
+                    <a:solidFill>
+                      <a:schemeClr val="bg1">
+                        <a:lumMod val="95000"/>
+                      </a:schemeClr>
+                    </a:solidFill>
+                  </a:tcPr>
+                </a:tc>
+                <a:tc>
+                  <a:txBody>
+                    <a:bodyPr/>
+                    <a:lstStyle/>
+                    <a:p>
+                      <a:pPr marL="0" marR="0" lvl="0" indent="0" algn="just" defTabSz="755934" rtl="0" eaLnBrk="1" fontAlgn="base" latinLnBrk="0" hangingPunct="1">
+                        <a:lnSpc>
+                          <a:spcPct val="100000"/>
+                        </a:lnSpc>
+                        <a:spcBef>
+                          <a:spcPct val="0"/>
+                        </a:spcBef>
+                        <a:spcAft>
+                          <a:spcPct val="0"/>
+                        </a:spcAft>
+                        <a:buClrTx/>
+                        <a:buSzTx/>
+                        <a:buFontTx/>
+                        <a:buNone/>
+                        <a:tabLst/>
+                      </a:pPr>
+                      <a:r>
+                        <a:rPr lang="fr-FR" sz="700" b="0" i="0" kern="1200" dirty="0">
+                          <a:solidFill>
+                            <a:schemeClr val="tx1"/>
+                          </a:solidFill>
+                          <a:latin typeface="+mn-lt"/>
+                          <a:ea typeface="+mn-ea"/>
+                          <a:cs typeface="+mn-cs"/>
+                        </a:rPr>
+                        <a:t>30 000 000 EUR</a:t>
+                      </a:r>
+                    </a:p>
+                  </a:txBody>
+                  <a:tcPr marL="72000" marR="72000" marT="46800" marB="46800" anchor="ctr" horzOverflow="overflow">
+                    <a:lnL w="12700" cap="flat" cmpd="sng" algn="ctr">
+                      <a:solidFill>
+                        <a:schemeClr val="bg1"/>
+                      </a:solidFill>
+                      <a:prstDash val="solid"/>
+                      <a:round/>
+                      <a:headEnd type="none" w="med" len="med"/>
+                      <a:tailEnd type="none" w="med" len="med"/>
+                    </a:lnL>
+                    <a:lnR w="6350" cap="flat" cmpd="sng" algn="ctr">
+                      <a:solidFill>
+                        <a:schemeClr val="bg1">
+                          <a:lumMod val="65000"/>
+                        </a:schemeClr>
+                      </a:solidFill>
+                      <a:prstDash val="solid"/>
+                      <a:round/>
+                      <a:headEnd type="none" w="med" len="med"/>
+                      <a:tailEnd type="none" w="med" len="med"/>
+                    </a:lnR>
+                    <a:lnT w="6350" cap="flat" cmpd="sng" algn="ctr">
+                      <a:solidFill>
+                        <a:schemeClr val="bg1">
+                          <a:lumMod val="65000"/>
+                        </a:schemeClr>
+                      </a:solidFill>
+                      <a:prstDash val="solid"/>
+                      <a:round/>
+                      <a:headEnd type="none" w="med" len="med"/>
+                      <a:tailEnd type="none" w="med" len="med"/>
+                    </a:lnT>
+                    <a:lnB w="6350" cap="flat" cmpd="sng" algn="ctr">
+                      <a:solidFill>
+                        <a:schemeClr val="bg1">
+                          <a:lumMod val="65000"/>
+                        </a:schemeClr>
+                      </a:solidFill>
+                      <a:prstDash val="solid"/>
+                      <a:round/>
+                      <a:headEnd type="none" w="med" len="med"/>
+                      <a:tailEnd type="none" w="med" len="med"/>
+                    </a:lnB>
+                    <a:lnTlToBr w="12700" cmpd="sng">
+                      <a:noFill/>
+                      <a:prstDash val="solid"/>
+                    </a:lnTlToBr>
+                    <a:lnBlToTr w="12700" cmpd="sng">
+                      <a:noFill/>
+                      <a:prstDash val="solid"/>
+                    </a:lnBlToTr>
+                    <a:noFill/>
+                  </a:tcPr>
+                </a:tc>
+                <a:extLst>
+                  <a:ext uri="{0D108BD9-81ED-4DB2-BD59-A6C34878D82A}">
+                    <a16:rowId xmlns:a16="http://schemas.microsoft.com/office/drawing/2014/main" val="2698943282"/>
+                  </a:ext>
+                </a:extLst>
+              </a:tr>
+              <a:tr h="198049">
+                <a:tc>
+                  <a:txBody>
+                    <a:bodyPr/>
+                    <a:lstStyle/>
+                    <a:p>
+                      <a:pPr marL="0" marR="0" lvl="0" indent="0" algn="l" defTabSz="755934" rtl="0" eaLnBrk="1" fontAlgn="auto" latinLnBrk="0" hangingPunct="1">
+                        <a:lnSpc>
+                          <a:spcPct val="90000"/>
+                        </a:lnSpc>
+                        <a:spcBef>
+                          <a:spcPts val="0"/>
+                        </a:spcBef>
+                        <a:spcAft>
+                          <a:spcPts val="0"/>
+                        </a:spcAft>
+                        <a:buClrTx/>
+                        <a:buSzTx/>
+                        <a:buFontTx/>
+                        <a:buNone/>
+                        <a:tabLst/>
+                        <a:defRPr/>
+                      </a:pPr>
+                      <a:r>
+                        <a:rPr lang="fr-FR" sz="700" b="1" kern="1200" dirty="0">
+                          <a:solidFill>
+                            <a:srgbClr val="B9A049"/>
+                          </a:solidFill>
+                          <a:latin typeface="+mn-lt"/>
+                          <a:ea typeface="+mn-ea"/>
+                          <a:cs typeface="+mn-cs"/>
+                        </a:rPr>
+                        <a:t>Valeur nominale</a:t>
+                      </a:r>
+                    </a:p>
+                  </a:txBody>
+                  <a:tcPr marL="72000" marR="72000" marT="46800" marB="46800" anchor="ctr" horzOverflow="overflow">
+                    <a:lnL w="12700" cap="flat" cmpd="sng" algn="ctr">
+                      <a:solidFill>
+                        <a:schemeClr val="bg1">
+                          <a:lumMod val="85000"/>
+                        </a:schemeClr>
+                      </a:solidFill>
+                      <a:prstDash val="solid"/>
+                      <a:round/>
+                      <a:headEnd type="none" w="med" len="med"/>
+                      <a:tailEnd type="none" w="med" len="med"/>
+                    </a:lnL>
+                    <a:lnR w="12700" cap="flat" cmpd="sng" algn="ctr">
+                      <a:solidFill>
+                        <a:schemeClr val="bg1"/>
+                      </a:solidFill>
+                      <a:prstDash val="solid"/>
+                      <a:round/>
+                      <a:headEnd type="none" w="med" len="med"/>
+                      <a:tailEnd type="none" w="med" len="med"/>
+                    </a:lnR>
+                    <a:lnT w="12700" cap="flat" cmpd="sng" algn="ctr">
+                      <a:solidFill>
+                        <a:schemeClr val="bg1"/>
+                      </a:solidFill>
+                      <a:prstDash val="solid"/>
+                      <a:round/>
+                      <a:headEnd type="none" w="med" len="med"/>
+                      <a:tailEnd type="none" w="med" len="med"/>
+                    </a:lnT>
+                    <a:lnB w="12700" cap="flat" cmpd="sng" algn="ctr">
+                      <a:solidFill>
+                        <a:schemeClr val="bg1"/>
+                      </a:solidFill>
+                      <a:prstDash val="solid"/>
+                      <a:round/>
+                      <a:headEnd type="none" w="med" len="med"/>
+                      <a:tailEnd type="none" w="med" len="med"/>
+                    </a:lnB>
+                    <a:lnTlToBr w="12700" cmpd="sng">
+                      <a:noFill/>
+                      <a:prstDash val="solid"/>
+                    </a:lnTlToBr>
+                    <a:lnBlToTr w="12700" cmpd="sng">
+                      <a:noFill/>
+                      <a:prstDash val="solid"/>
+                    </a:lnBlToTr>
+                    <a:solidFill>
+                      <a:schemeClr val="bg1">
+                        <a:lumMod val="95000"/>
+                      </a:schemeClr>
+                    </a:solidFill>
+                  </a:tcPr>
+                </a:tc>
+                <a:tc>
+                  <a:txBody>
+                    <a:bodyPr/>
+                    <a:lstStyle/>
+                    <a:p>
+                      <a:pPr marL="0" marR="0" lvl="0" indent="0" algn="just" defTabSz="755934" rtl="0" eaLnBrk="1" fontAlgn="base" latinLnBrk="0" hangingPunct="1">
+                        <a:lnSpc>
+                          <a:spcPct val="100000"/>
+                        </a:lnSpc>
+                        <a:spcBef>
+                          <a:spcPct val="0"/>
+                        </a:spcBef>
+                        <a:spcAft>
+                          <a:spcPct val="0"/>
+                        </a:spcAft>
+                        <a:buClrTx/>
+                        <a:buSzTx/>
+                        <a:buFontTx/>
+                        <a:buNone/>
+                        <a:tabLst/>
+                      </a:pPr>
+                      <a:r>
+                        <a:rPr lang="fr-FR" sz="700" b="0" i="0" kern="1200">
+                          <a:solidFill>
+                            <a:schemeClr val="tx1"/>
+                          </a:solidFill>
+                          <a:latin typeface="+mn-lt"/>
+                          <a:ea typeface="+mn-ea"/>
+                          <a:cs typeface="+mn-cs"/>
+                        </a:rPr>
+                        <a:t>1 000 EUR</a:t>
+                      </a:r>
+                    </a:p>
+                  </a:txBody>
+                  <a:tcPr marL="72000" marR="72000" marT="46800" marB="46800" anchor="ctr" horzOverflow="overflow">
+                    <a:lnL w="12700" cap="flat" cmpd="sng" algn="ctr">
+                      <a:solidFill>
+                        <a:schemeClr val="bg1"/>
+                      </a:solidFill>
+                      <a:prstDash val="solid"/>
+                      <a:round/>
+                      <a:headEnd type="none" w="med" len="med"/>
+                      <a:tailEnd type="none" w="med" len="med"/>
+                    </a:lnL>
+                    <a:lnR w="6350" cap="flat" cmpd="sng" algn="ctr">
+                      <a:solidFill>
+                        <a:schemeClr val="bg1">
+                          <a:lumMod val="65000"/>
+                        </a:schemeClr>
+                      </a:solidFill>
+                      <a:prstDash val="solid"/>
+                      <a:round/>
+                      <a:headEnd type="none" w="med" len="med"/>
+                      <a:tailEnd type="none" w="med" len="med"/>
+                    </a:lnR>
+                    <a:lnT w="6350" cap="flat" cmpd="sng" algn="ctr">
+                      <a:solidFill>
+                        <a:schemeClr val="bg1">
+                          <a:lumMod val="65000"/>
+                        </a:schemeClr>
+                      </a:solidFill>
+                      <a:prstDash val="solid"/>
+                      <a:round/>
+                      <a:headEnd type="none" w="med" len="med"/>
+                      <a:tailEnd type="none" w="med" len="med"/>
+                    </a:lnT>
+                    <a:lnB w="6350" cap="flat" cmpd="sng" algn="ctr">
+                      <a:solidFill>
+                        <a:schemeClr val="bg1">
+                          <a:lumMod val="65000"/>
+                        </a:schemeClr>
+                      </a:solidFill>
+                      <a:prstDash val="solid"/>
+                      <a:round/>
+                      <a:headEnd type="none" w="med" len="med"/>
+                      <a:tailEnd type="none" w="med" len="med"/>
+                    </a:lnB>
+                    <a:lnTlToBr w="12700" cmpd="sng">
+                      <a:noFill/>
+                      <a:prstDash val="solid"/>
+                    </a:lnTlToBr>
+                    <a:lnBlToTr w="12700" cmpd="sng">
+                      <a:noFill/>
+                      <a:prstDash val="solid"/>
+                    </a:lnBlToTr>
+                    <a:noFill/>
+                  </a:tcPr>
+                </a:tc>
+                <a:extLst>
+                  <a:ext uri="{0D108BD9-81ED-4DB2-BD59-A6C34878D82A}">
+                    <a16:rowId xmlns:a16="http://schemas.microsoft.com/office/drawing/2014/main" val="2379058737"/>
+                  </a:ext>
+                </a:extLst>
+              </a:tr>
+              <a:tr h="198049">
+                <a:tc>
+                  <a:txBody>
+                    <a:bodyPr/>
+                    <a:lstStyle/>
+                    <a:p>
+                      <a:pPr marL="0" marR="0" lvl="0" indent="0" algn="l" defTabSz="755934" rtl="0" eaLnBrk="1" fontAlgn="auto" latinLnBrk="0" hangingPunct="1">
+                        <a:lnSpc>
+                          <a:spcPct val="90000"/>
+                        </a:lnSpc>
+                        <a:spcBef>
+                          <a:spcPts val="0"/>
+                        </a:spcBef>
+                        <a:spcAft>
+                          <a:spcPts val="0"/>
+                        </a:spcAft>
+                        <a:buClrTx/>
+                        <a:buSzTx/>
+                        <a:buFontTx/>
+                        <a:buNone/>
+                        <a:tabLst/>
+                        <a:defRPr/>
+                      </a:pPr>
+                      <a:r>
+                        <a:rPr lang="fr-FR" sz="700" b="1" kern="1200">
+                          <a:solidFill>
+                            <a:srgbClr val="B9A049"/>
+                          </a:solidFill>
+                          <a:latin typeface="+mn-lt"/>
+                          <a:ea typeface="+mn-ea"/>
+                          <a:cs typeface="+mn-cs"/>
+                        </a:rPr>
+                        <a:t>Montant minimum de souscription</a:t>
+                      </a:r>
+                    </a:p>
+                  </a:txBody>
+                  <a:tcPr marL="72000" marR="72000" marT="46800" marB="46800" anchor="ctr" horzOverflow="overflow">
+                    <a:lnL w="12700" cap="flat" cmpd="sng" algn="ctr">
+                      <a:solidFill>
+                        <a:schemeClr val="bg1">
+                          <a:lumMod val="85000"/>
+                        </a:schemeClr>
+                      </a:solidFill>
+                      <a:prstDash val="solid"/>
+                      <a:round/>
+                      <a:headEnd type="none" w="med" len="med"/>
+                      <a:tailEnd type="none" w="med" len="med"/>
+                    </a:lnL>
+                    <a:lnR w="12700" cap="flat" cmpd="sng" algn="ctr">
+                      <a:solidFill>
+                        <a:schemeClr val="bg1"/>
+                      </a:solidFill>
+                      <a:prstDash val="solid"/>
+                      <a:round/>
+                      <a:headEnd type="none" w="med" len="med"/>
+                      <a:tailEnd type="none" w="med" len="med"/>
+                    </a:lnR>
+                    <a:lnT w="12700" cap="flat" cmpd="sng" algn="ctr">
+                      <a:solidFill>
+                        <a:schemeClr val="bg1"/>
+                      </a:solidFill>
+                      <a:prstDash val="solid"/>
+                      <a:round/>
+                      <a:headEnd type="none" w="med" len="med"/>
+                      <a:tailEnd type="none" w="med" len="med"/>
+                    </a:lnT>
+                    <a:lnB w="12700" cap="flat" cmpd="sng" algn="ctr">
+                      <a:solidFill>
+                        <a:schemeClr val="bg1"/>
+                      </a:solidFill>
+                      <a:prstDash val="solid"/>
+                      <a:round/>
+                      <a:headEnd type="none" w="med" len="med"/>
+                      <a:tailEnd type="none" w="med" len="med"/>
+                    </a:lnB>
+                    <a:lnTlToBr w="12700" cmpd="sng">
+                      <a:noFill/>
+                      <a:prstDash val="solid"/>
+                    </a:lnTlToBr>
+                    <a:lnBlToTr w="12700" cmpd="sng">
+                      <a:noFill/>
+                      <a:prstDash val="solid"/>
+                    </a:lnBlToTr>
+                    <a:solidFill>
+                      <a:schemeClr val="bg1">
+                        <a:lumMod val="95000"/>
+                      </a:schemeClr>
+                    </a:solidFill>
+                  </a:tcPr>
+                </a:tc>
+                <a:tc>
+                  <a:txBody>
+                    <a:bodyPr/>
+                    <a:lstStyle/>
+                    <a:p>
+                      <a:pPr marL="0" marR="0" lvl="0" indent="0" algn="just" defTabSz="755934" rtl="0" eaLnBrk="1" fontAlgn="base" latinLnBrk="0" hangingPunct="1">
+                        <a:lnSpc>
+                          <a:spcPct val="100000"/>
+                        </a:lnSpc>
+                        <a:spcBef>
+                          <a:spcPct val="0"/>
+                        </a:spcBef>
+                        <a:spcAft>
+                          <a:spcPct val="0"/>
+                        </a:spcAft>
+                        <a:buClrTx/>
+                        <a:buSzTx/>
+                        <a:buFontTx/>
+                        <a:buNone/>
+                        <a:tabLst/>
+                      </a:pPr>
+                      <a:r>
+                        <a:rPr lang="fr-FR" sz="700" b="0" i="0" kern="1200">
+                          <a:solidFill>
+                            <a:schemeClr val="tx1"/>
+                          </a:solidFill>
+                          <a:latin typeface="+mn-lt"/>
+                          <a:ea typeface="+mn-ea"/>
+                          <a:cs typeface="+mn-cs"/>
+                        </a:rPr>
+                        <a:t>1 Titre de créance</a:t>
+                      </a:r>
+                    </a:p>
+                  </a:txBody>
+                  <a:tcPr marL="72000" marR="72000" marT="46800" marB="46800" anchor="ctr" horzOverflow="overflow">
+                    <a:lnL w="12700" cap="flat" cmpd="sng" algn="ctr">
+                      <a:solidFill>
+                        <a:schemeClr val="bg1"/>
+                      </a:solidFill>
+                      <a:prstDash val="solid"/>
+                      <a:round/>
+                      <a:headEnd type="none" w="med" len="med"/>
+                      <a:tailEnd type="none" w="med" len="med"/>
+                    </a:lnL>
+                    <a:lnR w="6350" cap="flat" cmpd="sng" algn="ctr">
+                      <a:solidFill>
+                        <a:schemeClr val="bg1">
+                          <a:lumMod val="65000"/>
+                        </a:schemeClr>
+                      </a:solidFill>
+                      <a:prstDash val="solid"/>
+                      <a:round/>
+                      <a:headEnd type="none" w="med" len="med"/>
+                      <a:tailEnd type="none" w="med" len="med"/>
+                    </a:lnR>
+                    <a:lnT w="6350" cap="flat" cmpd="sng" algn="ctr">
+                      <a:solidFill>
+                        <a:schemeClr val="bg1">
+                          <a:lumMod val="65000"/>
+                        </a:schemeClr>
+                      </a:solidFill>
+                      <a:prstDash val="solid"/>
+                      <a:round/>
+                      <a:headEnd type="none" w="med" len="med"/>
+                      <a:tailEnd type="none" w="med" len="med"/>
+                    </a:lnT>
+                    <a:lnB w="6350" cap="flat" cmpd="sng" algn="ctr">
+                      <a:solidFill>
+                        <a:schemeClr val="bg1">
+                          <a:lumMod val="65000"/>
+                        </a:schemeClr>
+                      </a:solidFill>
+                      <a:prstDash val="solid"/>
+                      <a:round/>
+                      <a:headEnd type="none" w="med" len="med"/>
+                      <a:tailEnd type="none" w="med" len="med"/>
+                    </a:lnB>
+                    <a:lnTlToBr w="12700" cmpd="sng">
+                      <a:noFill/>
+                      <a:prstDash val="solid"/>
+                    </a:lnTlToBr>
+                    <a:lnBlToTr w="12700" cmpd="sng">
+                      <a:noFill/>
+                      <a:prstDash val="solid"/>
+                    </a:lnBlToTr>
+                    <a:noFill/>
+                  </a:tcPr>
+                </a:tc>
+                <a:extLst>
+                  <a:ext uri="{0D108BD9-81ED-4DB2-BD59-A6C34878D82A}">
+                    <a16:rowId xmlns:a16="http://schemas.microsoft.com/office/drawing/2014/main" val="925542960"/>
+                  </a:ext>
+                </a:extLst>
+              </a:tr>
+              <a:tr h="198049">
+                <a:tc>
+                  <a:txBody>
+                    <a:bodyPr/>
+                    <a:lstStyle/>
+                    <a:p>
+                      <a:pPr marL="0" marR="0" lvl="0" indent="0" algn="l" defTabSz="755934" rtl="0" eaLnBrk="1" fontAlgn="auto" latinLnBrk="0" hangingPunct="1">
+                        <a:lnSpc>
+                          <a:spcPct val="90000"/>
+                        </a:lnSpc>
+                        <a:spcBef>
+                          <a:spcPts val="0"/>
+                        </a:spcBef>
+                        <a:spcAft>
+                          <a:spcPts val="0"/>
+                        </a:spcAft>
+                        <a:buClrTx/>
+                        <a:buSzTx/>
+                        <a:buFontTx/>
+                        <a:buNone/>
+                        <a:tabLst/>
+                        <a:defRPr/>
+                      </a:pPr>
+                      <a:r>
+                        <a:rPr lang="fr-FR" sz="700" b="1" kern="1200">
+                          <a:solidFill>
+                            <a:srgbClr val="B9A049"/>
+                          </a:solidFill>
+                          <a:latin typeface="+mn-lt"/>
+                          <a:ea typeface="+mn-ea"/>
+                          <a:cs typeface="+mn-cs"/>
+                        </a:rPr>
+                        <a:t>Date d’émission </a:t>
+                      </a:r>
+                    </a:p>
+                  </a:txBody>
+                  <a:tcPr marL="72000" marR="72000" marT="46800" marB="46800" anchor="ctr" horzOverflow="overflow">
+                    <a:lnL w="12700" cap="flat" cmpd="sng" algn="ctr">
+                      <a:solidFill>
+                        <a:schemeClr val="bg1">
+                          <a:lumMod val="85000"/>
+                        </a:schemeClr>
+                      </a:solidFill>
+                      <a:prstDash val="solid"/>
+                      <a:round/>
+                      <a:headEnd type="none" w="med" len="med"/>
+                      <a:tailEnd type="none" w="med" len="med"/>
+                    </a:lnL>
+                    <a:lnR w="12700" cap="flat" cmpd="sng" algn="ctr">
+                      <a:solidFill>
+                        <a:schemeClr val="bg1"/>
+                      </a:solidFill>
+                      <a:prstDash val="solid"/>
+                      <a:round/>
+                      <a:headEnd type="none" w="med" len="med"/>
+                      <a:tailEnd type="none" w="med" len="med"/>
+                    </a:lnR>
+                    <a:lnT w="12700" cap="flat" cmpd="sng" algn="ctr">
+                      <a:solidFill>
+                        <a:schemeClr val="bg1"/>
+                      </a:solidFill>
+                      <a:prstDash val="solid"/>
+                      <a:round/>
+                      <a:headEnd type="none" w="med" len="med"/>
+                      <a:tailEnd type="none" w="med" len="med"/>
+                    </a:lnT>
+                    <a:lnB w="12700" cap="flat" cmpd="sng" algn="ctr">
+                      <a:solidFill>
+                        <a:schemeClr val="bg1"/>
+                      </a:solidFill>
+                      <a:prstDash val="solid"/>
+                      <a:round/>
+                      <a:headEnd type="none" w="med" len="med"/>
+                      <a:tailEnd type="none" w="med" len="med"/>
+                    </a:lnB>
+                    <a:lnTlToBr w="12700" cmpd="sng">
+                      <a:noFill/>
+                      <a:prstDash val="solid"/>
+                    </a:lnTlToBr>
+                    <a:lnBlToTr w="12700" cmpd="sng">
+                      <a:noFill/>
+                      <a:prstDash val="solid"/>
+                    </a:lnBlToTr>
+                    <a:solidFill>
+                      <a:schemeClr val="bg1">
+                        <a:lumMod val="95000"/>
+                      </a:schemeClr>
+                    </a:solidFill>
+                  </a:tcPr>
+                </a:tc>
+                <a:tc>
+                  <a:txBody>
+                    <a:bodyPr/>
+                    <a:lstStyle/>
+                    <a:p>
+                      <a:pPr marL="0" marR="0" lvl="0" indent="0" algn="just" defTabSz="755934" rtl="0" eaLnBrk="1" fontAlgn="base" latinLnBrk="0" hangingPunct="1">
+                        <a:lnSpc>
+                          <a:spcPct val="100000"/>
+                        </a:lnSpc>
+                        <a:spcBef>
+                          <a:spcPct val="0"/>
+                        </a:spcBef>
+                        <a:spcAft>
+                          <a:spcPct val="0"/>
+                        </a:spcAft>
+                        <a:buClrTx/>
+                        <a:buSzTx/>
+                        <a:buFontTx/>
+                        <a:buNone/>
+                        <a:tabLst/>
+                      </a:pPr>
+                      <a:r>
+                        <a:rPr lang="fr-FR" sz="700" b="0" i="0" kern="1200">
+                          <a:solidFill>
+                            <a:schemeClr val="tx1"/>
+                          </a:solidFill>
+                          <a:latin typeface="+mn-lt"/>
+                          <a:ea typeface="+mn-ea"/>
+                          <a:cs typeface="+mn-cs"/>
+                        </a:rPr>
+                        <a:t>&lt;</a:t>
+                      </a:r>
+                      <a:r>
+                        <a:rPr lang="fr-FR" sz="700" b="0" i="0" kern="1200" dirty="0">
+                          <a:solidFill>
+                            <a:schemeClr val="tx1"/>
+                          </a:solidFill>
+                          <a:latin typeface="+mn-lt"/>
+                          <a:ea typeface="+mn-ea"/>
+                          <a:cs typeface="+mn-cs"/>
+                        </a:rPr>
+                        <a:t>é</a:t>
+                      </a:r>
+                      <a:r>
+                        <a:rPr lang="fr-FR" sz="700" b="0" i="0" kern="1200">
+                          <a:solidFill>
+                            <a:schemeClr val="tx1"/>
+                          </a:solidFill>
+                          <a:latin typeface="+mn-lt"/>
+                          <a:ea typeface="+mn-ea"/>
+                          <a:cs typeface="+mn-cs"/>
+                        </a:rPr>
+                        <a:t>mission</a:t>
+                      </a:r>
+                      <a:r>
+                        <a:rPr lang="fr-FR" sz="700" b="0" i="0" kern="1200" dirty="0">
+                          <a:solidFill>
+                            <a:schemeClr val="tx1"/>
+                          </a:solidFill>
+                          <a:latin typeface="+mn-lt"/>
+                          <a:ea typeface="+mn-ea"/>
+                          <a:cs typeface="+mn-cs"/>
+                        </a:rPr>
+                        <a:t>&gt;</a:t>
+                      </a:r>
+                    </a:p>
+                  </a:txBody>
+                  <a:tcPr marL="72000" marR="72000" marT="46800" marB="46800" anchor="ctr" horzOverflow="overflow">
+                    <a:lnL w="12700" cap="flat" cmpd="sng" algn="ctr">
+                      <a:solidFill>
+                        <a:schemeClr val="bg1"/>
+                      </a:solidFill>
+                      <a:prstDash val="solid"/>
+                      <a:round/>
+                      <a:headEnd type="none" w="med" len="med"/>
+                      <a:tailEnd type="none" w="med" len="med"/>
+                    </a:lnL>
+                    <a:lnR w="6350" cap="flat" cmpd="sng" algn="ctr">
+                      <a:solidFill>
+                        <a:schemeClr val="bg1">
+                          <a:lumMod val="65000"/>
+                        </a:schemeClr>
+                      </a:solidFill>
+                      <a:prstDash val="solid"/>
+                      <a:round/>
+                      <a:headEnd type="none" w="med" len="med"/>
+                      <a:tailEnd type="none" w="med" len="med"/>
+                    </a:lnR>
+                    <a:lnT w="6350" cap="flat" cmpd="sng" algn="ctr">
+                      <a:solidFill>
+                        <a:schemeClr val="bg1">
+                          <a:lumMod val="65000"/>
+                        </a:schemeClr>
+                      </a:solidFill>
+                      <a:prstDash val="solid"/>
+                      <a:round/>
+                      <a:headEnd type="none" w="med" len="med"/>
+                      <a:tailEnd type="none" w="med" len="med"/>
+                    </a:lnT>
+                    <a:lnB w="6350" cap="flat" cmpd="sng" algn="ctr">
+                      <a:solidFill>
+                        <a:schemeClr val="bg1">
+                          <a:lumMod val="65000"/>
+                        </a:schemeClr>
+                      </a:solidFill>
+                      <a:prstDash val="solid"/>
+                      <a:round/>
+                      <a:headEnd type="none" w="med" len="med"/>
+                      <a:tailEnd type="none" w="med" len="med"/>
+                    </a:lnB>
+                    <a:lnTlToBr w="12700" cmpd="sng">
+                      <a:noFill/>
+                      <a:prstDash val="solid"/>
+                    </a:lnTlToBr>
+                    <a:lnBlToTr w="12700" cmpd="sng">
+                      <a:noFill/>
+                      <a:prstDash val="solid"/>
+                    </a:lnBlToTr>
+                    <a:noFill/>
+                  </a:tcPr>
+                </a:tc>
+                <a:extLst>
+                  <a:ext uri="{0D108BD9-81ED-4DB2-BD59-A6C34878D82A}">
+                    <a16:rowId xmlns:a16="http://schemas.microsoft.com/office/drawing/2014/main" val="612042301"/>
+                  </a:ext>
+                </a:extLst>
+              </a:tr>
+              <a:tr h="198049">
+                <a:tc>
+                  <a:txBody>
+                    <a:bodyPr/>
+                    <a:lstStyle/>
+                    <a:p>
+                      <a:pPr marL="0" marR="0" lvl="0" indent="0" algn="l" defTabSz="755934" rtl="0" eaLnBrk="1" fontAlgn="auto" latinLnBrk="0" hangingPunct="1">
+                        <a:lnSpc>
+                          <a:spcPct val="90000"/>
+                        </a:lnSpc>
+                        <a:spcBef>
+                          <a:spcPts val="0"/>
+                        </a:spcBef>
+                        <a:spcAft>
+                          <a:spcPts val="0"/>
+                        </a:spcAft>
+                        <a:buClrTx/>
+                        <a:buSzTx/>
+                        <a:buFontTx/>
+                        <a:buNone/>
+                        <a:tabLst/>
+                        <a:defRPr/>
+                      </a:pPr>
+                      <a:r>
+                        <a:rPr lang="fr-FR" sz="700" b="1" kern="1200">
+                          <a:solidFill>
+                            <a:srgbClr val="B9A049"/>
+                          </a:solidFill>
+                          <a:latin typeface="+mn-lt"/>
+                          <a:ea typeface="+mn-ea"/>
+                          <a:cs typeface="+mn-cs"/>
+                        </a:rPr>
+                        <a:t>Prix d’émission</a:t>
+                      </a:r>
+                    </a:p>
+                  </a:txBody>
+                  <a:tcPr marL="72000" marR="72000" marT="46800" marB="46800" anchor="ctr" horzOverflow="overflow">
+                    <a:lnL w="12700" cap="flat" cmpd="sng" algn="ctr">
+                      <a:solidFill>
+                        <a:schemeClr val="bg1">
+                          <a:lumMod val="85000"/>
+                        </a:schemeClr>
+                      </a:solidFill>
+                      <a:prstDash val="solid"/>
+                      <a:round/>
+                      <a:headEnd type="none" w="med" len="med"/>
+                      <a:tailEnd type="none" w="med" len="med"/>
+                    </a:lnL>
+                    <a:lnR w="12700" cap="flat" cmpd="sng" algn="ctr">
+                      <a:solidFill>
+                        <a:schemeClr val="bg1"/>
+                      </a:solidFill>
+                      <a:prstDash val="solid"/>
+                      <a:round/>
+                      <a:headEnd type="none" w="med" len="med"/>
+                      <a:tailEnd type="none" w="med" len="med"/>
+                    </a:lnR>
+                    <a:lnT w="12700" cap="flat" cmpd="sng" algn="ctr">
+                      <a:solidFill>
+                        <a:schemeClr val="bg1"/>
+                      </a:solidFill>
+                      <a:prstDash val="solid"/>
+                      <a:round/>
+                      <a:headEnd type="none" w="med" len="med"/>
+                      <a:tailEnd type="none" w="med" len="med"/>
+                    </a:lnT>
+                    <a:lnB w="12700" cap="flat" cmpd="sng" algn="ctr">
+                      <a:solidFill>
+                        <a:schemeClr val="bg1"/>
+                      </a:solidFill>
+                      <a:prstDash val="solid"/>
+                      <a:round/>
+                      <a:headEnd type="none" w="med" len="med"/>
+                      <a:tailEnd type="none" w="med" len="med"/>
+                    </a:lnB>
+                    <a:lnTlToBr w="12700" cmpd="sng">
+                      <a:noFill/>
+                      <a:prstDash val="solid"/>
+                    </a:lnTlToBr>
+                    <a:lnBlToTr w="12700" cmpd="sng">
+                      <a:noFill/>
+                      <a:prstDash val="solid"/>
+                    </a:lnBlToTr>
+                    <a:solidFill>
+                      <a:schemeClr val="bg1">
+                        <a:lumMod val="95000"/>
+                      </a:schemeClr>
+                    </a:solidFill>
+                  </a:tcPr>
+                </a:tc>
+                <a:tc>
+                  <a:txBody>
+                    <a:bodyPr/>
+                    <a:lstStyle/>
+                    <a:p>
+                      <a:pPr marL="0" marR="0" lvl="0" indent="0" algn="just" defTabSz="755934" rtl="0" eaLnBrk="1" fontAlgn="base" latinLnBrk="0" hangingPunct="1">
+                        <a:lnSpc>
+                          <a:spcPct val="100000"/>
+                        </a:lnSpc>
+                        <a:spcBef>
+                          <a:spcPct val="0"/>
+                        </a:spcBef>
+                        <a:spcAft>
+                          <a:spcPct val="0"/>
+                        </a:spcAft>
+                        <a:buClrTx/>
+                        <a:buSzTx/>
+                        <a:buFontTx/>
+                        <a:buNone/>
+                        <a:tabLst/>
+                      </a:pPr>
+                      <a:r>
+                        <a:rPr lang="fr-FR" sz="700" b="0" i="0" kern="1200" dirty="0">
+                          <a:solidFill>
+                            <a:schemeClr val="tx1"/>
+                          </a:solidFill>
+                          <a:latin typeface="+mn-lt"/>
+                          <a:ea typeface="+mn-ea"/>
+                          <a:cs typeface="+mn-cs"/>
+                        </a:rPr>
+                        <a:t>100% de la Valeur Nominale</a:t>
+                      </a:r>
+                    </a:p>
+                  </a:txBody>
+                  <a:tcPr marL="72000" marR="72000" marT="46800" marB="46800" anchor="ctr" horzOverflow="overflow">
+                    <a:lnL w="12700" cap="flat" cmpd="sng" algn="ctr">
+                      <a:solidFill>
+                        <a:schemeClr val="bg1"/>
+                      </a:solidFill>
+                      <a:prstDash val="solid"/>
+                      <a:round/>
+                      <a:headEnd type="none" w="med" len="med"/>
+                      <a:tailEnd type="none" w="med" len="med"/>
+                    </a:lnL>
+                    <a:lnR w="6350" cap="flat" cmpd="sng" algn="ctr">
+                      <a:solidFill>
+                        <a:schemeClr val="bg1">
+                          <a:lumMod val="65000"/>
+                        </a:schemeClr>
+                      </a:solidFill>
+                      <a:prstDash val="solid"/>
+                      <a:round/>
+                      <a:headEnd type="none" w="med" len="med"/>
+                      <a:tailEnd type="none" w="med" len="med"/>
+                    </a:lnR>
+                    <a:lnT w="6350" cap="flat" cmpd="sng" algn="ctr">
+                      <a:solidFill>
+                        <a:schemeClr val="bg1">
+                          <a:lumMod val="65000"/>
+                        </a:schemeClr>
+                      </a:solidFill>
+                      <a:prstDash val="solid"/>
+                      <a:round/>
+                      <a:headEnd type="none" w="med" len="med"/>
+                      <a:tailEnd type="none" w="med" len="med"/>
+                    </a:lnT>
+                    <a:lnB w="6350" cap="flat" cmpd="sng" algn="ctr">
+                      <a:solidFill>
+                        <a:schemeClr val="bg1">
+                          <a:lumMod val="65000"/>
+                        </a:schemeClr>
+                      </a:solidFill>
+                      <a:prstDash val="solid"/>
+                      <a:round/>
+                      <a:headEnd type="none" w="med" len="med"/>
+                      <a:tailEnd type="none" w="med" len="med"/>
+                    </a:lnB>
+                    <a:lnTlToBr w="12700" cmpd="sng">
+                      <a:noFill/>
+                      <a:prstDash val="solid"/>
+                    </a:lnTlToBr>
+                    <a:lnBlToTr w="12700" cmpd="sng">
+                      <a:noFill/>
+                      <a:prstDash val="solid"/>
+                    </a:lnBlToTr>
+                    <a:noFill/>
+                  </a:tcPr>
+                </a:tc>
+                <a:extLst>
+                  <a:ext uri="{0D108BD9-81ED-4DB2-BD59-A6C34878D82A}">
+                    <a16:rowId xmlns:a16="http://schemas.microsoft.com/office/drawing/2014/main" val="1951309382"/>
+                  </a:ext>
+                </a:extLst>
+              </a:tr>
+              <a:tr h="409033">
+                <a:tc>
+                  <a:txBody>
+                    <a:bodyPr/>
+                    <a:lstStyle/>
+                    <a:p>
+                      <a:pPr marL="0" marR="0" lvl="0" indent="0" algn="l" defTabSz="755934" rtl="0" eaLnBrk="1" fontAlgn="auto" latinLnBrk="0" hangingPunct="1">
+                        <a:lnSpc>
+                          <a:spcPct val="90000"/>
+                        </a:lnSpc>
+                        <a:spcBef>
+                          <a:spcPts val="0"/>
+                        </a:spcBef>
+                        <a:spcAft>
+                          <a:spcPts val="0"/>
+                        </a:spcAft>
+                        <a:buClrTx/>
+                        <a:buSzTx/>
+                        <a:buFontTx/>
+                        <a:buNone/>
+                        <a:tabLst/>
+                        <a:defRPr/>
+                      </a:pPr>
+                      <a:r>
+                        <a:rPr lang="fr-FR" sz="700" b="1" kern="1200">
+                          <a:solidFill>
+                            <a:srgbClr val="B9A049"/>
+                          </a:solidFill>
+                          <a:latin typeface="+mn-lt"/>
+                          <a:ea typeface="+mn-ea"/>
+                          <a:cs typeface="+mn-cs"/>
+                        </a:rPr>
+                        <a:t>Période de commercialisation</a:t>
+                      </a:r>
+                    </a:p>
+                  </a:txBody>
+                  <a:tcPr marL="72000" marR="72000" marT="46800" marB="46800" anchor="ctr" horzOverflow="overflow">
+                    <a:lnL w="12700" cap="flat" cmpd="sng" algn="ctr">
+                      <a:solidFill>
+                        <a:schemeClr val="bg1">
+                          <a:lumMod val="85000"/>
+                        </a:schemeClr>
+                      </a:solidFill>
+                      <a:prstDash val="solid"/>
+                      <a:round/>
+                      <a:headEnd type="none" w="med" len="med"/>
+                      <a:tailEnd type="none" w="med" len="med"/>
+                    </a:lnL>
+                    <a:lnR w="12700" cap="flat" cmpd="sng" algn="ctr">
+                      <a:solidFill>
+                        <a:schemeClr val="bg1"/>
+                      </a:solidFill>
+                      <a:prstDash val="solid"/>
+                      <a:round/>
+                      <a:headEnd type="none" w="med" len="med"/>
+                      <a:tailEnd type="none" w="med" len="med"/>
+                    </a:lnR>
+                    <a:lnT w="12700" cap="flat" cmpd="sng" algn="ctr">
+                      <a:solidFill>
+                        <a:schemeClr val="bg1"/>
+                      </a:solidFill>
+                      <a:prstDash val="solid"/>
+                      <a:round/>
+                      <a:headEnd type="none" w="med" len="med"/>
+                      <a:tailEnd type="none" w="med" len="med"/>
+                    </a:lnT>
+                    <a:lnB w="12700" cap="flat" cmpd="sng" algn="ctr">
+                      <a:solidFill>
+                        <a:schemeClr val="bg1"/>
+                      </a:solidFill>
+                      <a:prstDash val="solid"/>
+                      <a:round/>
+                      <a:headEnd type="none" w="med" len="med"/>
+                      <a:tailEnd type="none" w="med" len="med"/>
+                    </a:lnB>
+                    <a:lnTlToBr w="12700" cmpd="sng">
+                      <a:noFill/>
+                      <a:prstDash val="solid"/>
+                    </a:lnTlToBr>
+                    <a:lnBlToTr w="12700" cmpd="sng">
+                      <a:noFill/>
+                      <a:prstDash val="solid"/>
+                    </a:lnBlToTr>
+                    <a:solidFill>
+                      <a:schemeClr val="bg1">
+                        <a:lumMod val="95000"/>
+                      </a:schemeClr>
+                    </a:solidFill>
+                  </a:tcPr>
+                </a:tc>
+                <a:tc>
+                  <a:txBody>
+                    <a:bodyPr/>
+                    <a:lstStyle/>
+                    <a:p>
+                      <a:pPr marL="0" marR="0" lvl="0" indent="0" algn="just" defTabSz="755934" rtl="0" eaLnBrk="1" fontAlgn="base" latinLnBrk="0" hangingPunct="1">
+                        <a:lnSpc>
+                          <a:spcPct val="100000"/>
+                        </a:lnSpc>
+                        <a:spcBef>
+                          <a:spcPct val="0"/>
+                        </a:spcBef>
+                        <a:spcAft>
+                          <a:spcPct val="0"/>
+                        </a:spcAft>
+                        <a:buClrTx/>
+                        <a:buSzTx/>
+                        <a:buFontTx/>
+                        <a:buNone/>
+                        <a:tabLst/>
+                      </a:pPr>
+                      <a:r>
+                        <a:rPr lang="fr-FR" sz="700" b="1" i="0" kern="1200" dirty="0">
+                          <a:solidFill>
+                            <a:schemeClr val="tx1"/>
+                          </a:solidFill>
+                          <a:latin typeface="+mn-lt"/>
+                          <a:ea typeface="+mn-ea"/>
+                          <a:cs typeface="+mn-cs"/>
+                        </a:rPr>
+                        <a:t>Du &lt;1PDC&gt; au &lt;2PDC&gt; (inclus). </a:t>
+                      </a:r>
+                      <a:r>
+                        <a:rPr lang="fr-FR" sz="700" b="0" i="0" kern="1200" dirty="0">
+                          <a:solidFill>
+                            <a:schemeClr val="tx1"/>
+                          </a:solidFill>
+                          <a:latin typeface="+mn-lt"/>
+                          <a:ea typeface="+mn-ea"/>
+                          <a:cs typeface="+mn-cs"/>
+                        </a:rPr>
+                        <a:t>Une fois le montant de l’enveloppe initiale atteint (30 000 000 EUR), la commercialisation de « &lt;NOM&gt; » peut cesser à tout moment sans préavis avant le &lt;2PDC&gt;, ce dont vous serez informé(e), le cas échéant, par le distributeur.</a:t>
+                      </a:r>
+                    </a:p>
+                  </a:txBody>
+                  <a:tcPr marL="72000" marR="72000" marT="46800" marB="46800" anchor="ctr" horzOverflow="overflow">
+                    <a:lnL w="12700" cap="flat" cmpd="sng" algn="ctr">
+                      <a:solidFill>
+                        <a:schemeClr val="bg1"/>
+                      </a:solidFill>
+                      <a:prstDash val="solid"/>
+                      <a:round/>
+                      <a:headEnd type="none" w="med" len="med"/>
+                      <a:tailEnd type="none" w="med" len="med"/>
+                    </a:lnL>
+                    <a:lnR w="6350" cap="flat" cmpd="sng" algn="ctr">
+                      <a:solidFill>
+                        <a:schemeClr val="bg1">
+                          <a:lumMod val="65000"/>
+                        </a:schemeClr>
+                      </a:solidFill>
+                      <a:prstDash val="solid"/>
+                      <a:round/>
+                      <a:headEnd type="none" w="med" len="med"/>
+                      <a:tailEnd type="none" w="med" len="med"/>
+                    </a:lnR>
+                    <a:lnT w="6350" cap="flat" cmpd="sng" algn="ctr">
+                      <a:solidFill>
+                        <a:schemeClr val="bg1">
+                          <a:lumMod val="65000"/>
+                        </a:schemeClr>
+                      </a:solidFill>
+                      <a:prstDash val="solid"/>
+                      <a:round/>
+                      <a:headEnd type="none" w="med" len="med"/>
+                      <a:tailEnd type="none" w="med" len="med"/>
+                    </a:lnT>
+                    <a:lnB w="6350" cap="flat" cmpd="sng" algn="ctr">
+                      <a:solidFill>
+                        <a:schemeClr val="bg1">
+                          <a:lumMod val="65000"/>
+                        </a:schemeClr>
+                      </a:solidFill>
+                      <a:prstDash val="solid"/>
+                      <a:round/>
+                      <a:headEnd type="none" w="med" len="med"/>
+                      <a:tailEnd type="none" w="med" len="med"/>
+                    </a:lnB>
+                    <a:lnTlToBr w="12700" cmpd="sng">
+                      <a:noFill/>
+                      <a:prstDash val="solid"/>
+                    </a:lnTlToBr>
+                    <a:lnBlToTr w="12700" cmpd="sng">
+                      <a:noFill/>
+                      <a:prstDash val="solid"/>
+                    </a:lnBlToTr>
+                    <a:noFill/>
+                  </a:tcPr>
+                </a:tc>
+                <a:extLst>
+                  <a:ext uri="{0D108BD9-81ED-4DB2-BD59-A6C34878D82A}">
+                    <a16:rowId xmlns:a16="http://schemas.microsoft.com/office/drawing/2014/main" val="2055742760"/>
+                  </a:ext>
+                </a:extLst>
+              </a:tr>
+              <a:tr h="198049">
+                <a:tc>
+                  <a:txBody>
+                    <a:bodyPr/>
+                    <a:lstStyle/>
+                    <a:p>
+                      <a:pPr marL="0" marR="0" lvl="0" indent="0" algn="l" defTabSz="755934" rtl="0" eaLnBrk="1" fontAlgn="auto" latinLnBrk="0" hangingPunct="1">
+                        <a:lnSpc>
+                          <a:spcPct val="90000"/>
+                        </a:lnSpc>
+                        <a:spcBef>
+                          <a:spcPts val="0"/>
+                        </a:spcBef>
+                        <a:spcAft>
+                          <a:spcPts val="0"/>
+                        </a:spcAft>
+                        <a:buClrTx/>
+                        <a:buSzTx/>
+                        <a:buFontTx/>
+                        <a:buNone/>
+                        <a:tabLst/>
+                        <a:defRPr/>
+                      </a:pPr>
+                      <a:r>
+                        <a:rPr lang="fr-FR" sz="700" b="1" kern="1200">
+                          <a:solidFill>
+                            <a:srgbClr val="B9A049"/>
+                          </a:solidFill>
+                          <a:latin typeface="+mn-lt"/>
+                          <a:ea typeface="+mn-ea"/>
+                          <a:cs typeface="+mn-cs"/>
+                        </a:rPr>
+                        <a:t>Garantie du capital</a:t>
+                      </a:r>
+                    </a:p>
+                  </a:txBody>
+                  <a:tcPr marL="72000" marR="72000" marT="46800" marB="46800" anchor="ctr" horzOverflow="overflow">
+                    <a:lnL w="12700" cap="flat" cmpd="sng" algn="ctr">
+                      <a:solidFill>
+                        <a:schemeClr val="bg1">
+                          <a:lumMod val="85000"/>
+                        </a:schemeClr>
+                      </a:solidFill>
+                      <a:prstDash val="solid"/>
+                      <a:round/>
+                      <a:headEnd type="none" w="med" len="med"/>
+                      <a:tailEnd type="none" w="med" len="med"/>
+                    </a:lnL>
+                    <a:lnR w="12700" cap="flat" cmpd="sng" algn="ctr">
+                      <a:solidFill>
+                        <a:schemeClr val="bg1"/>
+                      </a:solidFill>
+                      <a:prstDash val="solid"/>
+                      <a:round/>
+                      <a:headEnd type="none" w="med" len="med"/>
+                      <a:tailEnd type="none" w="med" len="med"/>
+                    </a:lnR>
+                    <a:lnT w="12700" cap="flat" cmpd="sng" algn="ctr">
+                      <a:solidFill>
+                        <a:schemeClr val="bg1"/>
+                      </a:solidFill>
+                      <a:prstDash val="solid"/>
+                      <a:round/>
+                      <a:headEnd type="none" w="med" len="med"/>
+                      <a:tailEnd type="none" w="med" len="med"/>
+                    </a:lnT>
+                    <a:lnB w="12700" cap="flat" cmpd="sng" algn="ctr">
+                      <a:solidFill>
+                        <a:schemeClr val="bg1"/>
+                      </a:solidFill>
+                      <a:prstDash val="solid"/>
+                      <a:round/>
+                      <a:headEnd type="none" w="med" len="med"/>
+                      <a:tailEnd type="none" w="med" len="med"/>
+                    </a:lnB>
+                    <a:lnTlToBr w="12700" cmpd="sng">
+                      <a:noFill/>
+                      <a:prstDash val="solid"/>
+                    </a:lnTlToBr>
+                    <a:lnBlToTr w="12700" cmpd="sng">
+                      <a:noFill/>
+                      <a:prstDash val="solid"/>
+                    </a:lnBlToTr>
+                    <a:solidFill>
+                      <a:schemeClr val="bg1">
+                        <a:lumMod val="95000"/>
+                      </a:schemeClr>
+                    </a:solidFill>
+                  </a:tcPr>
+                </a:tc>
+                <a:tc>
+                  <a:txBody>
+                    <a:bodyPr/>
+                    <a:lstStyle/>
+                    <a:p>
+                      <a:pPr marL="0" marR="0" lvl="0" indent="0" algn="just" defTabSz="755934" rtl="0" eaLnBrk="1" fontAlgn="base" latinLnBrk="0" hangingPunct="1">
+                        <a:lnSpc>
+                          <a:spcPct val="100000"/>
+                        </a:lnSpc>
+                        <a:spcBef>
+                          <a:spcPct val="0"/>
+                        </a:spcBef>
+                        <a:spcAft>
+                          <a:spcPct val="0"/>
+                        </a:spcAft>
+                        <a:buClrTx/>
+                        <a:buSzTx/>
+                        <a:buFontTx/>
+                        <a:buNone/>
+                        <a:tabLst/>
+                        <a:defRPr/>
+                      </a:pPr>
+                      <a:r>
+                        <a:rPr lang="fr-FR" sz="700" b="1" i="0" kern="1200" noProof="0" dirty="0">
+                          <a:solidFill>
+                            <a:schemeClr val="tx1"/>
+                          </a:solidFill>
+                          <a:latin typeface="+mn-lt"/>
+                          <a:ea typeface="+mn-ea"/>
+                          <a:cs typeface="+mn-cs"/>
+                        </a:rPr>
+                        <a:t>Pas de garantie en capital, ni en cours de vie, ni à l’échéance.</a:t>
+                      </a:r>
+                    </a:p>
+                  </a:txBody>
+                  <a:tcPr marL="72000" marR="72000" marT="46800" marB="46800" anchor="ctr" horzOverflow="overflow">
+                    <a:lnL w="12700" cap="flat" cmpd="sng" algn="ctr">
+                      <a:solidFill>
+                        <a:schemeClr val="bg1"/>
+                      </a:solidFill>
+                      <a:prstDash val="solid"/>
+                      <a:round/>
+                      <a:headEnd type="none" w="med" len="med"/>
+                      <a:tailEnd type="none" w="med" len="med"/>
+                    </a:lnL>
+                    <a:lnR w="6350" cap="flat" cmpd="sng" algn="ctr">
+                      <a:solidFill>
+                        <a:schemeClr val="bg1">
+                          <a:lumMod val="65000"/>
+                        </a:schemeClr>
+                      </a:solidFill>
+                      <a:prstDash val="solid"/>
+                      <a:round/>
+                      <a:headEnd type="none" w="med" len="med"/>
+                      <a:tailEnd type="none" w="med" len="med"/>
+                    </a:lnR>
+                    <a:lnT w="6350" cap="flat" cmpd="sng" algn="ctr">
+                      <a:solidFill>
+                        <a:schemeClr val="bg1">
+                          <a:lumMod val="65000"/>
+                        </a:schemeClr>
+                      </a:solidFill>
+                      <a:prstDash val="solid"/>
+                      <a:round/>
+                      <a:headEnd type="none" w="med" len="med"/>
+                      <a:tailEnd type="none" w="med" len="med"/>
+                    </a:lnT>
+                    <a:lnB w="6350" cap="flat" cmpd="sng" algn="ctr">
+                      <a:solidFill>
+                        <a:schemeClr val="bg1">
+                          <a:lumMod val="65000"/>
+                        </a:schemeClr>
+                      </a:solidFill>
+                      <a:prstDash val="solid"/>
+                      <a:round/>
+                      <a:headEnd type="none" w="med" len="med"/>
+                      <a:tailEnd type="none" w="med" len="med"/>
+                    </a:lnB>
+                    <a:lnTlToBr w="12700" cmpd="sng">
+                      <a:noFill/>
+                      <a:prstDash val="solid"/>
+                    </a:lnTlToBr>
+                    <a:lnBlToTr w="12700" cmpd="sng">
+                      <a:noFill/>
+                      <a:prstDash val="solid"/>
+                    </a:lnBlToTr>
+                    <a:noFill/>
+                  </a:tcPr>
+                </a:tc>
+                <a:extLst>
+                  <a:ext uri="{0D108BD9-81ED-4DB2-BD59-A6C34878D82A}">
+                    <a16:rowId xmlns:a16="http://schemas.microsoft.com/office/drawing/2014/main" val="2691858367"/>
+                  </a:ext>
+                </a:extLst>
+              </a:tr>
+              <a:tr h="198049">
+                <a:tc>
+                  <a:txBody>
+                    <a:bodyPr/>
+                    <a:lstStyle/>
+                    <a:p>
+                      <a:pPr marL="0" marR="0" lvl="0" indent="0" algn="l" defTabSz="755934" rtl="0" eaLnBrk="1" fontAlgn="auto" latinLnBrk="0" hangingPunct="1">
+                        <a:lnSpc>
+                          <a:spcPct val="90000"/>
+                        </a:lnSpc>
+                        <a:spcBef>
+                          <a:spcPts val="0"/>
+                        </a:spcBef>
+                        <a:spcAft>
+                          <a:spcPts val="0"/>
+                        </a:spcAft>
+                        <a:buClrTx/>
+                        <a:buSzTx/>
+                        <a:buFontTx/>
+                        <a:buNone/>
+                        <a:tabLst/>
+                        <a:defRPr/>
+                      </a:pPr>
+                      <a:r>
+                        <a:rPr lang="fr-FR" sz="700" b="1" kern="1200" dirty="0">
+                          <a:solidFill>
+                            <a:srgbClr val="B9A049"/>
+                          </a:solidFill>
+                          <a:highlight>
+                            <a:srgbClr val="FFFF00"/>
+                          </a:highlight>
+                          <a:latin typeface="+mn-lt"/>
+                          <a:ea typeface="+mn-ea"/>
+                          <a:cs typeface="+mn-cs"/>
+                        </a:rPr>
+                        <a:t>Date de constatation initiale</a:t>
+                      </a:r>
+                    </a:p>
+                  </a:txBody>
+                  <a:tcPr marL="72000" marR="72000" marT="46800" marB="46800" anchor="ctr" horzOverflow="overflow">
+                    <a:lnL w="12700" cap="flat" cmpd="sng" algn="ctr">
+                      <a:solidFill>
+                        <a:schemeClr val="bg1">
+                          <a:lumMod val="85000"/>
+                        </a:schemeClr>
+                      </a:solidFill>
+                      <a:prstDash val="solid"/>
+                      <a:round/>
+                      <a:headEnd type="none" w="med" len="med"/>
+                      <a:tailEnd type="none" w="med" len="med"/>
+                    </a:lnL>
+                    <a:lnR w="12700" cap="flat" cmpd="sng" algn="ctr">
+                      <a:solidFill>
+                        <a:schemeClr val="bg1"/>
+                      </a:solidFill>
+                      <a:prstDash val="solid"/>
+                      <a:round/>
+                      <a:headEnd type="none" w="med" len="med"/>
+                      <a:tailEnd type="none" w="med" len="med"/>
+                    </a:lnR>
+                    <a:lnT w="12700" cap="flat" cmpd="sng" algn="ctr">
+                      <a:solidFill>
+                        <a:schemeClr val="bg1"/>
+                      </a:solidFill>
+                      <a:prstDash val="solid"/>
+                      <a:round/>
+                      <a:headEnd type="none" w="med" len="med"/>
+                      <a:tailEnd type="none" w="med" len="med"/>
+                    </a:lnT>
+                    <a:lnB w="12700" cap="flat" cmpd="sng" algn="ctr">
+                      <a:solidFill>
+                        <a:schemeClr val="bg1"/>
+                      </a:solidFill>
+                      <a:prstDash val="solid"/>
+                      <a:round/>
+                      <a:headEnd type="none" w="med" len="med"/>
+                      <a:tailEnd type="none" w="med" len="med"/>
+                    </a:lnB>
+                    <a:lnTlToBr w="12700" cmpd="sng">
+                      <a:noFill/>
+                      <a:prstDash val="solid"/>
+                    </a:lnTlToBr>
+                    <a:lnBlToTr w="12700" cmpd="sng">
+                      <a:noFill/>
+                      <a:prstDash val="solid"/>
+                    </a:lnBlToTr>
+                    <a:solidFill>
+                      <a:schemeClr val="bg1">
+                        <a:lumMod val="95000"/>
+                      </a:schemeClr>
+                    </a:solidFill>
+                  </a:tcPr>
+                </a:tc>
+                <a:tc>
+                  <a:txBody>
+                    <a:bodyPr/>
+                    <a:lstStyle/>
+                    <a:p>
+                      <a:pPr marL="0" marR="0" lvl="0" indent="0" defTabSz="755934" rtl="0" eaLnBrk="1" fontAlgn="base" latinLnBrk="0" hangingPunct="1">
+                        <a:lnSpc>
+                          <a:spcPct val="100000"/>
+                        </a:lnSpc>
+                        <a:spcBef>
+                          <a:spcPct val="0"/>
+                        </a:spcBef>
+                        <a:spcAft>
+                          <a:spcPct val="0"/>
+                        </a:spcAft>
+                        <a:buClrTx/>
+                        <a:buSzTx/>
+                        <a:buFontTx/>
+                        <a:buNone/>
+                        <a:tabLst/>
+                        <a:defRPr/>
+                      </a:pPr>
+                      <a:r>
+                        <a:rPr lang="fr-FR" sz="700" b="0" i="0" kern="1200" dirty="0">
+                          <a:solidFill>
+                            <a:schemeClr val="tx1"/>
+                          </a:solidFill>
+                          <a:latin typeface="+mn-lt"/>
+                          <a:ea typeface="+mn-ea"/>
+                          <a:cs typeface="+mn-cs"/>
+                        </a:rPr>
+                        <a:t>&lt;balise&gt;</a:t>
+                      </a:r>
+                    </a:p>
+                  </a:txBody>
+                  <a:tcPr marL="72000" marR="72000" marT="46800" marB="46800" anchor="ctr" horzOverflow="overflow">
+                    <a:lnL w="12700" cap="flat" cmpd="sng" algn="ctr">
+                      <a:solidFill>
+                        <a:schemeClr val="bg1"/>
+                      </a:solidFill>
+                      <a:prstDash val="solid"/>
+                      <a:round/>
+                      <a:headEnd type="none" w="med" len="med"/>
+                      <a:tailEnd type="none" w="med" len="med"/>
+                    </a:lnL>
+                    <a:lnR w="6350" cap="flat" cmpd="sng" algn="ctr">
+                      <a:solidFill>
+                        <a:schemeClr val="bg1">
+                          <a:lumMod val="65000"/>
+                        </a:schemeClr>
+                      </a:solidFill>
+                      <a:prstDash val="solid"/>
+                      <a:round/>
+                      <a:headEnd type="none" w="med" len="med"/>
+                      <a:tailEnd type="none" w="med" len="med"/>
+                    </a:lnR>
+                    <a:lnT w="6350" cap="flat" cmpd="sng" algn="ctr">
+                      <a:solidFill>
+                        <a:schemeClr val="bg1">
+                          <a:lumMod val="65000"/>
+                        </a:schemeClr>
+                      </a:solidFill>
+                      <a:prstDash val="solid"/>
+                      <a:round/>
+                      <a:headEnd type="none" w="med" len="med"/>
+                      <a:tailEnd type="none" w="med" len="med"/>
+                    </a:lnT>
+                    <a:lnB w="6350" cap="flat" cmpd="sng" algn="ctr">
+                      <a:solidFill>
+                        <a:schemeClr val="bg1">
+                          <a:lumMod val="65000"/>
+                        </a:schemeClr>
+                      </a:solidFill>
+                      <a:prstDash val="solid"/>
+                      <a:round/>
+                      <a:headEnd type="none" w="med" len="med"/>
+                      <a:tailEnd type="none" w="med" len="med"/>
+                    </a:lnB>
+                    <a:lnTlToBr w="12700" cmpd="sng">
+                      <a:noFill/>
+                      <a:prstDash val="solid"/>
+                    </a:lnTlToBr>
+                    <a:lnBlToTr w="12700" cmpd="sng">
+                      <a:noFill/>
+                      <a:prstDash val="solid"/>
+                    </a:lnBlToTr>
+                    <a:noFill/>
+                  </a:tcPr>
+                </a:tc>
+                <a:extLst>
+                  <a:ext uri="{0D108BD9-81ED-4DB2-BD59-A6C34878D82A}">
+                    <a16:rowId xmlns:a16="http://schemas.microsoft.com/office/drawing/2014/main" val="1295813141"/>
+                  </a:ext>
+                </a:extLst>
+              </a:tr>
+              <a:tr h="198049">
+                <a:tc>
+                  <a:txBody>
+                    <a:bodyPr/>
+                    <a:lstStyle/>
+                    <a:p>
+                      <a:pPr marL="0" marR="0" lvl="0" indent="0" algn="l" defTabSz="755934" rtl="0" eaLnBrk="1" fontAlgn="auto" latinLnBrk="0" hangingPunct="1">
+                        <a:lnSpc>
+                          <a:spcPct val="90000"/>
+                        </a:lnSpc>
+                        <a:spcBef>
+                          <a:spcPts val="0"/>
+                        </a:spcBef>
+                        <a:spcAft>
+                          <a:spcPts val="0"/>
+                        </a:spcAft>
+                        <a:buClrTx/>
+                        <a:buSzTx/>
+                        <a:buFontTx/>
+                        <a:buNone/>
+                        <a:tabLst/>
+                        <a:defRPr/>
+                      </a:pPr>
+                      <a:r>
+                        <a:rPr lang="fr-FR" sz="700" b="1" kern="1200">
+                          <a:solidFill>
+                            <a:srgbClr val="B9A049"/>
+                          </a:solidFill>
+                          <a:latin typeface="+mn-lt"/>
+                          <a:ea typeface="+mn-ea"/>
+                          <a:cs typeface="+mn-cs"/>
+                        </a:rPr>
+                        <a:t>Date de constatation finale</a:t>
+                      </a:r>
+                    </a:p>
+                  </a:txBody>
+                  <a:tcPr marL="72000" marR="72000" marT="46800" marB="46800" anchor="ctr" horzOverflow="overflow">
+                    <a:lnL w="12700" cap="flat" cmpd="sng" algn="ctr">
+                      <a:solidFill>
+                        <a:schemeClr val="bg1">
+                          <a:lumMod val="85000"/>
+                        </a:schemeClr>
+                      </a:solidFill>
+                      <a:prstDash val="solid"/>
+                      <a:round/>
+                      <a:headEnd type="none" w="med" len="med"/>
+                      <a:tailEnd type="none" w="med" len="med"/>
+                    </a:lnL>
+                    <a:lnR w="12700" cap="flat" cmpd="sng" algn="ctr">
+                      <a:solidFill>
+                        <a:schemeClr val="bg1"/>
+                      </a:solidFill>
+                      <a:prstDash val="solid"/>
+                      <a:round/>
+                      <a:headEnd type="none" w="med" len="med"/>
+                      <a:tailEnd type="none" w="med" len="med"/>
+                    </a:lnR>
+                    <a:lnT w="12700" cap="flat" cmpd="sng" algn="ctr">
+                      <a:solidFill>
+                        <a:schemeClr val="bg1"/>
+                      </a:solidFill>
+                      <a:prstDash val="solid"/>
+                      <a:round/>
+                      <a:headEnd type="none" w="med" len="med"/>
+                      <a:tailEnd type="none" w="med" len="med"/>
+                    </a:lnT>
+                    <a:lnB w="12700" cap="flat" cmpd="sng" algn="ctr">
+                      <a:solidFill>
+                        <a:schemeClr val="bg1"/>
+                      </a:solidFill>
+                      <a:prstDash val="solid"/>
+                      <a:round/>
+                      <a:headEnd type="none" w="med" len="med"/>
+                      <a:tailEnd type="none" w="med" len="med"/>
+                    </a:lnB>
+                    <a:lnTlToBr w="12700" cmpd="sng">
+                      <a:noFill/>
+                      <a:prstDash val="solid"/>
+                    </a:lnTlToBr>
+                    <a:lnBlToTr w="12700" cmpd="sng">
+                      <a:noFill/>
+                      <a:prstDash val="solid"/>
+                    </a:lnBlToTr>
+                    <a:solidFill>
+                      <a:schemeClr val="bg1">
+                        <a:lumMod val="95000"/>
+                      </a:schemeClr>
+                    </a:solidFill>
+                  </a:tcPr>
+                </a:tc>
+                <a:tc>
+                  <a:txBody>
+                    <a:bodyPr/>
+                    <a:lstStyle/>
+                    <a:p>
+                      <a:pPr marL="0" marR="0" lvl="0" indent="0" algn="just" defTabSz="755934" rtl="0" eaLnBrk="1" fontAlgn="base" latinLnBrk="0" hangingPunct="1">
+                        <a:lnSpc>
+                          <a:spcPct val="100000"/>
+                        </a:lnSpc>
+                        <a:spcBef>
+                          <a:spcPct val="0"/>
+                        </a:spcBef>
+                        <a:spcAft>
+                          <a:spcPct val="0"/>
+                        </a:spcAft>
+                        <a:buClrTx/>
+                        <a:buSzTx/>
+                        <a:buFontTx/>
+                        <a:buNone/>
+                        <a:tabLst/>
+                        <a:defRPr/>
+                      </a:pPr>
+                      <a:r>
+                        <a:rPr lang="fr-FR" sz="700" b="0" i="0" kern="1200" dirty="0">
+                          <a:solidFill>
+                            <a:schemeClr val="tx1"/>
+                          </a:solidFill>
+                          <a:latin typeface="+mn-lt"/>
+                          <a:ea typeface="+mn-ea"/>
+                          <a:cs typeface="+mn-cs"/>
+                        </a:rPr>
+                        <a:t>&lt;DCF&gt;</a:t>
+                      </a:r>
+                    </a:p>
+                  </a:txBody>
+                  <a:tcPr marL="72000" marR="72000" marT="46800" marB="46800" anchor="ctr" horzOverflow="overflow">
+                    <a:lnL w="12700" cap="flat" cmpd="sng" algn="ctr">
+                      <a:solidFill>
+                        <a:schemeClr val="bg1"/>
+                      </a:solidFill>
+                      <a:prstDash val="solid"/>
+                      <a:round/>
+                      <a:headEnd type="none" w="med" len="med"/>
+                      <a:tailEnd type="none" w="med" len="med"/>
+                    </a:lnL>
+                    <a:lnR w="6350" cap="flat" cmpd="sng" algn="ctr">
+                      <a:solidFill>
+                        <a:schemeClr val="bg1">
+                          <a:lumMod val="65000"/>
+                        </a:schemeClr>
+                      </a:solidFill>
+                      <a:prstDash val="solid"/>
+                      <a:round/>
+                      <a:headEnd type="none" w="med" len="med"/>
+                      <a:tailEnd type="none" w="med" len="med"/>
+                    </a:lnR>
+                    <a:lnT w="6350" cap="flat" cmpd="sng" algn="ctr">
+                      <a:solidFill>
+                        <a:schemeClr val="bg1">
+                          <a:lumMod val="65000"/>
+                        </a:schemeClr>
+                      </a:solidFill>
+                      <a:prstDash val="solid"/>
+                      <a:round/>
+                      <a:headEnd type="none" w="med" len="med"/>
+                      <a:tailEnd type="none" w="med" len="med"/>
+                    </a:lnT>
+                    <a:lnB w="6350" cap="flat" cmpd="sng" algn="ctr">
+                      <a:solidFill>
+                        <a:schemeClr val="bg1">
+                          <a:lumMod val="65000"/>
+                        </a:schemeClr>
+                      </a:solidFill>
+                      <a:prstDash val="solid"/>
+                      <a:round/>
+                      <a:headEnd type="none" w="med" len="med"/>
+                      <a:tailEnd type="none" w="med" len="med"/>
+                    </a:lnB>
+                    <a:lnTlToBr w="12700" cmpd="sng">
+                      <a:noFill/>
+                      <a:prstDash val="solid"/>
+                    </a:lnTlToBr>
+                    <a:lnBlToTr w="12700" cmpd="sng">
+                      <a:noFill/>
+                      <a:prstDash val="solid"/>
+                    </a:lnBlToTr>
+                    <a:noFill/>
+                  </a:tcPr>
+                </a:tc>
+                <a:extLst>
+                  <a:ext uri="{0D108BD9-81ED-4DB2-BD59-A6C34878D82A}">
+                    <a16:rowId xmlns:a16="http://schemas.microsoft.com/office/drawing/2014/main" val="604562282"/>
+                  </a:ext>
+                </a:extLst>
+              </a:tr>
+              <a:tr h="198049">
+                <a:tc>
+                  <a:txBody>
+                    <a:bodyPr/>
+                    <a:lstStyle/>
+                    <a:p>
+                      <a:pPr marL="0" marR="0" lvl="0" indent="0" algn="l" defTabSz="755934" rtl="0" eaLnBrk="1" fontAlgn="auto" latinLnBrk="0" hangingPunct="1">
+                        <a:lnSpc>
+                          <a:spcPct val="90000"/>
+                        </a:lnSpc>
+                        <a:spcBef>
+                          <a:spcPts val="0"/>
+                        </a:spcBef>
+                        <a:spcAft>
+                          <a:spcPts val="0"/>
+                        </a:spcAft>
+                        <a:buClrTx/>
+                        <a:buSzTx/>
+                        <a:buFontTx/>
+                        <a:buNone/>
+                        <a:tabLst/>
+                        <a:defRPr/>
+                      </a:pPr>
+                      <a:r>
+                        <a:rPr lang="fr-FR" sz="700" b="1" kern="1200" dirty="0">
+                          <a:solidFill>
+                            <a:srgbClr val="B9A049"/>
+                          </a:solidFill>
+                          <a:latin typeface="+mn-lt"/>
+                          <a:ea typeface="+mn-ea"/>
+                          <a:cs typeface="+mn-cs"/>
+                        </a:rPr>
+                        <a:t>Date d’échéance</a:t>
+                      </a:r>
+                    </a:p>
+                  </a:txBody>
+                  <a:tcPr marL="72000" marR="72000" marT="46800" marB="46800" anchor="ctr" horzOverflow="overflow">
+                    <a:lnL w="12700" cap="flat" cmpd="sng" algn="ctr">
+                      <a:solidFill>
+                        <a:schemeClr val="bg1">
+                          <a:lumMod val="85000"/>
+                        </a:schemeClr>
+                      </a:solidFill>
+                      <a:prstDash val="solid"/>
+                      <a:round/>
+                      <a:headEnd type="none" w="med" len="med"/>
+                      <a:tailEnd type="none" w="med" len="med"/>
+                    </a:lnL>
+                    <a:lnR w="12700" cap="flat" cmpd="sng" algn="ctr">
+                      <a:solidFill>
+                        <a:schemeClr val="bg1"/>
+                      </a:solidFill>
+                      <a:prstDash val="solid"/>
+                      <a:round/>
+                      <a:headEnd type="none" w="med" len="med"/>
+                      <a:tailEnd type="none" w="med" len="med"/>
+                    </a:lnR>
+                    <a:lnT w="12700" cap="flat" cmpd="sng" algn="ctr">
+                      <a:solidFill>
+                        <a:schemeClr val="bg1"/>
+                      </a:solidFill>
+                      <a:prstDash val="solid"/>
+                      <a:round/>
+                      <a:headEnd type="none" w="med" len="med"/>
+                      <a:tailEnd type="none" w="med" len="med"/>
+                    </a:lnT>
+                    <a:lnB w="12700" cap="flat" cmpd="sng" algn="ctr">
+                      <a:solidFill>
+                        <a:schemeClr val="bg1"/>
+                      </a:solidFill>
+                      <a:prstDash val="solid"/>
+                      <a:round/>
+                      <a:headEnd type="none" w="med" len="med"/>
+                      <a:tailEnd type="none" w="med" len="med"/>
+                    </a:lnB>
+                    <a:lnTlToBr w="12700" cmpd="sng">
+                      <a:noFill/>
+                      <a:prstDash val="solid"/>
+                    </a:lnTlToBr>
+                    <a:lnBlToTr w="12700" cmpd="sng">
+                      <a:noFill/>
+                      <a:prstDash val="solid"/>
+                    </a:lnBlToTr>
+                    <a:solidFill>
+                      <a:schemeClr val="bg1">
+                        <a:lumMod val="95000"/>
+                      </a:schemeClr>
+                    </a:solidFill>
+                  </a:tcPr>
+                </a:tc>
+                <a:tc>
+                  <a:txBody>
+                    <a:bodyPr/>
+                    <a:lstStyle/>
+                    <a:p>
+                      <a:pPr marL="0" marR="0" lvl="0" indent="0" algn="just" defTabSz="755934" rtl="0" eaLnBrk="1" fontAlgn="base" latinLnBrk="0" hangingPunct="1">
+                        <a:lnSpc>
+                          <a:spcPct val="100000"/>
+                        </a:lnSpc>
+                        <a:spcBef>
+                          <a:spcPct val="0"/>
+                        </a:spcBef>
+                        <a:spcAft>
+                          <a:spcPct val="0"/>
+                        </a:spcAft>
+                        <a:buClrTx/>
+                        <a:buSzTx/>
+                        <a:buFontTx/>
+                        <a:buNone/>
+                        <a:tabLst/>
+                      </a:pPr>
+                      <a:r>
+                        <a:rPr lang="fr-FR" sz="700" b="0" i="0" kern="1200" dirty="0">
+                          <a:solidFill>
+                            <a:schemeClr val="tx1"/>
+                          </a:solidFill>
+                          <a:latin typeface="+mn-lt"/>
+                          <a:ea typeface="+mn-ea"/>
+                          <a:cs typeface="+mn-cs"/>
+                        </a:rPr>
+                        <a:t>&lt;DEC&gt; (en l’absence de remboursement anticipé automatique)</a:t>
+                      </a:r>
+                    </a:p>
+                  </a:txBody>
+                  <a:tcPr marL="72000" marR="72000" marT="46800" marB="46800" anchor="ctr" horzOverflow="overflow">
+                    <a:lnL w="12700" cap="flat" cmpd="sng" algn="ctr">
+                      <a:solidFill>
+                        <a:schemeClr val="bg1"/>
+                      </a:solidFill>
+                      <a:prstDash val="solid"/>
+                      <a:round/>
+                      <a:headEnd type="none" w="med" len="med"/>
+                      <a:tailEnd type="none" w="med" len="med"/>
+                    </a:lnL>
+                    <a:lnR w="6350" cap="flat" cmpd="sng" algn="ctr">
+                      <a:solidFill>
+                        <a:schemeClr val="bg1">
+                          <a:lumMod val="65000"/>
+                        </a:schemeClr>
+                      </a:solidFill>
+                      <a:prstDash val="solid"/>
+                      <a:round/>
+                      <a:headEnd type="none" w="med" len="med"/>
+                      <a:tailEnd type="none" w="med" len="med"/>
+                    </a:lnR>
+                    <a:lnT w="6350" cap="flat" cmpd="sng" algn="ctr">
+                      <a:solidFill>
+                        <a:schemeClr val="bg1">
+                          <a:lumMod val="65000"/>
+                        </a:schemeClr>
+                      </a:solidFill>
+                      <a:prstDash val="solid"/>
+                      <a:round/>
+                      <a:headEnd type="none" w="med" len="med"/>
+                      <a:tailEnd type="none" w="med" len="med"/>
+                    </a:lnT>
+                    <a:lnB w="6350" cap="flat" cmpd="sng" algn="ctr">
+                      <a:solidFill>
+                        <a:schemeClr val="bg1">
+                          <a:lumMod val="65000"/>
+                        </a:schemeClr>
+                      </a:solidFill>
+                      <a:prstDash val="solid"/>
+                      <a:round/>
+                      <a:headEnd type="none" w="med" len="med"/>
+                      <a:tailEnd type="none" w="med" len="med"/>
+                    </a:lnB>
+                    <a:lnTlToBr w="12700" cmpd="sng">
+                      <a:noFill/>
+                      <a:prstDash val="solid"/>
+                    </a:lnTlToBr>
+                    <a:lnBlToTr w="12700" cmpd="sng">
+                      <a:noFill/>
+                      <a:prstDash val="solid"/>
+                    </a:lnBlToTr>
+                    <a:noFill/>
+                  </a:tcPr>
+                </a:tc>
+                <a:extLst>
+                  <a:ext uri="{0D108BD9-81ED-4DB2-BD59-A6C34878D82A}">
+                    <a16:rowId xmlns:a16="http://schemas.microsoft.com/office/drawing/2014/main" val="3457822103"/>
+                  </a:ext>
+                </a:extLst>
+              </a:tr>
+              <a:tr h="198049">
+                <a:tc>
+                  <a:txBody>
+                    <a:bodyPr/>
+                    <a:lstStyle/>
+                    <a:p>
+                      <a:pPr marL="0" marR="0" lvl="0" indent="0" algn="l" defTabSz="755934" rtl="0" eaLnBrk="1" fontAlgn="auto" latinLnBrk="0" hangingPunct="1">
+                        <a:lnSpc>
+                          <a:spcPct val="90000"/>
+                        </a:lnSpc>
+                        <a:spcBef>
+                          <a:spcPts val="0"/>
+                        </a:spcBef>
+                        <a:spcAft>
+                          <a:spcPts val="0"/>
+                        </a:spcAft>
+                        <a:buClrTx/>
+                        <a:buSzTx/>
+                        <a:buFontTx/>
+                        <a:buNone/>
+                        <a:tabLst/>
+                        <a:defRPr/>
+                      </a:pPr>
+                      <a:r>
+                        <a:rPr lang="fr-FR" sz="700" b="1" kern="1200" dirty="0">
+                          <a:solidFill>
+                            <a:srgbClr val="B9A049"/>
+                          </a:solidFill>
+                          <a:latin typeface="+mn-lt"/>
+                          <a:ea typeface="+mn-ea"/>
+                          <a:cs typeface="+mn-cs"/>
+                        </a:rPr>
+                        <a:t>Dates de constatation &lt;F1&gt;</a:t>
+                      </a:r>
+                    </a:p>
+                  </a:txBody>
+                  <a:tcPr marL="72000" marR="72000" marT="46800" marB="46800" anchor="ctr" horzOverflow="overflow">
+                    <a:lnL w="12700" cap="flat" cmpd="sng" algn="ctr">
+                      <a:solidFill>
+                        <a:schemeClr val="bg1">
+                          <a:lumMod val="85000"/>
+                        </a:schemeClr>
+                      </a:solidFill>
+                      <a:prstDash val="solid"/>
+                      <a:round/>
+                      <a:headEnd type="none" w="med" len="med"/>
+                      <a:tailEnd type="none" w="med" len="med"/>
+                    </a:lnL>
+                    <a:lnR w="12700" cap="flat" cmpd="sng" algn="ctr">
+                      <a:solidFill>
+                        <a:schemeClr val="bg1"/>
+                      </a:solidFill>
+                      <a:prstDash val="solid"/>
+                      <a:round/>
+                      <a:headEnd type="none" w="med" len="med"/>
+                      <a:tailEnd type="none" w="med" len="med"/>
+                    </a:lnR>
+                    <a:lnT w="12700" cap="flat" cmpd="sng" algn="ctr">
+                      <a:solidFill>
+                        <a:schemeClr val="bg1"/>
+                      </a:solidFill>
+                      <a:prstDash val="solid"/>
+                      <a:round/>
+                      <a:headEnd type="none" w="med" len="med"/>
+                      <a:tailEnd type="none" w="med" len="med"/>
+                    </a:lnT>
+                    <a:lnB w="12700" cap="flat" cmpd="sng" algn="ctr">
+                      <a:solidFill>
+                        <a:schemeClr val="bg1"/>
+                      </a:solidFill>
+                      <a:prstDash val="solid"/>
+                      <a:round/>
+                      <a:headEnd type="none" w="med" len="med"/>
+                      <a:tailEnd type="none" w="med" len="med"/>
+                    </a:lnB>
+                    <a:lnTlToBr w="12700" cmpd="sng">
+                      <a:noFill/>
+                      <a:prstDash val="solid"/>
+                    </a:lnTlToBr>
+                    <a:lnBlToTr w="12700" cmpd="sng">
+                      <a:noFill/>
+                      <a:prstDash val="solid"/>
+                    </a:lnBlToTr>
+                    <a:solidFill>
+                      <a:schemeClr val="bg1">
+                        <a:lumMod val="95000"/>
+                      </a:schemeClr>
+                    </a:solidFill>
+                  </a:tcPr>
+                </a:tc>
+                <a:tc>
+                  <a:txBody>
+                    <a:bodyPr/>
+                    <a:lstStyle/>
+                    <a:p>
+                      <a:pPr marL="0" marR="0" lvl="0" indent="0" algn="just" defTabSz="755934" rtl="0" eaLnBrk="1" fontAlgn="base" latinLnBrk="0" hangingPunct="1">
+                        <a:lnSpc>
+                          <a:spcPct val="100000"/>
+                        </a:lnSpc>
+                        <a:spcBef>
+                          <a:spcPts val="0"/>
+                        </a:spcBef>
+                        <a:spcAft>
+                          <a:spcPct val="0"/>
+                        </a:spcAft>
+                        <a:buClrTx/>
+                        <a:buSzTx/>
+                        <a:buFontTx/>
+                        <a:buNone/>
+                        <a:tabLst/>
+                        <a:defRPr/>
+                      </a:pPr>
+                      <a:r>
+                        <a:rPr lang="fr-FR" sz="700" b="0" i="0" kern="1200">
+                          <a:solidFill>
+                            <a:schemeClr val="tx1"/>
+                          </a:solidFill>
+                          <a:highlight>
+                            <a:srgbClr val="00FFFF"/>
+                          </a:highlight>
+                          <a:latin typeface="+mn-lt"/>
+                          <a:ea typeface="+mn-ea"/>
+                          <a:cs typeface="+mn-cs"/>
+                        </a:rPr>
+                        <a:t>&lt;Datesconstatations1&gt;</a:t>
+                      </a:r>
+                      <a:endParaRPr lang="fr-FR" sz="700" b="0" i="0" kern="1200" dirty="0">
+                        <a:solidFill>
+                          <a:schemeClr val="tx1"/>
+                        </a:solidFill>
+                        <a:highlight>
+                          <a:srgbClr val="00FFFF"/>
+                        </a:highlight>
+                        <a:latin typeface="+mn-lt"/>
+                        <a:ea typeface="+mn-ea"/>
+                        <a:cs typeface="+mn-cs"/>
+                      </a:endParaRPr>
+                    </a:p>
+                  </a:txBody>
+                  <a:tcPr marL="72000" marR="72000" marT="46800" marB="46800" anchor="ctr" horzOverflow="overflow">
+                    <a:lnL w="12700" cap="flat" cmpd="sng" algn="ctr">
+                      <a:solidFill>
+                        <a:schemeClr val="bg1"/>
+                      </a:solidFill>
+                      <a:prstDash val="solid"/>
+                      <a:round/>
+                      <a:headEnd type="none" w="med" len="med"/>
+                      <a:tailEnd type="none" w="med" len="med"/>
+                    </a:lnL>
+                    <a:lnR w="6350" cap="flat" cmpd="sng" algn="ctr">
+                      <a:solidFill>
+                        <a:schemeClr val="bg1">
+                          <a:lumMod val="65000"/>
+                        </a:schemeClr>
+                      </a:solidFill>
+                      <a:prstDash val="solid"/>
+                      <a:round/>
+                      <a:headEnd type="none" w="med" len="med"/>
+                      <a:tailEnd type="none" w="med" len="med"/>
+                    </a:lnR>
+                    <a:lnT w="6350" cap="flat" cmpd="sng" algn="ctr">
+                      <a:solidFill>
+                        <a:schemeClr val="bg1">
+                          <a:lumMod val="65000"/>
+                        </a:schemeClr>
+                      </a:solidFill>
+                      <a:prstDash val="solid"/>
+                      <a:round/>
+                      <a:headEnd type="none" w="med" len="med"/>
+                      <a:tailEnd type="none" w="med" len="med"/>
+                    </a:lnT>
+                    <a:lnB w="6350" cap="flat" cmpd="sng" algn="ctr">
+                      <a:solidFill>
+                        <a:schemeClr val="bg1">
+                          <a:lumMod val="65000"/>
+                        </a:schemeClr>
+                      </a:solidFill>
+                      <a:prstDash val="solid"/>
+                      <a:round/>
+                      <a:headEnd type="none" w="med" len="med"/>
+                      <a:tailEnd type="none" w="med" len="med"/>
+                    </a:lnB>
+                    <a:lnTlToBr w="12700" cmpd="sng">
+                      <a:noFill/>
+                      <a:prstDash val="solid"/>
+                    </a:lnTlToBr>
+                    <a:lnBlToTr w="12700" cmpd="sng">
+                      <a:noFill/>
+                      <a:prstDash val="solid"/>
+                    </a:lnBlToTr>
+                    <a:noFill/>
+                  </a:tcPr>
+                </a:tc>
+                <a:extLst>
+                  <a:ext uri="{0D108BD9-81ED-4DB2-BD59-A6C34878D82A}">
+                    <a16:rowId xmlns:a16="http://schemas.microsoft.com/office/drawing/2014/main" val="1139992192"/>
+                  </a:ext>
+                </a:extLst>
+              </a:tr>
+              <a:tr h="198049">
+                <a:tc>
+                  <a:txBody>
+                    <a:bodyPr/>
+                    <a:lstStyle/>
+                    <a:p>
+                      <a:pPr marL="0" marR="0" lvl="0" indent="0" algn="l" defTabSz="755934" rtl="0" eaLnBrk="1" fontAlgn="auto" latinLnBrk="0" hangingPunct="1">
+                        <a:lnSpc>
+                          <a:spcPct val="90000"/>
+                        </a:lnSpc>
+                        <a:spcBef>
+                          <a:spcPts val="0"/>
+                        </a:spcBef>
+                        <a:spcAft>
+                          <a:spcPts val="0"/>
+                        </a:spcAft>
+                        <a:buClrTx/>
+                        <a:buSzTx/>
+                        <a:buFontTx/>
+                        <a:buNone/>
+                        <a:tabLst/>
+                        <a:defRPr/>
+                      </a:pPr>
+                      <a:r>
+                        <a:rPr lang="fr-FR" sz="700" b="1" kern="1200" dirty="0">
+                          <a:solidFill>
+                            <a:srgbClr val="B9A049"/>
+                          </a:solidFill>
+                          <a:latin typeface="+mn-lt"/>
+                          <a:ea typeface="+mn-ea"/>
+                          <a:cs typeface="+mn-cs"/>
+                        </a:rPr>
+                        <a:t>Dates de paiement éventuel des coupons</a:t>
+                      </a:r>
+                    </a:p>
+                  </a:txBody>
+                  <a:tcPr marL="72000" marR="72000" marT="46800" marB="46800" anchor="ctr" horzOverflow="overflow">
+                    <a:lnL w="12700" cap="flat" cmpd="sng" algn="ctr">
+                      <a:solidFill>
+                        <a:schemeClr val="bg1">
+                          <a:lumMod val="85000"/>
+                        </a:schemeClr>
+                      </a:solidFill>
+                      <a:prstDash val="solid"/>
+                      <a:round/>
+                      <a:headEnd type="none" w="med" len="med"/>
+                      <a:tailEnd type="none" w="med" len="med"/>
+                    </a:lnL>
+                    <a:lnR w="12700" cap="flat" cmpd="sng" algn="ctr">
+                      <a:solidFill>
+                        <a:schemeClr val="bg1"/>
+                      </a:solidFill>
+                      <a:prstDash val="solid"/>
+                      <a:round/>
+                      <a:headEnd type="none" w="med" len="med"/>
+                      <a:tailEnd type="none" w="med" len="med"/>
+                    </a:lnR>
+                    <a:lnT w="12700" cap="flat" cmpd="sng" algn="ctr">
+                      <a:solidFill>
+                        <a:schemeClr val="bg1"/>
+                      </a:solidFill>
+                      <a:prstDash val="solid"/>
+                      <a:round/>
+                      <a:headEnd type="none" w="med" len="med"/>
+                      <a:tailEnd type="none" w="med" len="med"/>
+                    </a:lnT>
+                    <a:lnB w="12700" cap="flat" cmpd="sng" algn="ctr">
+                      <a:solidFill>
+                        <a:schemeClr val="bg1"/>
+                      </a:solidFill>
+                      <a:prstDash val="solid"/>
+                      <a:round/>
+                      <a:headEnd type="none" w="med" len="med"/>
+                      <a:tailEnd type="none" w="med" len="med"/>
+                    </a:lnB>
+                    <a:lnTlToBr w="12700" cmpd="sng">
+                      <a:noFill/>
+                      <a:prstDash val="solid"/>
+                    </a:lnTlToBr>
+                    <a:lnBlToTr w="12700" cmpd="sng">
+                      <a:noFill/>
+                      <a:prstDash val="solid"/>
+                    </a:lnBlToTr>
+                    <a:solidFill>
+                      <a:schemeClr val="bg1">
+                        <a:lumMod val="95000"/>
+                      </a:schemeClr>
+                    </a:solidFill>
+                  </a:tcPr>
+                </a:tc>
+                <a:tc>
+                  <a:txBody>
+                    <a:bodyPr/>
+                    <a:lstStyle/>
+                    <a:p>
+                      <a:pPr marL="0" marR="0" lvl="0" indent="0" algn="just" defTabSz="755934" rtl="0" eaLnBrk="1" fontAlgn="base" latinLnBrk="0" hangingPunct="1">
+                        <a:lnSpc>
+                          <a:spcPct val="100000"/>
+                        </a:lnSpc>
+                        <a:spcBef>
+                          <a:spcPts val="0"/>
+                        </a:spcBef>
+                        <a:spcAft>
+                          <a:spcPct val="0"/>
+                        </a:spcAft>
+                        <a:buClrTx/>
+                        <a:buSzTx/>
+                        <a:buFontTx/>
+                        <a:buNone/>
+                        <a:tabLst/>
+                        <a:defRPr/>
+                      </a:pPr>
+                      <a:r>
+                        <a:rPr lang="fr-FR" sz="700" b="0" i="0" kern="1200" dirty="0">
+                          <a:solidFill>
+                            <a:schemeClr val="tx1"/>
+                          </a:solidFill>
+                          <a:highlight>
+                            <a:srgbClr val="00FFFF"/>
+                          </a:highlight>
+                          <a:latin typeface="+mn-lt"/>
+                          <a:ea typeface="+mn-ea"/>
+                          <a:cs typeface="+mn-cs"/>
+                        </a:rPr>
+                        <a:t>&lt;Datespaiement1&gt;</a:t>
+                      </a:r>
+                    </a:p>
+                  </a:txBody>
+                  <a:tcPr marL="72000" marR="72000" marT="46800" marB="46800" anchor="ctr" horzOverflow="overflow">
+                    <a:lnL w="12700" cap="flat" cmpd="sng" algn="ctr">
+                      <a:solidFill>
+                        <a:schemeClr val="bg1"/>
+                      </a:solidFill>
+                      <a:prstDash val="solid"/>
+                      <a:round/>
+                      <a:headEnd type="none" w="med" len="med"/>
+                      <a:tailEnd type="none" w="med" len="med"/>
+                    </a:lnL>
+                    <a:lnR w="6350" cap="flat" cmpd="sng" algn="ctr">
+                      <a:solidFill>
+                        <a:schemeClr val="bg1">
+                          <a:lumMod val="65000"/>
+                        </a:schemeClr>
+                      </a:solidFill>
+                      <a:prstDash val="solid"/>
+                      <a:round/>
+                      <a:headEnd type="none" w="med" len="med"/>
+                      <a:tailEnd type="none" w="med" len="med"/>
+                    </a:lnR>
+                    <a:lnT w="6350" cap="flat" cmpd="sng" algn="ctr">
+                      <a:solidFill>
+                        <a:schemeClr val="bg1">
+                          <a:lumMod val="65000"/>
+                        </a:schemeClr>
+                      </a:solidFill>
+                      <a:prstDash val="solid"/>
+                      <a:round/>
+                      <a:headEnd type="none" w="med" len="med"/>
+                      <a:tailEnd type="none" w="med" len="med"/>
+                    </a:lnT>
+                    <a:lnB w="6350" cap="flat" cmpd="sng" algn="ctr">
+                      <a:solidFill>
+                        <a:schemeClr val="bg1">
+                          <a:lumMod val="65000"/>
+                        </a:schemeClr>
+                      </a:solidFill>
+                      <a:prstDash val="solid"/>
+                      <a:round/>
+                      <a:headEnd type="none" w="med" len="med"/>
+                      <a:tailEnd type="none" w="med" len="med"/>
+                    </a:lnB>
+                    <a:lnTlToBr w="12700" cmpd="sng">
+                      <a:noFill/>
+                      <a:prstDash val="solid"/>
+                    </a:lnTlToBr>
+                    <a:lnBlToTr w="12700" cmpd="sng">
+                      <a:noFill/>
+                      <a:prstDash val="solid"/>
+                    </a:lnBlToTr>
+                    <a:noFill/>
+                  </a:tcPr>
+                </a:tc>
+                <a:extLst>
+                  <a:ext uri="{0D108BD9-81ED-4DB2-BD59-A6C34878D82A}">
+                    <a16:rowId xmlns:a16="http://schemas.microsoft.com/office/drawing/2014/main" val="2261100562"/>
+                  </a:ext>
+                </a:extLst>
+              </a:tr>
+              <a:tr h="198049">
+                <a:tc>
+                  <a:txBody>
+                    <a:bodyPr/>
+                    <a:lstStyle/>
+                    <a:p>
+                      <a:pPr marL="0" marR="0" lvl="0" indent="0" algn="l" defTabSz="755934" rtl="0" eaLnBrk="1" fontAlgn="auto" latinLnBrk="0" hangingPunct="1">
+                        <a:lnSpc>
+                          <a:spcPct val="90000"/>
+                        </a:lnSpc>
+                        <a:spcBef>
+                          <a:spcPts val="0"/>
+                        </a:spcBef>
+                        <a:spcAft>
+                          <a:spcPts val="0"/>
+                        </a:spcAft>
+                        <a:buClrTx/>
+                        <a:buSzTx/>
+                        <a:buFontTx/>
+                        <a:buNone/>
+                        <a:tabLst/>
+                        <a:defRPr/>
+                      </a:pPr>
+                      <a:r>
+                        <a:rPr lang="fr-FR" sz="700" b="1" kern="1200" dirty="0">
+                          <a:solidFill>
+                            <a:srgbClr val="B9A049"/>
+                          </a:solidFill>
+                          <a:latin typeface="+mn-lt"/>
+                          <a:ea typeface="+mn-ea"/>
+                          <a:cs typeface="+mn-cs"/>
+                        </a:rPr>
+                        <a:t>Dates de remboursement anticipé automatique</a:t>
+                      </a:r>
+                    </a:p>
+                  </a:txBody>
+                  <a:tcPr marL="72000" marR="72000" marT="46800" marB="46800" anchor="ctr" horzOverflow="overflow">
+                    <a:lnL w="12700" cap="flat" cmpd="sng" algn="ctr">
+                      <a:solidFill>
+                        <a:schemeClr val="bg1">
+                          <a:lumMod val="85000"/>
+                        </a:schemeClr>
+                      </a:solidFill>
+                      <a:prstDash val="solid"/>
+                      <a:round/>
+                      <a:headEnd type="none" w="med" len="med"/>
+                      <a:tailEnd type="none" w="med" len="med"/>
+                    </a:lnL>
+                    <a:lnR w="12700" cap="flat" cmpd="sng" algn="ctr">
+                      <a:solidFill>
+                        <a:schemeClr val="bg1"/>
+                      </a:solidFill>
+                      <a:prstDash val="solid"/>
+                      <a:round/>
+                      <a:headEnd type="none" w="med" len="med"/>
+                      <a:tailEnd type="none" w="med" len="med"/>
+                    </a:lnR>
+                    <a:lnT w="12700" cap="flat" cmpd="sng" algn="ctr">
+                      <a:solidFill>
+                        <a:schemeClr val="bg1"/>
+                      </a:solidFill>
+                      <a:prstDash val="solid"/>
+                      <a:round/>
+                      <a:headEnd type="none" w="med" len="med"/>
+                      <a:tailEnd type="none" w="med" len="med"/>
+                    </a:lnT>
+                    <a:lnB w="12700" cap="flat" cmpd="sng" algn="ctr">
+                      <a:solidFill>
+                        <a:schemeClr val="bg1"/>
+                      </a:solidFill>
+                      <a:prstDash val="solid"/>
+                      <a:round/>
+                      <a:headEnd type="none" w="med" len="med"/>
+                      <a:tailEnd type="none" w="med" len="med"/>
+                    </a:lnB>
+                    <a:lnTlToBr w="12700" cmpd="sng">
+                      <a:noFill/>
+                      <a:prstDash val="solid"/>
+                    </a:lnTlToBr>
+                    <a:lnBlToTr w="12700" cmpd="sng">
+                      <a:noFill/>
+                      <a:prstDash val="solid"/>
+                    </a:lnBlToTr>
+                    <a:solidFill>
+                      <a:schemeClr val="bg1">
+                        <a:lumMod val="95000"/>
+                      </a:schemeClr>
+                    </a:solidFill>
+                  </a:tcPr>
+                </a:tc>
+                <a:tc>
+                  <a:txBody>
+                    <a:bodyPr/>
+                    <a:lstStyle/>
+                    <a:p>
+                      <a:pPr marL="0" marR="0" lvl="0" indent="0" algn="just" defTabSz="755934" rtl="0" eaLnBrk="1" fontAlgn="base" latinLnBrk="0" hangingPunct="1">
+                        <a:lnSpc>
+                          <a:spcPct val="100000"/>
+                        </a:lnSpc>
+                        <a:spcBef>
+                          <a:spcPts val="0"/>
+                        </a:spcBef>
+                        <a:spcAft>
+                          <a:spcPct val="0"/>
+                        </a:spcAft>
+                        <a:buClrTx/>
+                        <a:buSzTx/>
+                        <a:buFontTx/>
+                        <a:buNone/>
+                        <a:tabLst/>
+                        <a:defRPr/>
+                      </a:pPr>
+                      <a:r>
+                        <a:rPr lang="fr-FR" sz="700" b="0" i="0" kern="1200" dirty="0">
+                          <a:solidFill>
+                            <a:schemeClr val="tx1"/>
+                          </a:solidFill>
+                          <a:highlight>
+                            <a:srgbClr val="00FFFF"/>
+                          </a:highlight>
+                          <a:latin typeface="+mn-lt"/>
+                          <a:ea typeface="+mn-ea"/>
+                          <a:cs typeface="+mn-cs"/>
+                        </a:rPr>
+                        <a:t>&lt;Datesremb1&gt;</a:t>
+                      </a:r>
+                    </a:p>
+                  </a:txBody>
+                  <a:tcPr marL="72000" marR="72000" marT="46800" marB="46800" anchor="ctr" horzOverflow="overflow">
+                    <a:lnL w="12700" cap="flat" cmpd="sng" algn="ctr">
+                      <a:solidFill>
+                        <a:schemeClr val="bg1"/>
+                      </a:solidFill>
+                      <a:prstDash val="solid"/>
+                      <a:round/>
+                      <a:headEnd type="none" w="med" len="med"/>
+                      <a:tailEnd type="none" w="med" len="med"/>
+                    </a:lnL>
+                    <a:lnR w="6350" cap="flat" cmpd="sng" algn="ctr">
+                      <a:solidFill>
+                        <a:schemeClr val="bg1">
+                          <a:lumMod val="65000"/>
+                        </a:schemeClr>
+                      </a:solidFill>
+                      <a:prstDash val="solid"/>
+                      <a:round/>
+                      <a:headEnd type="none" w="med" len="med"/>
+                      <a:tailEnd type="none" w="med" len="med"/>
+                    </a:lnR>
+                    <a:lnT w="6350" cap="flat" cmpd="sng" algn="ctr">
+                      <a:solidFill>
+                        <a:schemeClr val="bg1">
+                          <a:lumMod val="65000"/>
+                        </a:schemeClr>
+                      </a:solidFill>
+                      <a:prstDash val="solid"/>
+                      <a:round/>
+                      <a:headEnd type="none" w="med" len="med"/>
+                      <a:tailEnd type="none" w="med" len="med"/>
+                    </a:lnT>
+                    <a:lnB w="6350" cap="flat" cmpd="sng" algn="ctr">
+                      <a:solidFill>
+                        <a:schemeClr val="bg1">
+                          <a:lumMod val="65000"/>
+                        </a:schemeClr>
+                      </a:solidFill>
+                      <a:prstDash val="solid"/>
+                      <a:round/>
+                      <a:headEnd type="none" w="med" len="med"/>
+                      <a:tailEnd type="none" w="med" len="med"/>
+                    </a:lnB>
+                    <a:lnTlToBr w="12700" cmpd="sng">
+                      <a:noFill/>
+                      <a:prstDash val="solid"/>
+                    </a:lnTlToBr>
+                    <a:lnBlToTr w="12700" cmpd="sng">
+                      <a:noFill/>
+                      <a:prstDash val="solid"/>
+                    </a:lnBlToTr>
+                    <a:noFill/>
+                  </a:tcPr>
+                </a:tc>
+                <a:extLst>
+                  <a:ext uri="{0D108BD9-81ED-4DB2-BD59-A6C34878D82A}">
+                    <a16:rowId xmlns:a16="http://schemas.microsoft.com/office/drawing/2014/main" val="526433821"/>
+                  </a:ext>
+                </a:extLst>
+              </a:tr>
+              <a:tr h="187500">
+                <a:tc>
+                  <a:txBody>
+                    <a:bodyPr/>
+                    <a:lstStyle/>
+                    <a:p>
+                      <a:pPr marL="0" marR="0" lvl="0" indent="0" algn="l" defTabSz="755934" rtl="0" eaLnBrk="1" fontAlgn="auto" latinLnBrk="0" hangingPunct="1">
+                        <a:lnSpc>
+                          <a:spcPct val="90000"/>
+                        </a:lnSpc>
+                        <a:spcBef>
+                          <a:spcPts val="0"/>
+                        </a:spcBef>
+                        <a:spcAft>
+                          <a:spcPts val="0"/>
+                        </a:spcAft>
+                        <a:buClrTx/>
+                        <a:buSzTx/>
+                        <a:buFontTx/>
+                        <a:buNone/>
+                        <a:tabLst/>
+                        <a:defRPr/>
+                      </a:pPr>
+                      <a:r>
+                        <a:rPr lang="fr-FR" sz="700" b="1" kern="1200" dirty="0">
+                          <a:solidFill>
+                            <a:srgbClr val="B9A049"/>
+                          </a:solidFill>
+                          <a:latin typeface="+mn-lt"/>
+                          <a:ea typeface="+mn-ea"/>
+                          <a:cs typeface="+mn-cs"/>
+                        </a:rPr>
+                        <a:t>Barrière de remboursement anticipé automatique</a:t>
+                      </a:r>
+                    </a:p>
+                  </a:txBody>
+                  <a:tcPr marT="46800" marB="46800" anchor="ctr" horzOverflow="overflow">
+                    <a:lnL w="12700" cap="flat" cmpd="sng" algn="ctr">
+                      <a:solidFill>
+                        <a:schemeClr val="bg1">
+                          <a:lumMod val="85000"/>
+                        </a:schemeClr>
+                      </a:solidFill>
+                      <a:prstDash val="solid"/>
+                      <a:round/>
+                      <a:headEnd type="none" w="med" len="med"/>
+                      <a:tailEnd type="none" w="med" len="med"/>
+                    </a:lnL>
+                    <a:lnR w="12700" cap="flat" cmpd="sng" algn="ctr">
+                      <a:solidFill>
+                        <a:schemeClr val="bg1"/>
+                      </a:solidFill>
+                      <a:prstDash val="solid"/>
+                      <a:round/>
+                      <a:headEnd type="none" w="med" len="med"/>
+                      <a:tailEnd type="none" w="med" len="med"/>
+                    </a:lnR>
+                    <a:lnT w="12700" cap="flat" cmpd="sng" algn="ctr">
+                      <a:solidFill>
+                        <a:schemeClr val="bg1"/>
+                      </a:solidFill>
+                      <a:prstDash val="solid"/>
+                      <a:round/>
+                      <a:headEnd type="none" w="med" len="med"/>
+                      <a:tailEnd type="none" w="med" len="med"/>
+                    </a:lnT>
+                    <a:lnB w="12700" cap="flat" cmpd="sng" algn="ctr">
+                      <a:solidFill>
+                        <a:schemeClr val="bg1"/>
+                      </a:solidFill>
+                      <a:prstDash val="solid"/>
+                      <a:round/>
+                      <a:headEnd type="none" w="med" len="med"/>
+                      <a:tailEnd type="none" w="med" len="med"/>
+                    </a:lnB>
+                    <a:lnTlToBr w="12700" cmpd="sng">
+                      <a:noFill/>
+                      <a:prstDash val="solid"/>
+                    </a:lnTlToBr>
+                    <a:lnBlToTr w="12700" cmpd="sng">
+                      <a:noFill/>
+                      <a:prstDash val="solid"/>
+                    </a:lnBlToTr>
+                    <a:solidFill>
+                      <a:schemeClr val="bg1">
+                        <a:lumMod val="95000"/>
+                      </a:schemeClr>
+                    </a:solidFill>
+                  </a:tcPr>
+                </a:tc>
+                <a:tc>
+                  <a:txBody>
+                    <a:bodyPr/>
+                    <a:lstStyle/>
+                    <a:p>
+                      <a:pPr marL="0" marR="0" lvl="0" indent="0" algn="just" defTabSz="755934" rtl="0" eaLnBrk="1" fontAlgn="base" latinLnBrk="0" hangingPunct="1">
+                        <a:lnSpc>
+                          <a:spcPct val="88000"/>
+                        </a:lnSpc>
+                        <a:spcBef>
+                          <a:spcPts val="0"/>
+                        </a:spcBef>
+                        <a:spcAft>
+                          <a:spcPct val="0"/>
+                        </a:spcAft>
+                        <a:buClrTx/>
+                        <a:buSzTx/>
+                        <a:buFontTx/>
+                        <a:buNone/>
+                        <a:tabLst/>
+                        <a:defRPr/>
+                      </a:pPr>
+                      <a:r>
+                        <a:rPr lang="fr-FR" sz="700" b="0" i="0" kern="1200" dirty="0">
+                          <a:solidFill>
+                            <a:schemeClr val="tx1"/>
+                          </a:solidFill>
+                          <a:latin typeface="+mn-lt"/>
+                          <a:ea typeface="+mn-ea"/>
+                          <a:cs typeface="+mn-cs"/>
+                        </a:rPr>
+                        <a:t>&lt;BAC&gt; du &lt;NDR&gt; &lt;SJR7&gt;</a:t>
+                      </a:r>
+                    </a:p>
+                  </a:txBody>
+                  <a:tcPr marT="46800" marB="46800" anchor="ctr" horzOverflow="overflow">
+                    <a:lnL w="12700" cap="flat" cmpd="sng" algn="ctr">
+                      <a:solidFill>
+                        <a:schemeClr val="bg1"/>
+                      </a:solidFill>
+                      <a:prstDash val="solid"/>
+                      <a:round/>
+                      <a:headEnd type="none" w="med" len="med"/>
+                      <a:tailEnd type="none" w="med" len="med"/>
+                    </a:lnL>
+                    <a:lnR w="6350" cap="flat" cmpd="sng" algn="ctr">
+                      <a:solidFill>
+                        <a:schemeClr val="bg1">
+                          <a:lumMod val="65000"/>
+                        </a:schemeClr>
+                      </a:solidFill>
+                      <a:prstDash val="solid"/>
+                      <a:round/>
+                      <a:headEnd type="none" w="med" len="med"/>
+                      <a:tailEnd type="none" w="med" len="med"/>
+                    </a:lnR>
+                    <a:lnT w="6350" cap="flat" cmpd="sng" algn="ctr">
+                      <a:solidFill>
+                        <a:schemeClr val="bg1">
+                          <a:lumMod val="65000"/>
+                        </a:schemeClr>
+                      </a:solidFill>
+                      <a:prstDash val="solid"/>
+                      <a:round/>
+                      <a:headEnd type="none" w="med" len="med"/>
+                      <a:tailEnd type="none" w="med" len="med"/>
+                    </a:lnT>
+                    <a:lnB w="6350" cap="flat" cmpd="sng" algn="ctr">
+                      <a:solidFill>
+                        <a:schemeClr val="bg1">
+                          <a:lumMod val="65000"/>
+                        </a:schemeClr>
+                      </a:solidFill>
+                      <a:prstDash val="solid"/>
+                      <a:round/>
+                      <a:headEnd type="none" w="med" len="med"/>
+                      <a:tailEnd type="none" w="med" len="med"/>
+                    </a:lnB>
+                    <a:lnTlToBr w="12700" cmpd="sng">
+                      <a:noFill/>
+                      <a:prstDash val="solid"/>
+                    </a:lnTlToBr>
+                    <a:lnBlToTr w="12700" cmpd="sng">
+                      <a:noFill/>
+                      <a:prstDash val="solid"/>
+                    </a:lnBlToTr>
+                    <a:noFill/>
+                  </a:tcPr>
+                </a:tc>
+                <a:extLst>
+                  <a:ext uri="{0D108BD9-81ED-4DB2-BD59-A6C34878D82A}">
+                    <a16:rowId xmlns:a16="http://schemas.microsoft.com/office/drawing/2014/main" val="703025879"/>
+                  </a:ext>
+                </a:extLst>
+              </a:tr>
+              <a:tr h="187500">
+                <a:tc>
+                  <a:txBody>
+                    <a:bodyPr/>
+                    <a:lstStyle/>
+                    <a:p>
+                      <a:pPr marL="0" marR="0" lvl="0" indent="0" algn="l" defTabSz="755934" rtl="0" eaLnBrk="1" fontAlgn="auto" latinLnBrk="0" hangingPunct="1">
+                        <a:lnSpc>
+                          <a:spcPct val="90000"/>
+                        </a:lnSpc>
+                        <a:spcBef>
+                          <a:spcPts val="0"/>
+                        </a:spcBef>
+                        <a:spcAft>
+                          <a:spcPts val="0"/>
+                        </a:spcAft>
+                        <a:buClrTx/>
+                        <a:buSzTx/>
+                        <a:buFontTx/>
+                        <a:buNone/>
+                        <a:tabLst/>
+                        <a:defRPr/>
+                      </a:pPr>
+                      <a:r>
+                        <a:rPr lang="fr-FR" sz="700" b="1" kern="1200" dirty="0">
+                          <a:solidFill>
+                            <a:srgbClr val="B9A049"/>
+                          </a:solidFill>
+                          <a:latin typeface="+mn-lt"/>
+                          <a:ea typeface="+mn-ea"/>
+                          <a:cs typeface="+mn-cs"/>
+                        </a:rPr>
+                        <a:t>Barrière de versement des coupons</a:t>
+                      </a:r>
+                    </a:p>
+                  </a:txBody>
+                  <a:tcPr marT="46800" marB="46800" anchor="ctr" horzOverflow="overflow">
+                    <a:lnL w="12700" cap="flat" cmpd="sng" algn="ctr">
+                      <a:solidFill>
+                        <a:schemeClr val="bg1">
+                          <a:lumMod val="85000"/>
+                        </a:schemeClr>
+                      </a:solidFill>
+                      <a:prstDash val="solid"/>
+                      <a:round/>
+                      <a:headEnd type="none" w="med" len="med"/>
+                      <a:tailEnd type="none" w="med" len="med"/>
+                    </a:lnL>
+                    <a:lnR w="12700" cap="flat" cmpd="sng" algn="ctr">
+                      <a:solidFill>
+                        <a:schemeClr val="bg1"/>
+                      </a:solidFill>
+                      <a:prstDash val="solid"/>
+                      <a:round/>
+                      <a:headEnd type="none" w="med" len="med"/>
+                      <a:tailEnd type="none" w="med" len="med"/>
+                    </a:lnR>
+                    <a:lnT w="12700" cap="flat" cmpd="sng" algn="ctr">
+                      <a:solidFill>
+                        <a:schemeClr val="bg1"/>
+                      </a:solidFill>
+                      <a:prstDash val="solid"/>
+                      <a:round/>
+                      <a:headEnd type="none" w="med" len="med"/>
+                      <a:tailEnd type="none" w="med" len="med"/>
+                    </a:lnT>
+                    <a:lnB w="12700" cap="flat" cmpd="sng" algn="ctr">
+                      <a:solidFill>
+                        <a:schemeClr val="bg1"/>
+                      </a:solidFill>
+                      <a:prstDash val="solid"/>
+                      <a:round/>
+                      <a:headEnd type="none" w="med" len="med"/>
+                      <a:tailEnd type="none" w="med" len="med"/>
+                    </a:lnB>
+                    <a:lnTlToBr w="12700" cmpd="sng">
+                      <a:noFill/>
+                      <a:prstDash val="solid"/>
+                    </a:lnTlToBr>
+                    <a:lnBlToTr w="12700" cmpd="sng">
+                      <a:noFill/>
+                      <a:prstDash val="solid"/>
+                    </a:lnBlToTr>
+                    <a:solidFill>
+                      <a:schemeClr val="bg1">
+                        <a:lumMod val="95000"/>
+                      </a:schemeClr>
+                    </a:solidFill>
+                  </a:tcPr>
+                </a:tc>
+                <a:tc>
+                  <a:txBody>
+                    <a:bodyPr/>
+                    <a:lstStyle/>
+                    <a:p>
+                      <a:pPr marL="0" marR="0" lvl="0" indent="0" algn="just" defTabSz="755934" rtl="0" eaLnBrk="1" fontAlgn="base" latinLnBrk="0" hangingPunct="1">
+                        <a:lnSpc>
+                          <a:spcPct val="88000"/>
+                        </a:lnSpc>
+                        <a:spcBef>
+                          <a:spcPts val="0"/>
+                        </a:spcBef>
+                        <a:spcAft>
+                          <a:spcPct val="0"/>
+                        </a:spcAft>
+                        <a:buClrTx/>
+                        <a:buSzTx/>
+                        <a:buFontTx/>
+                        <a:buNone/>
+                        <a:tabLst/>
+                        <a:defRPr/>
+                      </a:pPr>
+                      <a:endParaRPr lang="fr-FR" sz="700" b="0" i="0" kern="1200" dirty="0">
+                        <a:solidFill>
+                          <a:schemeClr val="tx1"/>
+                        </a:solidFill>
+                        <a:latin typeface="+mn-lt"/>
+                        <a:ea typeface="+mn-ea"/>
+                        <a:cs typeface="+mn-cs"/>
+                      </a:endParaRPr>
+                    </a:p>
+                  </a:txBody>
+                  <a:tcPr marT="46800" marB="46800" anchor="ctr" horzOverflow="overflow">
+                    <a:lnL w="12700" cap="flat" cmpd="sng" algn="ctr">
+                      <a:solidFill>
+                        <a:schemeClr val="bg1"/>
+                      </a:solidFill>
+                      <a:prstDash val="solid"/>
+                      <a:round/>
+                      <a:headEnd type="none" w="med" len="med"/>
+                      <a:tailEnd type="none" w="med" len="med"/>
+                    </a:lnL>
+                    <a:lnR w="6350" cap="flat" cmpd="sng" algn="ctr">
+                      <a:solidFill>
+                        <a:schemeClr val="bg1">
+                          <a:lumMod val="65000"/>
+                        </a:schemeClr>
+                      </a:solidFill>
+                      <a:prstDash val="solid"/>
+                      <a:round/>
+                      <a:headEnd type="none" w="med" len="med"/>
+                      <a:tailEnd type="none" w="med" len="med"/>
+                    </a:lnR>
+                    <a:lnT w="6350" cap="flat" cmpd="sng" algn="ctr">
+                      <a:solidFill>
+                        <a:schemeClr val="bg1">
+                          <a:lumMod val="65000"/>
+                        </a:schemeClr>
+                      </a:solidFill>
+                      <a:prstDash val="solid"/>
+                      <a:round/>
+                      <a:headEnd type="none" w="med" len="med"/>
+                      <a:tailEnd type="none" w="med" len="med"/>
+                    </a:lnT>
+                    <a:lnB w="6350" cap="flat" cmpd="sng" algn="ctr">
+                      <a:solidFill>
+                        <a:schemeClr val="bg1">
+                          <a:lumMod val="65000"/>
+                        </a:schemeClr>
+                      </a:solidFill>
+                      <a:prstDash val="solid"/>
+                      <a:round/>
+                      <a:headEnd type="none" w="med" len="med"/>
+                      <a:tailEnd type="none" w="med" len="med"/>
+                    </a:lnB>
+                    <a:lnTlToBr w="12700" cmpd="sng">
+                      <a:noFill/>
+                      <a:prstDash val="solid"/>
+                    </a:lnTlToBr>
+                    <a:lnBlToTr w="12700" cmpd="sng">
+                      <a:noFill/>
+                      <a:prstDash val="solid"/>
+                    </a:lnBlToTr>
+                    <a:noFill/>
+                  </a:tcPr>
+                </a:tc>
+                <a:extLst>
+                  <a:ext uri="{0D108BD9-81ED-4DB2-BD59-A6C34878D82A}">
+                    <a16:rowId xmlns:a16="http://schemas.microsoft.com/office/drawing/2014/main" val="1756391511"/>
+                  </a:ext>
+                </a:extLst>
+              </a:tr>
+              <a:tr h="185365">
+                <a:tc>
+                  <a:txBody>
+                    <a:bodyPr/>
+                    <a:lstStyle/>
+                    <a:p>
+                      <a:pPr marL="0" marR="0" lvl="0" indent="0" algn="l" defTabSz="1042988" rtl="0" eaLnBrk="0" fontAlgn="base" latinLnBrk="0" hangingPunct="0">
+                        <a:lnSpc>
+                          <a:spcPct val="88000"/>
+                        </a:lnSpc>
+                        <a:spcBef>
+                          <a:spcPts val="0"/>
+                        </a:spcBef>
+                        <a:spcAft>
+                          <a:spcPct val="0"/>
+                        </a:spcAft>
+                        <a:buClrTx/>
+                        <a:buSzTx/>
+                        <a:buFontTx/>
+                        <a:buNone/>
+                        <a:tabLst/>
+                        <a:defRPr/>
+                      </a:pPr>
+                      <a:r>
+                        <a:rPr lang="fr-FR" sz="700" b="1" kern="1200" dirty="0">
+                          <a:solidFill>
+                            <a:srgbClr val="B9A049"/>
+                          </a:solidFill>
+                          <a:latin typeface="+mn-lt"/>
+                          <a:ea typeface="+mn-ea"/>
+                          <a:cs typeface="+mn-cs"/>
+                        </a:rPr>
+                        <a:t>Barrière de perte en capital</a:t>
+                      </a:r>
+                    </a:p>
+                  </a:txBody>
+                  <a:tcPr marT="46800" marB="46800" anchor="ctr" horzOverflow="overflow">
+                    <a:lnL w="12700" cap="flat" cmpd="sng" algn="ctr">
+                      <a:solidFill>
+                        <a:schemeClr val="bg1">
+                          <a:lumMod val="85000"/>
+                        </a:schemeClr>
+                      </a:solidFill>
+                      <a:prstDash val="solid"/>
+                      <a:round/>
+                      <a:headEnd type="none" w="med" len="med"/>
+                      <a:tailEnd type="none" w="med" len="med"/>
+                    </a:lnL>
+                    <a:lnR w="12700" cap="flat" cmpd="sng" algn="ctr">
+                      <a:solidFill>
+                        <a:schemeClr val="bg1"/>
+                      </a:solidFill>
+                      <a:prstDash val="solid"/>
+                      <a:round/>
+                      <a:headEnd type="none" w="med" len="med"/>
+                      <a:tailEnd type="none" w="med" len="med"/>
+                    </a:lnR>
+                    <a:lnT w="12700" cap="flat" cmpd="sng" algn="ctr">
+                      <a:solidFill>
+                        <a:schemeClr val="bg1"/>
+                      </a:solidFill>
+                      <a:prstDash val="solid"/>
+                      <a:round/>
+                      <a:headEnd type="none" w="med" len="med"/>
+                      <a:tailEnd type="none" w="med" len="med"/>
+                    </a:lnT>
+                    <a:lnB w="12700" cap="flat" cmpd="sng" algn="ctr">
+                      <a:solidFill>
+                        <a:schemeClr val="bg1"/>
+                      </a:solidFill>
+                      <a:prstDash val="solid"/>
+                      <a:round/>
+                      <a:headEnd type="none" w="med" len="med"/>
+                      <a:tailEnd type="none" w="med" len="med"/>
+                    </a:lnB>
+                    <a:lnTlToBr w="12700" cmpd="sng">
+                      <a:noFill/>
+                      <a:prstDash val="solid"/>
+                    </a:lnTlToBr>
+                    <a:lnBlToTr w="12700" cmpd="sng">
+                      <a:noFill/>
+                      <a:prstDash val="solid"/>
+                    </a:lnBlToTr>
+                    <a:solidFill>
+                      <a:schemeClr val="bg1">
+                        <a:lumMod val="95000"/>
+                      </a:schemeClr>
+                    </a:solidFill>
+                  </a:tcPr>
+                </a:tc>
+                <a:tc>
+                  <a:txBody>
+                    <a:bodyPr/>
+                    <a:lstStyle/>
+                    <a:p>
+                      <a:pPr marL="0" marR="0" lvl="0" indent="0" algn="just" defTabSz="755934" rtl="0" eaLnBrk="1" fontAlgn="base" latinLnBrk="0" hangingPunct="1">
+                        <a:lnSpc>
+                          <a:spcPct val="88000"/>
+                        </a:lnSpc>
+                        <a:spcBef>
+                          <a:spcPts val="0"/>
+                        </a:spcBef>
+                        <a:spcAft>
+                          <a:spcPct val="0"/>
+                        </a:spcAft>
+                        <a:buClrTx/>
+                        <a:buSzTx/>
+                        <a:buFontTx/>
+                        <a:buNone/>
+                        <a:tabLst/>
+                        <a:defRPr/>
+                      </a:pPr>
+                      <a:r>
+                        <a:rPr lang="fr-FR" sz="700" b="0" i="0" kern="1200" dirty="0">
+                          <a:solidFill>
+                            <a:schemeClr val="tx1"/>
+                          </a:solidFill>
+                          <a:latin typeface="+mn-lt"/>
+                          <a:ea typeface="+mn-ea"/>
+                          <a:cs typeface="+mn-cs"/>
+                        </a:rPr>
+                        <a:t>&lt;PDI&gt; du &lt;NDR&gt; &lt;SJR7&gt;</a:t>
+                      </a:r>
+                    </a:p>
+                  </a:txBody>
+                  <a:tcPr marT="46800" marB="46800" anchor="ctr" horzOverflow="overflow">
+                    <a:lnL w="12700" cap="flat" cmpd="sng" algn="ctr">
+                      <a:solidFill>
+                        <a:schemeClr val="bg1"/>
+                      </a:solidFill>
+                      <a:prstDash val="solid"/>
+                      <a:round/>
+                      <a:headEnd type="none" w="med" len="med"/>
+                      <a:tailEnd type="none" w="med" len="med"/>
+                    </a:lnL>
+                    <a:lnR w="6350" cap="flat" cmpd="sng" algn="ctr">
+                      <a:solidFill>
+                        <a:schemeClr val="bg1">
+                          <a:lumMod val="65000"/>
+                        </a:schemeClr>
+                      </a:solidFill>
+                      <a:prstDash val="solid"/>
+                      <a:round/>
+                      <a:headEnd type="none" w="med" len="med"/>
+                      <a:tailEnd type="none" w="med" len="med"/>
+                    </a:lnR>
+                    <a:lnT w="6350" cap="flat" cmpd="sng" algn="ctr">
+                      <a:solidFill>
+                        <a:schemeClr val="bg1">
+                          <a:lumMod val="65000"/>
+                        </a:schemeClr>
+                      </a:solidFill>
+                      <a:prstDash val="solid"/>
+                      <a:round/>
+                      <a:headEnd type="none" w="med" len="med"/>
+                      <a:tailEnd type="none" w="med" len="med"/>
+                    </a:lnT>
+                    <a:lnB w="6350" cap="flat" cmpd="sng" algn="ctr">
+                      <a:solidFill>
+                        <a:schemeClr val="bg1">
+                          <a:lumMod val="65000"/>
+                        </a:schemeClr>
+                      </a:solidFill>
+                      <a:prstDash val="solid"/>
+                      <a:round/>
+                      <a:headEnd type="none" w="med" len="med"/>
+                      <a:tailEnd type="none" w="med" len="med"/>
+                    </a:lnB>
+                    <a:lnTlToBr w="12700" cmpd="sng">
+                      <a:noFill/>
+                      <a:prstDash val="solid"/>
+                    </a:lnTlToBr>
+                    <a:lnBlToTr w="12700" cmpd="sng">
+                      <a:noFill/>
+                      <a:prstDash val="solid"/>
+                    </a:lnBlToTr>
+                    <a:noFill/>
+                  </a:tcPr>
+                </a:tc>
+                <a:extLst>
+                  <a:ext uri="{0D108BD9-81ED-4DB2-BD59-A6C34878D82A}">
+                    <a16:rowId xmlns:a16="http://schemas.microsoft.com/office/drawing/2014/main" val="1921864351"/>
+                  </a:ext>
+                </a:extLst>
+              </a:tr>
+              <a:tr h="198049">
+                <a:tc>
+                  <a:txBody>
+                    <a:bodyPr/>
+                    <a:lstStyle/>
+                    <a:p>
+                      <a:pPr marL="0" marR="0" lvl="0" indent="0" algn="l" defTabSz="755934" rtl="0" eaLnBrk="1" fontAlgn="auto" latinLnBrk="0" hangingPunct="1">
+                        <a:lnSpc>
+                          <a:spcPct val="90000"/>
+                        </a:lnSpc>
+                        <a:spcBef>
+                          <a:spcPts val="0"/>
+                        </a:spcBef>
+                        <a:spcAft>
+                          <a:spcPts val="0"/>
+                        </a:spcAft>
+                        <a:buClrTx/>
+                        <a:buSzTx/>
+                        <a:buFontTx/>
+                        <a:buNone/>
+                        <a:tabLst/>
+                        <a:defRPr/>
+                      </a:pPr>
+                      <a:r>
+                        <a:rPr lang="fr-FR" sz="700" b="1" kern="1200">
+                          <a:solidFill>
+                            <a:srgbClr val="B9A049"/>
+                          </a:solidFill>
+                          <a:latin typeface="+mn-lt"/>
+                          <a:ea typeface="+mn-ea"/>
+                          <a:cs typeface="+mn-cs"/>
+                        </a:rPr>
+                        <a:t>Commission de souscription/rachat</a:t>
+                      </a:r>
+                    </a:p>
+                  </a:txBody>
+                  <a:tcPr marT="46800" marB="46800" anchor="ctr" horzOverflow="overflow">
+                    <a:lnL w="12700" cap="flat" cmpd="sng" algn="ctr">
+                      <a:solidFill>
+                        <a:schemeClr val="bg1">
+                          <a:lumMod val="85000"/>
+                        </a:schemeClr>
+                      </a:solidFill>
+                      <a:prstDash val="solid"/>
+                      <a:round/>
+                      <a:headEnd type="none" w="med" len="med"/>
+                      <a:tailEnd type="none" w="med" len="med"/>
+                    </a:lnL>
+                    <a:lnR w="12700" cap="flat" cmpd="sng" algn="ctr">
+                      <a:solidFill>
+                        <a:schemeClr val="bg1"/>
+                      </a:solidFill>
+                      <a:prstDash val="solid"/>
+                      <a:round/>
+                      <a:headEnd type="none" w="med" len="med"/>
+                      <a:tailEnd type="none" w="med" len="med"/>
+                    </a:lnR>
+                    <a:lnT w="12700" cap="flat" cmpd="sng" algn="ctr">
+                      <a:solidFill>
+                        <a:schemeClr val="bg1"/>
+                      </a:solidFill>
+                      <a:prstDash val="solid"/>
+                      <a:round/>
+                      <a:headEnd type="none" w="med" len="med"/>
+                      <a:tailEnd type="none" w="med" len="med"/>
+                    </a:lnT>
+                    <a:lnB w="12700" cap="flat" cmpd="sng" algn="ctr">
+                      <a:solidFill>
+                        <a:schemeClr val="bg1"/>
+                      </a:solidFill>
+                      <a:prstDash val="solid"/>
+                      <a:round/>
+                      <a:headEnd type="none" w="med" len="med"/>
+                      <a:tailEnd type="none" w="med" len="med"/>
+                    </a:lnB>
+                    <a:lnTlToBr w="12700" cmpd="sng">
+                      <a:noFill/>
+                      <a:prstDash val="solid"/>
+                    </a:lnTlToBr>
+                    <a:lnBlToTr w="12700" cmpd="sng">
+                      <a:noFill/>
+                      <a:prstDash val="solid"/>
+                    </a:lnBlToTr>
+                    <a:solidFill>
+                      <a:schemeClr val="bg1">
+                        <a:lumMod val="95000"/>
+                      </a:schemeClr>
+                    </a:solidFill>
+                  </a:tcPr>
+                </a:tc>
+                <a:tc>
+                  <a:txBody>
+                    <a:bodyPr/>
+                    <a:lstStyle/>
+                    <a:p>
+                      <a:pPr marL="0" marR="0" lvl="0" indent="0" algn="just" defTabSz="755934" rtl="0" eaLnBrk="1" fontAlgn="base" latinLnBrk="0" hangingPunct="1">
+                        <a:lnSpc>
+                          <a:spcPct val="100000"/>
+                        </a:lnSpc>
+                        <a:spcBef>
+                          <a:spcPts val="0"/>
+                        </a:spcBef>
+                        <a:spcAft>
+                          <a:spcPct val="0"/>
+                        </a:spcAft>
+                        <a:buClrTx/>
+                        <a:buSzTx/>
+                        <a:buFontTx/>
+                        <a:buNone/>
+                        <a:tabLst/>
+                        <a:defRPr/>
+                      </a:pPr>
+                      <a:r>
+                        <a:rPr lang="fr-FR" sz="700" b="0" i="0" kern="1200" dirty="0">
+                          <a:solidFill>
+                            <a:schemeClr val="tx1"/>
+                          </a:solidFill>
+                          <a:latin typeface="+mn-lt"/>
+                          <a:ea typeface="+mn-ea"/>
+                          <a:cs typeface="+mn-cs"/>
+                        </a:rPr>
+                        <a:t>Néant</a:t>
+                      </a:r>
+                    </a:p>
+                  </a:txBody>
+                  <a:tcPr marT="46800" marB="46800" anchor="ctr" horzOverflow="overflow">
+                    <a:lnL w="12700" cap="flat" cmpd="sng" algn="ctr">
+                      <a:solidFill>
+                        <a:schemeClr val="bg1"/>
+                      </a:solidFill>
+                      <a:prstDash val="solid"/>
+                      <a:round/>
+                      <a:headEnd type="none" w="med" len="med"/>
+                      <a:tailEnd type="none" w="med" len="med"/>
+                    </a:lnL>
+                    <a:lnR w="6350" cap="flat" cmpd="sng" algn="ctr">
+                      <a:solidFill>
+                        <a:schemeClr val="bg1">
+                          <a:lumMod val="65000"/>
+                        </a:schemeClr>
+                      </a:solidFill>
+                      <a:prstDash val="solid"/>
+                      <a:round/>
+                      <a:headEnd type="none" w="med" len="med"/>
+                      <a:tailEnd type="none" w="med" len="med"/>
+                    </a:lnR>
+                    <a:lnT w="6350" cap="flat" cmpd="sng" algn="ctr">
+                      <a:solidFill>
+                        <a:schemeClr val="bg1">
+                          <a:lumMod val="65000"/>
+                        </a:schemeClr>
+                      </a:solidFill>
+                      <a:prstDash val="solid"/>
+                      <a:round/>
+                      <a:headEnd type="none" w="med" len="med"/>
+                      <a:tailEnd type="none" w="med" len="med"/>
+                    </a:lnT>
+                    <a:lnB w="6350" cap="flat" cmpd="sng" algn="ctr">
+                      <a:solidFill>
+                        <a:schemeClr val="bg1">
+                          <a:lumMod val="65000"/>
+                        </a:schemeClr>
+                      </a:solidFill>
+                      <a:prstDash val="solid"/>
+                      <a:round/>
+                      <a:headEnd type="none" w="med" len="med"/>
+                      <a:tailEnd type="none" w="med" len="med"/>
+                    </a:lnB>
+                    <a:lnTlToBr w="12700" cmpd="sng">
+                      <a:noFill/>
+                      <a:prstDash val="solid"/>
+                    </a:lnTlToBr>
+                    <a:lnBlToTr w="12700" cmpd="sng">
+                      <a:noFill/>
+                      <a:prstDash val="solid"/>
+                    </a:lnBlToTr>
+                    <a:noFill/>
+                  </a:tcPr>
+                </a:tc>
+                <a:extLst>
+                  <a:ext uri="{0D108BD9-81ED-4DB2-BD59-A6C34878D82A}">
+                    <a16:rowId xmlns:a16="http://schemas.microsoft.com/office/drawing/2014/main" val="1576259715"/>
+                  </a:ext>
+                </a:extLst>
+              </a:tr>
+              <a:tr h="198049">
+                <a:tc>
+                  <a:txBody>
+                    <a:bodyPr/>
+                    <a:lstStyle/>
+                    <a:p>
+                      <a:pPr marL="0" marR="0" lvl="0" indent="0" algn="l" defTabSz="755934" rtl="0" eaLnBrk="1" fontAlgn="auto" latinLnBrk="0" hangingPunct="1">
+                        <a:lnSpc>
+                          <a:spcPct val="90000"/>
+                        </a:lnSpc>
+                        <a:spcBef>
+                          <a:spcPts val="0"/>
+                        </a:spcBef>
+                        <a:spcAft>
+                          <a:spcPts val="0"/>
+                        </a:spcAft>
+                        <a:buClrTx/>
+                        <a:buSzTx/>
+                        <a:buFontTx/>
+                        <a:buNone/>
+                        <a:tabLst/>
+                        <a:defRPr/>
+                      </a:pPr>
+                      <a:r>
+                        <a:rPr lang="fr-FR" sz="700" b="1" kern="1200">
+                          <a:solidFill>
+                            <a:srgbClr val="B9A049"/>
+                          </a:solidFill>
+                          <a:latin typeface="+mn-lt"/>
+                          <a:ea typeface="+mn-ea"/>
+                          <a:cs typeface="+mn-cs"/>
+                        </a:rPr>
+                        <a:t>Éligibilité</a:t>
+                      </a:r>
+                    </a:p>
+                  </a:txBody>
+                  <a:tcPr marT="46800" marB="46800" anchor="ctr" horzOverflow="overflow">
+                    <a:lnL w="12700" cap="flat" cmpd="sng" algn="ctr">
+                      <a:solidFill>
+                        <a:schemeClr val="bg1">
+                          <a:lumMod val="85000"/>
+                        </a:schemeClr>
+                      </a:solidFill>
+                      <a:prstDash val="solid"/>
+                      <a:round/>
+                      <a:headEnd type="none" w="med" len="med"/>
+                      <a:tailEnd type="none" w="med" len="med"/>
+                    </a:lnL>
+                    <a:lnR w="12700" cap="flat" cmpd="sng" algn="ctr">
+                      <a:solidFill>
+                        <a:schemeClr val="bg1"/>
+                      </a:solidFill>
+                      <a:prstDash val="solid"/>
+                      <a:round/>
+                      <a:headEnd type="none" w="med" len="med"/>
+                      <a:tailEnd type="none" w="med" len="med"/>
+                    </a:lnR>
+                    <a:lnT w="12700" cap="flat" cmpd="sng" algn="ctr">
+                      <a:solidFill>
+                        <a:schemeClr val="bg1"/>
+                      </a:solidFill>
+                      <a:prstDash val="solid"/>
+                      <a:round/>
+                      <a:headEnd type="none" w="med" len="med"/>
+                      <a:tailEnd type="none" w="med" len="med"/>
+                    </a:lnT>
+                    <a:lnB w="12700" cap="flat" cmpd="sng" algn="ctr">
+                      <a:solidFill>
+                        <a:schemeClr val="bg1"/>
+                      </a:solidFill>
+                      <a:prstDash val="solid"/>
+                      <a:round/>
+                      <a:headEnd type="none" w="med" len="med"/>
+                      <a:tailEnd type="none" w="med" len="med"/>
+                    </a:lnB>
+                    <a:lnTlToBr w="12700" cmpd="sng">
+                      <a:noFill/>
+                      <a:prstDash val="solid"/>
+                    </a:lnTlToBr>
+                    <a:lnBlToTr w="12700" cmpd="sng">
+                      <a:noFill/>
+                      <a:prstDash val="solid"/>
+                    </a:lnBlToTr>
+                    <a:solidFill>
+                      <a:schemeClr val="bg1">
+                        <a:lumMod val="95000"/>
+                      </a:schemeClr>
+                    </a:solidFill>
+                  </a:tcPr>
+                </a:tc>
+                <a:tc>
+                  <a:txBody>
+                    <a:bodyPr/>
+                    <a:lstStyle/>
+                    <a:p>
+                      <a:pPr marL="0" marR="0" lvl="0" indent="0" algn="just" defTabSz="755934" rtl="0" eaLnBrk="1" fontAlgn="base" latinLnBrk="0" hangingPunct="1">
+                        <a:lnSpc>
+                          <a:spcPct val="100000"/>
+                        </a:lnSpc>
+                        <a:spcBef>
+                          <a:spcPct val="0"/>
+                        </a:spcBef>
+                        <a:spcAft>
+                          <a:spcPct val="0"/>
+                        </a:spcAft>
+                        <a:buClrTx/>
+                        <a:buSzTx/>
+                        <a:buFontTx/>
+                        <a:buNone/>
+                        <a:tabLst/>
+                      </a:pPr>
+                      <a:r>
+                        <a:rPr lang="fr-FR" sz="700" b="0" i="0" kern="1200" dirty="0">
+                          <a:solidFill>
+                            <a:schemeClr val="tx1"/>
+                          </a:solidFill>
+                          <a:latin typeface="+mn-lt"/>
+                          <a:ea typeface="+mn-ea"/>
+                          <a:cs typeface="+mn-cs"/>
+                        </a:rPr>
+                        <a:t>Contrat d’assurance vie ou de capitalisation</a:t>
+                      </a:r>
+                    </a:p>
+                  </a:txBody>
+                  <a:tcPr marT="46800" marB="46800" anchor="ctr" horzOverflow="overflow">
+                    <a:lnL w="12700" cap="flat" cmpd="sng" algn="ctr">
+                      <a:solidFill>
+                        <a:schemeClr val="bg1"/>
+                      </a:solidFill>
+                      <a:prstDash val="solid"/>
+                      <a:round/>
+                      <a:headEnd type="none" w="med" len="med"/>
+                      <a:tailEnd type="none" w="med" len="med"/>
+                    </a:lnL>
+                    <a:lnR w="6350" cap="flat" cmpd="sng" algn="ctr">
+                      <a:solidFill>
+                        <a:schemeClr val="bg1">
+                          <a:lumMod val="65000"/>
+                        </a:schemeClr>
+                      </a:solidFill>
+                      <a:prstDash val="solid"/>
+                      <a:round/>
+                      <a:headEnd type="none" w="med" len="med"/>
+                      <a:tailEnd type="none" w="med" len="med"/>
+                    </a:lnR>
+                    <a:lnT w="6350" cap="flat" cmpd="sng" algn="ctr">
+                      <a:solidFill>
+                        <a:schemeClr val="bg1">
+                          <a:lumMod val="65000"/>
+                        </a:schemeClr>
+                      </a:solidFill>
+                      <a:prstDash val="solid"/>
+                      <a:round/>
+                      <a:headEnd type="none" w="med" len="med"/>
+                      <a:tailEnd type="none" w="med" len="med"/>
+                    </a:lnT>
+                    <a:lnB w="6350" cap="flat" cmpd="sng" algn="ctr">
+                      <a:solidFill>
+                        <a:schemeClr val="bg1">
+                          <a:lumMod val="65000"/>
+                        </a:schemeClr>
+                      </a:solidFill>
+                      <a:prstDash val="solid"/>
+                      <a:round/>
+                      <a:headEnd type="none" w="med" len="med"/>
+                      <a:tailEnd type="none" w="med" len="med"/>
+                    </a:lnB>
+                    <a:lnTlToBr w="12700" cmpd="sng">
+                      <a:noFill/>
+                      <a:prstDash val="solid"/>
+                    </a:lnTlToBr>
+                    <a:lnBlToTr w="12700" cmpd="sng">
+                      <a:noFill/>
+                      <a:prstDash val="solid"/>
+                    </a:lnBlToTr>
+                    <a:noFill/>
+                  </a:tcPr>
+                </a:tc>
+                <a:extLst>
+                  <a:ext uri="{0D108BD9-81ED-4DB2-BD59-A6C34878D82A}">
+                    <a16:rowId xmlns:a16="http://schemas.microsoft.com/office/drawing/2014/main" val="1706872890"/>
+                  </a:ext>
+                </a:extLst>
+              </a:tr>
+              <a:tr h="198049">
+                <a:tc>
+                  <a:txBody>
+                    <a:bodyPr/>
+                    <a:lstStyle/>
+                    <a:p>
+                      <a:pPr marL="0" marR="0" lvl="0" indent="0" algn="l" defTabSz="755934" rtl="0" eaLnBrk="1" fontAlgn="auto" latinLnBrk="0" hangingPunct="1">
+                        <a:lnSpc>
+                          <a:spcPct val="90000"/>
+                        </a:lnSpc>
+                        <a:spcBef>
+                          <a:spcPts val="0"/>
+                        </a:spcBef>
+                        <a:spcAft>
+                          <a:spcPts val="0"/>
+                        </a:spcAft>
+                        <a:buClrTx/>
+                        <a:buSzTx/>
+                        <a:buFontTx/>
+                        <a:buNone/>
+                        <a:tabLst/>
+                        <a:defRPr/>
+                      </a:pPr>
+                      <a:r>
+                        <a:rPr lang="fr-FR" sz="700" b="1" kern="1200">
+                          <a:solidFill>
+                            <a:srgbClr val="B9A049"/>
+                          </a:solidFill>
+                          <a:latin typeface="+mn-lt"/>
+                          <a:ea typeface="+mn-ea"/>
+                          <a:cs typeface="+mn-cs"/>
+                        </a:rPr>
+                        <a:t>Frais d’investissement</a:t>
+                      </a:r>
+                    </a:p>
+                  </a:txBody>
+                  <a:tcPr marT="46800" marB="46800" anchor="ctr" horzOverflow="overflow">
+                    <a:lnL w="12700" cap="flat" cmpd="sng" algn="ctr">
+                      <a:solidFill>
+                        <a:schemeClr val="bg1">
+                          <a:lumMod val="85000"/>
+                        </a:schemeClr>
+                      </a:solidFill>
+                      <a:prstDash val="solid"/>
+                      <a:round/>
+                      <a:headEnd type="none" w="med" len="med"/>
+                      <a:tailEnd type="none" w="med" len="med"/>
+                    </a:lnL>
+                    <a:lnR w="12700" cap="flat" cmpd="sng" algn="ctr">
+                      <a:solidFill>
+                        <a:schemeClr val="bg1"/>
+                      </a:solidFill>
+                      <a:prstDash val="solid"/>
+                      <a:round/>
+                      <a:headEnd type="none" w="med" len="med"/>
+                      <a:tailEnd type="none" w="med" len="med"/>
+                    </a:lnR>
+                    <a:lnT w="12700" cap="flat" cmpd="sng" algn="ctr">
+                      <a:solidFill>
+                        <a:schemeClr val="bg1"/>
+                      </a:solidFill>
+                      <a:prstDash val="solid"/>
+                      <a:round/>
+                      <a:headEnd type="none" w="med" len="med"/>
+                      <a:tailEnd type="none" w="med" len="med"/>
+                    </a:lnT>
+                    <a:lnB w="12700" cap="flat" cmpd="sng" algn="ctr">
+                      <a:solidFill>
+                        <a:schemeClr val="bg1"/>
+                      </a:solidFill>
+                      <a:prstDash val="solid"/>
+                      <a:round/>
+                      <a:headEnd type="none" w="med" len="med"/>
+                      <a:tailEnd type="none" w="med" len="med"/>
+                    </a:lnB>
+                    <a:lnTlToBr w="12700" cmpd="sng">
+                      <a:noFill/>
+                      <a:prstDash val="solid"/>
+                    </a:lnTlToBr>
+                    <a:lnBlToTr w="12700" cmpd="sng">
+                      <a:noFill/>
+                      <a:prstDash val="solid"/>
+                    </a:lnBlToTr>
+                    <a:solidFill>
+                      <a:schemeClr val="bg1">
+                        <a:lumMod val="95000"/>
+                      </a:schemeClr>
+                    </a:solidFill>
+                  </a:tcPr>
+                </a:tc>
+                <a:tc>
+                  <a:txBody>
+                    <a:bodyPr/>
+                    <a:lstStyle/>
+                    <a:p>
+                      <a:pPr marL="0" marR="0" lvl="0" indent="0" algn="just" defTabSz="755934" rtl="0" eaLnBrk="1" fontAlgn="base" latinLnBrk="0" hangingPunct="1">
+                        <a:lnSpc>
+                          <a:spcPct val="100000"/>
+                        </a:lnSpc>
+                        <a:spcBef>
+                          <a:spcPct val="0"/>
+                        </a:spcBef>
+                        <a:spcAft>
+                          <a:spcPct val="0"/>
+                        </a:spcAft>
+                        <a:buClrTx/>
+                        <a:buSzTx/>
+                        <a:buFontTx/>
+                        <a:buNone/>
+                        <a:tabLst/>
+                      </a:pPr>
+                      <a:r>
+                        <a:rPr lang="fr-FR" sz="700" b="0" i="0" kern="1200">
+                          <a:solidFill>
+                            <a:schemeClr val="tx1"/>
+                          </a:solidFill>
+                          <a:latin typeface="+mn-lt"/>
+                          <a:ea typeface="+mn-ea"/>
+                          <a:cs typeface="+mn-cs"/>
+                        </a:rPr>
+                        <a:t>Selon les supports et les contrats. Veuillez contacter le distributeur pour plus de précisions.</a:t>
+                      </a:r>
+                    </a:p>
+                  </a:txBody>
+                  <a:tcPr marT="46800" marB="46800" anchor="ctr" horzOverflow="overflow">
+                    <a:lnL w="12700" cap="flat" cmpd="sng" algn="ctr">
+                      <a:solidFill>
+                        <a:schemeClr val="bg1"/>
+                      </a:solidFill>
+                      <a:prstDash val="solid"/>
+                      <a:round/>
+                      <a:headEnd type="none" w="med" len="med"/>
+                      <a:tailEnd type="none" w="med" len="med"/>
+                    </a:lnL>
+                    <a:lnR w="6350" cap="flat" cmpd="sng" algn="ctr">
+                      <a:solidFill>
+                        <a:schemeClr val="bg1">
+                          <a:lumMod val="65000"/>
+                        </a:schemeClr>
+                      </a:solidFill>
+                      <a:prstDash val="solid"/>
+                      <a:round/>
+                      <a:headEnd type="none" w="med" len="med"/>
+                      <a:tailEnd type="none" w="med" len="med"/>
+                    </a:lnR>
+                    <a:lnT w="6350" cap="flat" cmpd="sng" algn="ctr">
+                      <a:solidFill>
+                        <a:schemeClr val="bg1">
+                          <a:lumMod val="65000"/>
+                        </a:schemeClr>
+                      </a:solidFill>
+                      <a:prstDash val="solid"/>
+                      <a:round/>
+                      <a:headEnd type="none" w="med" len="med"/>
+                      <a:tailEnd type="none" w="med" len="med"/>
+                    </a:lnT>
+                    <a:lnB w="6350" cap="flat" cmpd="sng" algn="ctr">
+                      <a:solidFill>
+                        <a:schemeClr val="bg1">
+                          <a:lumMod val="65000"/>
+                        </a:schemeClr>
+                      </a:solidFill>
+                      <a:prstDash val="solid"/>
+                      <a:round/>
+                      <a:headEnd type="none" w="med" len="med"/>
+                      <a:tailEnd type="none" w="med" len="med"/>
+                    </a:lnB>
+                    <a:lnTlToBr w="12700" cmpd="sng">
+                      <a:noFill/>
+                      <a:prstDash val="solid"/>
+                    </a:lnTlToBr>
+                    <a:lnBlToTr w="12700" cmpd="sng">
+                      <a:noFill/>
+                      <a:prstDash val="solid"/>
+                    </a:lnBlToTr>
+                    <a:noFill/>
+                  </a:tcPr>
+                </a:tc>
+                <a:extLst>
+                  <a:ext uri="{0D108BD9-81ED-4DB2-BD59-A6C34878D82A}">
+                    <a16:rowId xmlns:a16="http://schemas.microsoft.com/office/drawing/2014/main" val="1049849711"/>
+                  </a:ext>
+                </a:extLst>
+              </a:tr>
+              <a:tr h="198049">
+                <a:tc>
+                  <a:txBody>
+                    <a:bodyPr/>
+                    <a:lstStyle/>
+                    <a:p>
+                      <a:pPr marL="0" marR="0" lvl="0" indent="0" algn="l" defTabSz="755934" rtl="0" eaLnBrk="1" fontAlgn="auto" latinLnBrk="0" hangingPunct="1">
+                        <a:lnSpc>
+                          <a:spcPct val="90000"/>
+                        </a:lnSpc>
+                        <a:spcBef>
+                          <a:spcPts val="0"/>
+                        </a:spcBef>
+                        <a:spcAft>
+                          <a:spcPts val="0"/>
+                        </a:spcAft>
+                        <a:buClrTx/>
+                        <a:buSzTx/>
+                        <a:buFontTx/>
+                        <a:buNone/>
+                        <a:tabLst/>
+                        <a:defRPr/>
+                      </a:pPr>
+                      <a:r>
+                        <a:rPr lang="fr-FR" sz="700" b="1" kern="1200">
+                          <a:solidFill>
+                            <a:srgbClr val="B9A049"/>
+                          </a:solidFill>
+                          <a:latin typeface="+mn-lt"/>
+                          <a:ea typeface="+mn-ea"/>
+                          <a:cs typeface="+mn-cs"/>
+                        </a:rPr>
+                        <a:t>Cotation</a:t>
+                      </a:r>
+                    </a:p>
+                  </a:txBody>
+                  <a:tcPr marT="46800" marB="46800" anchor="ctr" horzOverflow="overflow">
+                    <a:lnL w="12700" cap="flat" cmpd="sng" algn="ctr">
+                      <a:solidFill>
+                        <a:schemeClr val="bg1">
+                          <a:lumMod val="85000"/>
+                        </a:schemeClr>
+                      </a:solidFill>
+                      <a:prstDash val="solid"/>
+                      <a:round/>
+                      <a:headEnd type="none" w="med" len="med"/>
+                      <a:tailEnd type="none" w="med" len="med"/>
+                    </a:lnL>
+                    <a:lnR w="12700" cap="flat" cmpd="sng" algn="ctr">
+                      <a:solidFill>
+                        <a:schemeClr val="bg1"/>
+                      </a:solidFill>
+                      <a:prstDash val="solid"/>
+                      <a:round/>
+                      <a:headEnd type="none" w="med" len="med"/>
+                      <a:tailEnd type="none" w="med" len="med"/>
+                    </a:lnR>
+                    <a:lnT w="12700" cap="flat" cmpd="sng" algn="ctr">
+                      <a:solidFill>
+                        <a:schemeClr val="bg1"/>
+                      </a:solidFill>
+                      <a:prstDash val="solid"/>
+                      <a:round/>
+                      <a:headEnd type="none" w="med" len="med"/>
+                      <a:tailEnd type="none" w="med" len="med"/>
+                    </a:lnT>
+                    <a:lnB w="12700" cap="flat" cmpd="sng" algn="ctr">
+                      <a:solidFill>
+                        <a:schemeClr val="bg1"/>
+                      </a:solidFill>
+                      <a:prstDash val="solid"/>
+                      <a:round/>
+                      <a:headEnd type="none" w="med" len="med"/>
+                      <a:tailEnd type="none" w="med" len="med"/>
+                    </a:lnB>
+                    <a:lnTlToBr w="12700" cmpd="sng">
+                      <a:noFill/>
+                      <a:prstDash val="solid"/>
+                    </a:lnTlToBr>
+                    <a:lnBlToTr w="12700" cmpd="sng">
+                      <a:noFill/>
+                      <a:prstDash val="solid"/>
+                    </a:lnBlToTr>
+                    <a:solidFill>
+                      <a:schemeClr val="bg1">
+                        <a:lumMod val="95000"/>
+                      </a:schemeClr>
+                    </a:solidFill>
+                  </a:tcPr>
+                </a:tc>
+                <a:tc>
+                  <a:txBody>
+                    <a:bodyPr/>
+                    <a:lstStyle/>
+                    <a:p>
+                      <a:pPr marL="0" marR="0" lvl="0" indent="0" algn="just" defTabSz="755934" rtl="0" eaLnBrk="1" fontAlgn="base" latinLnBrk="0" hangingPunct="1">
+                        <a:lnSpc>
+                          <a:spcPct val="100000"/>
+                        </a:lnSpc>
+                        <a:spcBef>
+                          <a:spcPct val="0"/>
+                        </a:spcBef>
+                        <a:spcAft>
+                          <a:spcPct val="0"/>
+                        </a:spcAft>
+                        <a:buClrTx/>
+                        <a:buSzTx/>
+                        <a:buFontTx/>
+                        <a:buNone/>
+                        <a:tabLst/>
+                        <a:defRPr/>
+                      </a:pPr>
+                      <a:r>
+                        <a:rPr lang="fr-FR" sz="700" b="0" i="0" kern="1200" dirty="0">
+                          <a:solidFill>
+                            <a:schemeClr val="tx1"/>
+                          </a:solidFill>
+                          <a:latin typeface="+mn-lt"/>
+                          <a:ea typeface="+mn-ea"/>
+                          <a:cs typeface="+mn-cs"/>
+                        </a:rPr>
+                        <a:t>Marché officiel de la Bourse de Luxembourg (marché réglementé).</a:t>
+                      </a:r>
+                    </a:p>
+                  </a:txBody>
+                  <a:tcPr marT="46800" marB="46800" anchor="ctr" horzOverflow="overflow">
+                    <a:lnL w="12700" cap="flat" cmpd="sng" algn="ctr">
+                      <a:solidFill>
+                        <a:schemeClr val="bg1"/>
+                      </a:solidFill>
+                      <a:prstDash val="solid"/>
+                      <a:round/>
+                      <a:headEnd type="none" w="med" len="med"/>
+                      <a:tailEnd type="none" w="med" len="med"/>
+                    </a:lnL>
+                    <a:lnR w="6350" cap="flat" cmpd="sng" algn="ctr">
+                      <a:solidFill>
+                        <a:schemeClr val="bg1">
+                          <a:lumMod val="65000"/>
+                        </a:schemeClr>
+                      </a:solidFill>
+                      <a:prstDash val="solid"/>
+                      <a:round/>
+                      <a:headEnd type="none" w="med" len="med"/>
+                      <a:tailEnd type="none" w="med" len="med"/>
+                    </a:lnR>
+                    <a:lnT w="6350" cap="flat" cmpd="sng" algn="ctr">
+                      <a:solidFill>
+                        <a:schemeClr val="bg1">
+                          <a:lumMod val="65000"/>
+                        </a:schemeClr>
+                      </a:solidFill>
+                      <a:prstDash val="solid"/>
+                      <a:round/>
+                      <a:headEnd type="none" w="med" len="med"/>
+                      <a:tailEnd type="none" w="med" len="med"/>
+                    </a:lnT>
+                    <a:lnB w="6350" cap="flat" cmpd="sng" algn="ctr">
+                      <a:solidFill>
+                        <a:schemeClr val="bg1">
+                          <a:lumMod val="65000"/>
+                        </a:schemeClr>
+                      </a:solidFill>
+                      <a:prstDash val="solid"/>
+                      <a:round/>
+                      <a:headEnd type="none" w="med" len="med"/>
+                      <a:tailEnd type="none" w="med" len="med"/>
+                    </a:lnB>
+                    <a:lnTlToBr w="12700" cmpd="sng">
+                      <a:noFill/>
+                      <a:prstDash val="solid"/>
+                    </a:lnTlToBr>
+                    <a:lnBlToTr w="12700" cmpd="sng">
+                      <a:noFill/>
+                      <a:prstDash val="solid"/>
+                    </a:lnBlToTr>
+                    <a:noFill/>
+                  </a:tcPr>
+                </a:tc>
+                <a:extLst>
+                  <a:ext uri="{0D108BD9-81ED-4DB2-BD59-A6C34878D82A}">
+                    <a16:rowId xmlns:a16="http://schemas.microsoft.com/office/drawing/2014/main" val="1028494538"/>
+                  </a:ext>
+                </a:extLst>
+              </a:tr>
+              <a:tr h="282443">
+                <a:tc>
+                  <a:txBody>
+                    <a:bodyPr/>
+                    <a:lstStyle/>
+                    <a:p>
+                      <a:pPr marL="0" marR="0" lvl="0" indent="0" algn="l" defTabSz="755934" rtl="0" eaLnBrk="1" fontAlgn="auto" latinLnBrk="0" hangingPunct="1">
+                        <a:lnSpc>
+                          <a:spcPct val="90000"/>
+                        </a:lnSpc>
+                        <a:spcBef>
+                          <a:spcPts val="0"/>
+                        </a:spcBef>
+                        <a:spcAft>
+                          <a:spcPts val="0"/>
+                        </a:spcAft>
+                        <a:buClrTx/>
+                        <a:buSzTx/>
+                        <a:buFontTx/>
+                        <a:buNone/>
+                        <a:tabLst/>
+                        <a:defRPr/>
+                      </a:pPr>
+                      <a:r>
+                        <a:rPr lang="fr-FR" sz="700" b="1" kern="1200">
+                          <a:solidFill>
+                            <a:srgbClr val="B9A049"/>
+                          </a:solidFill>
+                          <a:latin typeface="+mn-lt"/>
+                          <a:ea typeface="+mn-ea"/>
+                          <a:cs typeface="+mn-cs"/>
+                        </a:rPr>
+                        <a:t>Offre au public</a:t>
+                      </a:r>
+                    </a:p>
+                  </a:txBody>
+                  <a:tcPr marT="46800" marB="46800" anchor="ctr" horzOverflow="overflow">
+                    <a:lnL w="12700" cap="flat" cmpd="sng" algn="ctr">
+                      <a:solidFill>
+                        <a:schemeClr val="bg1">
+                          <a:lumMod val="85000"/>
+                        </a:schemeClr>
+                      </a:solidFill>
+                      <a:prstDash val="solid"/>
+                      <a:round/>
+                      <a:headEnd type="none" w="med" len="med"/>
+                      <a:tailEnd type="none" w="med" len="med"/>
+                    </a:lnL>
+                    <a:lnR w="12700" cap="flat" cmpd="sng" algn="ctr">
+                      <a:solidFill>
+                        <a:schemeClr val="bg1"/>
+                      </a:solidFill>
+                      <a:prstDash val="solid"/>
+                      <a:round/>
+                      <a:headEnd type="none" w="med" len="med"/>
+                      <a:tailEnd type="none" w="med" len="med"/>
+                    </a:lnR>
+                    <a:lnT w="12700" cap="flat" cmpd="sng" algn="ctr">
+                      <a:solidFill>
+                        <a:schemeClr val="bg1"/>
+                      </a:solidFill>
+                      <a:prstDash val="solid"/>
+                      <a:round/>
+                      <a:headEnd type="none" w="med" len="med"/>
+                      <a:tailEnd type="none" w="med" len="med"/>
+                    </a:lnT>
+                    <a:lnB w="12700" cap="flat" cmpd="sng" algn="ctr">
+                      <a:solidFill>
+                        <a:schemeClr val="bg1"/>
+                      </a:solidFill>
+                      <a:prstDash val="solid"/>
+                      <a:round/>
+                      <a:headEnd type="none" w="med" len="med"/>
+                      <a:tailEnd type="none" w="med" len="med"/>
+                    </a:lnB>
+                    <a:lnTlToBr w="12700" cmpd="sng">
+                      <a:noFill/>
+                      <a:prstDash val="solid"/>
+                    </a:lnTlToBr>
+                    <a:lnBlToTr w="12700" cmpd="sng">
+                      <a:noFill/>
+                      <a:prstDash val="solid"/>
+                    </a:lnBlToTr>
+                    <a:solidFill>
+                      <a:schemeClr val="bg1">
+                        <a:lumMod val="95000"/>
+                      </a:schemeClr>
+                    </a:solidFill>
+                  </a:tcPr>
+                </a:tc>
+                <a:tc>
+                  <a:txBody>
+                    <a:bodyPr/>
+                    <a:lstStyle/>
+                    <a:p>
+                      <a:pPr marL="0" marR="0" lvl="0" indent="0" algn="just" defTabSz="755934" rtl="0" eaLnBrk="1" fontAlgn="auto" latinLnBrk="0" hangingPunct="1">
+                        <a:lnSpc>
+                          <a:spcPct val="90000"/>
+                        </a:lnSpc>
+                        <a:spcBef>
+                          <a:spcPts val="0"/>
+                        </a:spcBef>
+                        <a:spcAft>
+                          <a:spcPts val="0"/>
+                        </a:spcAft>
+                        <a:buClrTx/>
+                        <a:buSzTx/>
+                        <a:buFontTx/>
+                        <a:buNone/>
+                        <a:tabLst/>
+                        <a:defRPr/>
+                      </a:pPr>
+                      <a:r>
+                        <a:rPr lang="fr-FR" sz="700" b="0" i="0" kern="1200" noProof="0" dirty="0">
+                          <a:solidFill>
+                            <a:schemeClr val="tx1"/>
+                          </a:solidFill>
+                          <a:latin typeface="+mn-lt"/>
+                          <a:ea typeface="+mn-ea"/>
+                          <a:cs typeface="+mn-cs"/>
+                        </a:rPr>
+                        <a:t>Oui, exemption retenue : investisseur qualifié (assurance uniquement) ; offre au public exemptée de la publication d’un prospectus </a:t>
+                      </a:r>
+                    </a:p>
+                  </a:txBody>
+                  <a:tcPr marT="46800" marB="46800" anchor="ctr" horzOverflow="overflow">
+                    <a:lnL w="12700" cap="flat" cmpd="sng" algn="ctr">
+                      <a:solidFill>
+                        <a:schemeClr val="bg1"/>
+                      </a:solidFill>
+                      <a:prstDash val="solid"/>
+                      <a:round/>
+                      <a:headEnd type="none" w="med" len="med"/>
+                      <a:tailEnd type="none" w="med" len="med"/>
+                    </a:lnL>
+                    <a:lnR w="6350" cap="flat" cmpd="sng" algn="ctr">
+                      <a:solidFill>
+                        <a:schemeClr val="bg1">
+                          <a:lumMod val="65000"/>
+                        </a:schemeClr>
+                      </a:solidFill>
+                      <a:prstDash val="solid"/>
+                      <a:round/>
+                      <a:headEnd type="none" w="med" len="med"/>
+                      <a:tailEnd type="none" w="med" len="med"/>
+                    </a:lnR>
+                    <a:lnT w="6350" cap="flat" cmpd="sng" algn="ctr">
+                      <a:solidFill>
+                        <a:schemeClr val="bg1">
+                          <a:lumMod val="65000"/>
+                        </a:schemeClr>
+                      </a:solidFill>
+                      <a:prstDash val="solid"/>
+                      <a:round/>
+                      <a:headEnd type="none" w="med" len="med"/>
+                      <a:tailEnd type="none" w="med" len="med"/>
+                    </a:lnT>
+                    <a:lnB w="6350" cap="flat" cmpd="sng" algn="ctr">
+                      <a:solidFill>
+                        <a:schemeClr val="bg1">
+                          <a:lumMod val="65000"/>
+                        </a:schemeClr>
+                      </a:solidFill>
+                      <a:prstDash val="solid"/>
+                      <a:round/>
+                      <a:headEnd type="none" w="med" len="med"/>
+                      <a:tailEnd type="none" w="med" len="med"/>
+                    </a:lnB>
+                    <a:lnTlToBr w="12700" cmpd="sng">
+                      <a:noFill/>
+                      <a:prstDash val="solid"/>
+                    </a:lnTlToBr>
+                    <a:lnBlToTr w="12700" cmpd="sng">
+                      <a:noFill/>
+                      <a:prstDash val="solid"/>
+                    </a:lnBlToTr>
+                    <a:noFill/>
+                  </a:tcPr>
+                </a:tc>
+                <a:extLst>
+                  <a:ext uri="{0D108BD9-81ED-4DB2-BD59-A6C34878D82A}">
+                    <a16:rowId xmlns:a16="http://schemas.microsoft.com/office/drawing/2014/main" val="3544161330"/>
+                  </a:ext>
+                </a:extLst>
+              </a:tr>
+              <a:tr h="377385">
+                <a:tc>
+                  <a:txBody>
+                    <a:bodyPr/>
+                    <a:lstStyle/>
+                    <a:p>
+                      <a:pPr marL="0" marR="0" lvl="0" indent="0" algn="l" defTabSz="755934" rtl="0" eaLnBrk="1" fontAlgn="auto" latinLnBrk="0" hangingPunct="1">
+                        <a:lnSpc>
+                          <a:spcPct val="90000"/>
+                        </a:lnSpc>
+                        <a:spcBef>
+                          <a:spcPts val="0"/>
+                        </a:spcBef>
+                        <a:spcAft>
+                          <a:spcPts val="0"/>
+                        </a:spcAft>
+                        <a:buClrTx/>
+                        <a:buSzTx/>
+                        <a:buFontTx/>
+                        <a:buNone/>
+                        <a:tabLst/>
+                        <a:defRPr/>
+                      </a:pPr>
+                      <a:r>
+                        <a:rPr lang="fr-FR" sz="700" b="1" kern="1200">
+                          <a:solidFill>
+                            <a:srgbClr val="B9A049"/>
+                          </a:solidFill>
+                          <a:latin typeface="+mn-lt"/>
+                          <a:ea typeface="+mn-ea"/>
+                          <a:cs typeface="+mn-cs"/>
+                        </a:rPr>
+                        <a:t>Commission de distribution</a:t>
+                      </a:r>
+                    </a:p>
+                  </a:txBody>
+                  <a:tcPr marT="46800" marB="46800" anchor="ctr" horzOverflow="overflow">
+                    <a:lnL w="12700" cap="flat" cmpd="sng" algn="ctr">
+                      <a:solidFill>
+                        <a:schemeClr val="bg1">
+                          <a:lumMod val="85000"/>
+                        </a:schemeClr>
+                      </a:solidFill>
+                      <a:prstDash val="solid"/>
+                      <a:round/>
+                      <a:headEnd type="none" w="med" len="med"/>
+                      <a:tailEnd type="none" w="med" len="med"/>
+                    </a:lnL>
+                    <a:lnR w="12700" cap="flat" cmpd="sng" algn="ctr">
+                      <a:solidFill>
+                        <a:schemeClr val="bg1"/>
+                      </a:solidFill>
+                      <a:prstDash val="solid"/>
+                      <a:round/>
+                      <a:headEnd type="none" w="med" len="med"/>
+                      <a:tailEnd type="none" w="med" len="med"/>
+                    </a:lnR>
+                    <a:lnT w="12700" cap="flat" cmpd="sng" algn="ctr">
+                      <a:solidFill>
+                        <a:schemeClr val="bg1"/>
+                      </a:solidFill>
+                      <a:prstDash val="solid"/>
+                      <a:round/>
+                      <a:headEnd type="none" w="med" len="med"/>
+                      <a:tailEnd type="none" w="med" len="med"/>
+                    </a:lnT>
+                    <a:lnB w="12700" cap="flat" cmpd="sng" algn="ctr">
+                      <a:solidFill>
+                        <a:schemeClr val="bg1"/>
+                      </a:solidFill>
+                      <a:prstDash val="solid"/>
+                      <a:round/>
+                      <a:headEnd type="none" w="med" len="med"/>
+                      <a:tailEnd type="none" w="med" len="med"/>
+                    </a:lnB>
+                    <a:lnTlToBr w="12700" cmpd="sng">
+                      <a:noFill/>
+                      <a:prstDash val="solid"/>
+                    </a:lnTlToBr>
+                    <a:lnBlToTr w="12700" cmpd="sng">
+                      <a:noFill/>
+                      <a:prstDash val="solid"/>
+                    </a:lnBlToTr>
+                    <a:solidFill>
+                      <a:schemeClr val="bg1">
+                        <a:lumMod val="95000"/>
+                      </a:schemeClr>
+                    </a:solidFill>
+                  </a:tcPr>
+                </a:tc>
+                <a:tc>
+                  <a:txBody>
+                    <a:bodyPr/>
+                    <a:lstStyle/>
+                    <a:p>
+                      <a:pPr marL="0" marR="0" lvl="0" indent="0" algn="just" defTabSz="755934" rtl="0" eaLnBrk="1" fontAlgn="auto" latinLnBrk="0" hangingPunct="1">
+                        <a:lnSpc>
+                          <a:spcPct val="90000"/>
+                        </a:lnSpc>
+                        <a:spcBef>
+                          <a:spcPts val="0"/>
+                        </a:spcBef>
+                        <a:spcAft>
+                          <a:spcPts val="0"/>
+                        </a:spcAft>
+                        <a:buClrTx/>
+                        <a:buSzTx/>
+                        <a:buFontTx/>
+                        <a:buNone/>
+                        <a:tabLst/>
+                        <a:defRPr/>
+                      </a:pPr>
+                      <a:r>
+                        <a:rPr lang="fr-FR" sz="700" b="0" i="0" kern="1200" noProof="0" dirty="0">
+                          <a:solidFill>
+                            <a:schemeClr val="tx1"/>
+                          </a:solidFill>
+                          <a:latin typeface="+mn-lt"/>
+                          <a:ea typeface="+mn-ea"/>
+                          <a:cs typeface="+mn-cs"/>
+                        </a:rPr>
+                        <a:t>BNP Paribas Arbitrage S.N.C. paiera au distributeur une rémunération annuelle maximum équivalente à 1% (sur la base de la durée maximale des titres) TTC du montant placé. Veuillez contacter le distributeur pour plus de précisions. Ces commissions sont incluses dans le prix d’achat.</a:t>
+                      </a:r>
+                    </a:p>
+                  </a:txBody>
+                  <a:tcPr marT="46800" marB="46800" anchor="ctr" horzOverflow="overflow">
+                    <a:lnL w="12700" cap="flat" cmpd="sng" algn="ctr">
+                      <a:solidFill>
+                        <a:schemeClr val="bg1"/>
+                      </a:solidFill>
+                      <a:prstDash val="solid"/>
+                      <a:round/>
+                      <a:headEnd type="none" w="med" len="med"/>
+                      <a:tailEnd type="none" w="med" len="med"/>
+                    </a:lnL>
+                    <a:lnR w="6350" cap="flat" cmpd="sng" algn="ctr">
+                      <a:solidFill>
+                        <a:schemeClr val="bg1">
+                          <a:lumMod val="65000"/>
+                        </a:schemeClr>
+                      </a:solidFill>
+                      <a:prstDash val="solid"/>
+                      <a:round/>
+                      <a:headEnd type="none" w="med" len="med"/>
+                      <a:tailEnd type="none" w="med" len="med"/>
+                    </a:lnR>
+                    <a:lnT w="6350" cap="flat" cmpd="sng" algn="ctr">
+                      <a:solidFill>
+                        <a:schemeClr val="bg1">
+                          <a:lumMod val="65000"/>
+                        </a:schemeClr>
+                      </a:solidFill>
+                      <a:prstDash val="solid"/>
+                      <a:round/>
+                      <a:headEnd type="none" w="med" len="med"/>
+                      <a:tailEnd type="none" w="med" len="med"/>
+                    </a:lnT>
+                    <a:lnB w="6350" cap="flat" cmpd="sng" algn="ctr">
+                      <a:solidFill>
+                        <a:schemeClr val="bg1">
+                          <a:lumMod val="65000"/>
+                        </a:schemeClr>
+                      </a:solidFill>
+                      <a:prstDash val="solid"/>
+                      <a:round/>
+                      <a:headEnd type="none" w="med" len="med"/>
+                      <a:tailEnd type="none" w="med" len="med"/>
+                    </a:lnB>
+                    <a:lnTlToBr w="12700" cmpd="sng">
+                      <a:noFill/>
+                      <a:prstDash val="solid"/>
+                    </a:lnTlToBr>
+                    <a:lnBlToTr w="12700" cmpd="sng">
+                      <a:noFill/>
+                      <a:prstDash val="solid"/>
+                    </a:lnBlToTr>
+                    <a:noFill/>
+                  </a:tcPr>
+                </a:tc>
+                <a:extLst>
+                  <a:ext uri="{0D108BD9-81ED-4DB2-BD59-A6C34878D82A}">
+                    <a16:rowId xmlns:a16="http://schemas.microsoft.com/office/drawing/2014/main" val="4287158974"/>
+                  </a:ext>
+                </a:extLst>
+              </a:tr>
+              <a:tr h="282443">
+                <a:tc>
+                  <a:txBody>
+                    <a:bodyPr/>
+                    <a:lstStyle/>
+                    <a:p>
+                      <a:pPr marL="0" marR="0" lvl="0" indent="0" algn="l" defTabSz="755934" rtl="0" eaLnBrk="1" fontAlgn="auto" latinLnBrk="0" hangingPunct="1">
+                        <a:lnSpc>
+                          <a:spcPct val="90000"/>
+                        </a:lnSpc>
+                        <a:spcBef>
+                          <a:spcPts val="0"/>
+                        </a:spcBef>
+                        <a:spcAft>
+                          <a:spcPts val="0"/>
+                        </a:spcAft>
+                        <a:buClrTx/>
+                        <a:buSzTx/>
+                        <a:buFontTx/>
+                        <a:buNone/>
+                        <a:tabLst/>
+                        <a:defRPr/>
+                      </a:pPr>
+                      <a:r>
+                        <a:rPr lang="fr-FR" sz="700" b="1" kern="1200">
+                          <a:solidFill>
+                            <a:srgbClr val="B9A049"/>
+                          </a:solidFill>
+                          <a:latin typeface="+mn-lt"/>
+                          <a:ea typeface="+mn-ea"/>
+                          <a:cs typeface="+mn-cs"/>
+                        </a:rPr>
+                        <a:t>Publication de la valorisation</a:t>
+                      </a:r>
+                    </a:p>
+                  </a:txBody>
+                  <a:tcPr marT="46800" marB="46800" anchor="ctr" horzOverflow="overflow">
+                    <a:lnL w="12700" cap="flat" cmpd="sng" algn="ctr">
+                      <a:solidFill>
+                        <a:schemeClr val="bg1">
+                          <a:lumMod val="85000"/>
+                        </a:schemeClr>
+                      </a:solidFill>
+                      <a:prstDash val="solid"/>
+                      <a:round/>
+                      <a:headEnd type="none" w="med" len="med"/>
+                      <a:tailEnd type="none" w="med" len="med"/>
+                    </a:lnL>
+                    <a:lnR w="12700" cap="flat" cmpd="sng" algn="ctr">
+                      <a:solidFill>
+                        <a:schemeClr val="bg1"/>
+                      </a:solidFill>
+                      <a:prstDash val="solid"/>
+                      <a:round/>
+                      <a:headEnd type="none" w="med" len="med"/>
+                      <a:tailEnd type="none" w="med" len="med"/>
+                    </a:lnR>
+                    <a:lnT w="12700" cap="flat" cmpd="sng" algn="ctr">
+                      <a:solidFill>
+                        <a:schemeClr val="bg1"/>
+                      </a:solidFill>
+                      <a:prstDash val="solid"/>
+                      <a:round/>
+                      <a:headEnd type="none" w="med" len="med"/>
+                      <a:tailEnd type="none" w="med" len="med"/>
+                    </a:lnT>
+                    <a:lnB w="12700" cap="flat" cmpd="sng" algn="ctr">
+                      <a:solidFill>
+                        <a:schemeClr val="bg1"/>
+                      </a:solidFill>
+                      <a:prstDash val="solid"/>
+                      <a:round/>
+                      <a:headEnd type="none" w="med" len="med"/>
+                      <a:tailEnd type="none" w="med" len="med"/>
+                    </a:lnB>
+                    <a:lnTlToBr w="12700" cmpd="sng">
+                      <a:noFill/>
+                      <a:prstDash val="solid"/>
+                    </a:lnTlToBr>
+                    <a:lnBlToTr w="12700" cmpd="sng">
+                      <a:noFill/>
+                      <a:prstDash val="solid"/>
+                    </a:lnBlToTr>
+                    <a:solidFill>
+                      <a:schemeClr val="bg1">
+                        <a:lumMod val="95000"/>
+                      </a:schemeClr>
+                    </a:solidFill>
+                  </a:tcPr>
+                </a:tc>
+                <a:tc>
+                  <a:txBody>
+                    <a:bodyPr/>
+                    <a:lstStyle/>
+                    <a:p>
+                      <a:pPr marL="0" marR="0" lvl="0" indent="0" algn="just" defTabSz="755934" rtl="0" eaLnBrk="1" fontAlgn="auto" latinLnBrk="0" hangingPunct="1">
+                        <a:lnSpc>
+                          <a:spcPct val="90000"/>
+                        </a:lnSpc>
+                        <a:spcBef>
+                          <a:spcPts val="0"/>
+                        </a:spcBef>
+                        <a:spcAft>
+                          <a:spcPts val="0"/>
+                        </a:spcAft>
+                        <a:buClrTx/>
+                        <a:buSzTx/>
+                        <a:buFontTx/>
+                        <a:buNone/>
+                        <a:tabLst/>
+                        <a:defRPr/>
+                      </a:pPr>
+                      <a:r>
+                        <a:rPr lang="fr-FR" sz="700" b="0" i="0" kern="1200" dirty="0">
+                          <a:solidFill>
+                            <a:schemeClr val="tx1"/>
+                          </a:solidFill>
+                          <a:latin typeface="+mn-lt"/>
+                          <a:ea typeface="+mn-ea"/>
+                          <a:cs typeface="+mn-cs"/>
+                        </a:rPr>
+                        <a:t>Publication quotidienne sur Reuters, Bloomberg et </a:t>
+                      </a:r>
+                      <a:r>
+                        <a:rPr lang="fr-FR" sz="700" b="0" i="0" kern="1200" dirty="0" err="1">
+                          <a:solidFill>
+                            <a:schemeClr val="tx1"/>
+                          </a:solidFill>
+                          <a:latin typeface="+mn-lt"/>
+                          <a:ea typeface="+mn-ea"/>
+                          <a:cs typeface="+mn-cs"/>
+                        </a:rPr>
+                        <a:t>Telekurs</a:t>
+                      </a:r>
+                      <a:r>
+                        <a:rPr lang="fr-FR" sz="700" b="0" i="0" kern="1200" dirty="0">
+                          <a:solidFill>
+                            <a:schemeClr val="tx1"/>
+                          </a:solidFill>
+                          <a:latin typeface="+mn-lt"/>
+                          <a:ea typeface="+mn-ea"/>
+                          <a:cs typeface="+mn-cs"/>
+                        </a:rPr>
+                        <a:t>, tenu à la disposition du public en permanence sur demande.</a:t>
+                      </a:r>
+                    </a:p>
+                  </a:txBody>
+                  <a:tcPr marT="46800" marB="46800" anchor="ctr" horzOverflow="overflow">
+                    <a:lnL w="12700" cap="flat" cmpd="sng" algn="ctr">
+                      <a:solidFill>
+                        <a:schemeClr val="bg1"/>
+                      </a:solidFill>
+                      <a:prstDash val="solid"/>
+                      <a:round/>
+                      <a:headEnd type="none" w="med" len="med"/>
+                      <a:tailEnd type="none" w="med" len="med"/>
+                    </a:lnL>
+                    <a:lnR w="6350" cap="flat" cmpd="sng" algn="ctr">
+                      <a:solidFill>
+                        <a:schemeClr val="bg1">
+                          <a:lumMod val="65000"/>
+                        </a:schemeClr>
+                      </a:solidFill>
+                      <a:prstDash val="solid"/>
+                      <a:round/>
+                      <a:headEnd type="none" w="med" len="med"/>
+                      <a:tailEnd type="none" w="med" len="med"/>
+                    </a:lnR>
+                    <a:lnT w="6350" cap="flat" cmpd="sng" algn="ctr">
+                      <a:solidFill>
+                        <a:schemeClr val="bg1">
+                          <a:lumMod val="65000"/>
+                        </a:schemeClr>
+                      </a:solidFill>
+                      <a:prstDash val="solid"/>
+                      <a:round/>
+                      <a:headEnd type="none" w="med" len="med"/>
+                      <a:tailEnd type="none" w="med" len="med"/>
+                    </a:lnT>
+                    <a:lnB w="6350" cap="flat" cmpd="sng" algn="ctr">
+                      <a:solidFill>
+                        <a:schemeClr val="bg1">
+                          <a:lumMod val="65000"/>
+                        </a:schemeClr>
+                      </a:solidFill>
+                      <a:prstDash val="solid"/>
+                      <a:round/>
+                      <a:headEnd type="none" w="med" len="med"/>
+                      <a:tailEnd type="none" w="med" len="med"/>
+                    </a:lnB>
+                    <a:lnTlToBr w="12700" cmpd="sng">
+                      <a:noFill/>
+                      <a:prstDash val="solid"/>
+                    </a:lnTlToBr>
+                    <a:lnBlToTr w="12700" cmpd="sng">
+                      <a:noFill/>
+                      <a:prstDash val="solid"/>
+                    </a:lnBlToTr>
+                    <a:noFill/>
+                  </a:tcPr>
+                </a:tc>
+                <a:extLst>
+                  <a:ext uri="{0D108BD9-81ED-4DB2-BD59-A6C34878D82A}">
+                    <a16:rowId xmlns:a16="http://schemas.microsoft.com/office/drawing/2014/main" val="1440539583"/>
+                  </a:ext>
+                </a:extLst>
+              </a:tr>
+              <a:tr h="282443">
+                <a:tc>
+                  <a:txBody>
+                    <a:bodyPr/>
+                    <a:lstStyle/>
+                    <a:p>
+                      <a:pPr marL="0" marR="0" lvl="0" indent="0" algn="l" defTabSz="755934" rtl="0" eaLnBrk="1" fontAlgn="auto" latinLnBrk="0" hangingPunct="1">
+                        <a:lnSpc>
+                          <a:spcPct val="90000"/>
+                        </a:lnSpc>
+                        <a:spcBef>
+                          <a:spcPts val="0"/>
+                        </a:spcBef>
+                        <a:spcAft>
+                          <a:spcPts val="0"/>
+                        </a:spcAft>
+                        <a:buClrTx/>
+                        <a:buSzTx/>
+                        <a:buFontTx/>
+                        <a:buNone/>
+                        <a:tabLst/>
+                        <a:defRPr/>
+                      </a:pPr>
+                      <a:r>
+                        <a:rPr lang="fr-FR" sz="700" b="1" kern="1200" dirty="0">
+                          <a:solidFill>
+                            <a:srgbClr val="B9A049"/>
+                          </a:solidFill>
+                          <a:latin typeface="+mn-lt"/>
+                          <a:ea typeface="+mn-ea"/>
+                          <a:cs typeface="+mn-cs"/>
+                        </a:rPr>
+                        <a:t>Double valorisation</a:t>
+                      </a:r>
+                    </a:p>
+                  </a:txBody>
+                  <a:tcPr marT="46800" marB="46800" anchor="ctr" horzOverflow="overflow">
+                    <a:lnL w="12700" cap="flat" cmpd="sng" algn="ctr">
+                      <a:solidFill>
+                        <a:schemeClr val="bg1">
+                          <a:lumMod val="85000"/>
+                        </a:schemeClr>
+                      </a:solidFill>
+                      <a:prstDash val="solid"/>
+                      <a:round/>
+                      <a:headEnd type="none" w="med" len="med"/>
+                      <a:tailEnd type="none" w="med" len="med"/>
+                    </a:lnL>
+                    <a:lnR w="12700" cap="flat" cmpd="sng" algn="ctr">
+                      <a:solidFill>
+                        <a:schemeClr val="bg1"/>
+                      </a:solidFill>
+                      <a:prstDash val="solid"/>
+                      <a:round/>
+                      <a:headEnd type="none" w="med" len="med"/>
+                      <a:tailEnd type="none" w="med" len="med"/>
+                    </a:lnR>
+                    <a:lnT w="12700" cap="flat" cmpd="sng" algn="ctr">
+                      <a:solidFill>
+                        <a:schemeClr val="bg1"/>
+                      </a:solidFill>
+                      <a:prstDash val="solid"/>
+                      <a:round/>
+                      <a:headEnd type="none" w="med" len="med"/>
+                      <a:tailEnd type="none" w="med" len="med"/>
+                    </a:lnT>
+                    <a:lnB w="12700" cap="flat" cmpd="sng" algn="ctr">
+                      <a:solidFill>
+                        <a:schemeClr val="bg1"/>
+                      </a:solidFill>
+                      <a:prstDash val="solid"/>
+                      <a:round/>
+                      <a:headEnd type="none" w="med" len="med"/>
+                      <a:tailEnd type="none" w="med" len="med"/>
+                    </a:lnB>
+                    <a:lnTlToBr w="12700" cmpd="sng">
+                      <a:noFill/>
+                      <a:prstDash val="solid"/>
+                    </a:lnTlToBr>
+                    <a:lnBlToTr w="12700" cmpd="sng">
+                      <a:noFill/>
+                      <a:prstDash val="solid"/>
+                    </a:lnBlToTr>
+                    <a:solidFill>
+                      <a:schemeClr val="bg1">
+                        <a:lumMod val="95000"/>
+                      </a:schemeClr>
+                    </a:solidFill>
+                  </a:tcPr>
+                </a:tc>
+                <a:tc>
+                  <a:txBody>
+                    <a:bodyPr/>
+                    <a:lstStyle/>
+                    <a:p>
+                      <a:pPr marL="0" marR="0" lvl="0" indent="0" algn="just" defTabSz="755934" rtl="0" eaLnBrk="1" fontAlgn="auto" latinLnBrk="0" hangingPunct="1">
+                        <a:lnSpc>
+                          <a:spcPct val="90000"/>
+                        </a:lnSpc>
+                        <a:spcBef>
+                          <a:spcPts val="0"/>
+                        </a:spcBef>
+                        <a:spcAft>
+                          <a:spcPts val="0"/>
+                        </a:spcAft>
+                        <a:buClrTx/>
+                        <a:buSzTx/>
+                        <a:buFontTx/>
+                        <a:buNone/>
+                        <a:tabLst/>
+                        <a:defRPr/>
+                      </a:pPr>
+                      <a:r>
+                        <a:rPr lang="fr-FR" sz="700" b="0" i="0" kern="1200" dirty="0">
+                          <a:solidFill>
+                            <a:schemeClr val="tx1"/>
+                          </a:solidFill>
+                          <a:latin typeface="+mn-lt"/>
+                          <a:ea typeface="+mn-ea"/>
+                          <a:cs typeface="+mn-cs"/>
+                        </a:rPr>
+                        <a:t>Une double valorisation sera établie tous les quinze (15) jours par la société REFINITIV, sociétés indépendantes du Groupe BNP Paribas</a:t>
+                      </a:r>
+                    </a:p>
+                  </a:txBody>
+                  <a:tcPr marT="46800" marB="46800" anchor="ctr" horzOverflow="overflow">
+                    <a:lnL w="12700" cap="flat" cmpd="sng" algn="ctr">
+                      <a:solidFill>
+                        <a:schemeClr val="bg1"/>
+                      </a:solidFill>
+                      <a:prstDash val="solid"/>
+                      <a:round/>
+                      <a:headEnd type="none" w="med" len="med"/>
+                      <a:tailEnd type="none" w="med" len="med"/>
+                    </a:lnL>
+                    <a:lnR w="6350" cap="flat" cmpd="sng" algn="ctr">
+                      <a:solidFill>
+                        <a:schemeClr val="bg1">
+                          <a:lumMod val="65000"/>
+                        </a:schemeClr>
+                      </a:solidFill>
+                      <a:prstDash val="solid"/>
+                      <a:round/>
+                      <a:headEnd type="none" w="med" len="med"/>
+                      <a:tailEnd type="none" w="med" len="med"/>
+                    </a:lnR>
+                    <a:lnT w="6350" cap="flat" cmpd="sng" algn="ctr">
+                      <a:solidFill>
+                        <a:schemeClr val="bg1">
+                          <a:lumMod val="65000"/>
+                        </a:schemeClr>
+                      </a:solidFill>
+                      <a:prstDash val="solid"/>
+                      <a:round/>
+                      <a:headEnd type="none" w="med" len="med"/>
+                      <a:tailEnd type="none" w="med" len="med"/>
+                    </a:lnT>
+                    <a:lnB w="6350" cap="flat" cmpd="sng" algn="ctr">
+                      <a:solidFill>
+                        <a:schemeClr val="bg1">
+                          <a:lumMod val="65000"/>
+                        </a:schemeClr>
+                      </a:solidFill>
+                      <a:prstDash val="solid"/>
+                      <a:round/>
+                      <a:headEnd type="none" w="med" len="med"/>
+                      <a:tailEnd type="none" w="med" len="med"/>
+                    </a:lnB>
+                    <a:lnTlToBr w="12700" cmpd="sng">
+                      <a:noFill/>
+                      <a:prstDash val="solid"/>
+                    </a:lnTlToBr>
+                    <a:lnBlToTr w="12700" cmpd="sng">
+                      <a:noFill/>
+                      <a:prstDash val="solid"/>
+                    </a:lnBlToTr>
+                    <a:noFill/>
+                  </a:tcPr>
+                </a:tc>
+                <a:extLst>
+                  <a:ext uri="{0D108BD9-81ED-4DB2-BD59-A6C34878D82A}">
+                    <a16:rowId xmlns:a16="http://schemas.microsoft.com/office/drawing/2014/main" val="2111510760"/>
+                  </a:ext>
+                </a:extLst>
+              </a:tr>
+              <a:tr h="278173">
+                <a:tc>
+                  <a:txBody>
+                    <a:bodyPr/>
+                    <a:lstStyle/>
+                    <a:p>
+                      <a:pPr marL="0" marR="0" lvl="0" indent="0" algn="l" defTabSz="755934" rtl="0" eaLnBrk="1" fontAlgn="auto" latinLnBrk="0" hangingPunct="1">
+                        <a:lnSpc>
+                          <a:spcPct val="90000"/>
+                        </a:lnSpc>
+                        <a:spcBef>
+                          <a:spcPts val="0"/>
+                        </a:spcBef>
+                        <a:spcAft>
+                          <a:spcPts val="0"/>
+                        </a:spcAft>
+                        <a:buClrTx/>
+                        <a:buSzTx/>
+                        <a:buFontTx/>
+                        <a:buNone/>
+                        <a:tabLst/>
+                        <a:defRPr/>
+                      </a:pPr>
+                      <a:r>
+                        <a:rPr lang="fr-FR" sz="700" b="1" kern="1200">
+                          <a:solidFill>
+                            <a:srgbClr val="B9A049"/>
+                          </a:solidFill>
+                          <a:latin typeface="+mn-lt"/>
+                          <a:ea typeface="+mn-ea"/>
+                          <a:cs typeface="+mn-cs"/>
+                        </a:rPr>
+                        <a:t>Marché secondaire</a:t>
+                      </a:r>
+                    </a:p>
+                  </a:txBody>
+                  <a:tcPr marT="46800" marB="46800" anchor="ctr" horzOverflow="overflow">
+                    <a:lnL w="12700" cap="flat" cmpd="sng" algn="ctr">
+                      <a:solidFill>
+                        <a:schemeClr val="bg1">
+                          <a:lumMod val="85000"/>
+                        </a:schemeClr>
+                      </a:solidFill>
+                      <a:prstDash val="solid"/>
+                      <a:round/>
+                      <a:headEnd type="none" w="med" len="med"/>
+                      <a:tailEnd type="none" w="med" len="med"/>
+                    </a:lnL>
+                    <a:lnR w="12700" cap="flat" cmpd="sng" algn="ctr">
+                      <a:solidFill>
+                        <a:schemeClr val="bg1"/>
+                      </a:solidFill>
+                      <a:prstDash val="solid"/>
+                      <a:round/>
+                      <a:headEnd type="none" w="med" len="med"/>
+                      <a:tailEnd type="none" w="med" len="med"/>
+                    </a:lnR>
+                    <a:lnT w="12700" cap="flat" cmpd="sng" algn="ctr">
+                      <a:solidFill>
+                        <a:schemeClr val="bg1"/>
+                      </a:solidFill>
+                      <a:prstDash val="solid"/>
+                      <a:round/>
+                      <a:headEnd type="none" w="med" len="med"/>
+                      <a:tailEnd type="none" w="med" len="med"/>
+                    </a:lnT>
+                    <a:lnB w="12700" cap="flat" cmpd="sng" algn="ctr">
+                      <a:solidFill>
+                        <a:schemeClr val="bg1"/>
+                      </a:solidFill>
+                      <a:prstDash val="solid"/>
+                      <a:round/>
+                      <a:headEnd type="none" w="med" len="med"/>
+                      <a:tailEnd type="none" w="med" len="med"/>
+                    </a:lnB>
+                    <a:lnTlToBr w="12700" cmpd="sng">
+                      <a:noFill/>
+                      <a:prstDash val="solid"/>
+                    </a:lnTlToBr>
+                    <a:lnBlToTr w="12700" cmpd="sng">
+                      <a:noFill/>
+                      <a:prstDash val="solid"/>
+                    </a:lnBlToTr>
+                    <a:solidFill>
+                      <a:schemeClr val="bg1">
+                        <a:lumMod val="95000"/>
+                      </a:schemeClr>
+                    </a:solidFill>
+                  </a:tcPr>
+                </a:tc>
+                <a:tc>
+                  <a:txBody>
+                    <a:bodyPr/>
+                    <a:lstStyle/>
+                    <a:p>
+                      <a:pPr marL="0" marR="0" lvl="0" indent="0" algn="just" defTabSz="755934" rtl="0" eaLnBrk="1" fontAlgn="auto" latinLnBrk="0" hangingPunct="1">
+                        <a:lnSpc>
+                          <a:spcPct val="88000"/>
+                        </a:lnSpc>
+                        <a:spcBef>
+                          <a:spcPts val="0"/>
+                        </a:spcBef>
+                        <a:spcAft>
+                          <a:spcPts val="0"/>
+                        </a:spcAft>
+                        <a:buClrTx/>
+                        <a:buSzTx/>
+                        <a:buFontTx/>
+                        <a:buNone/>
+                        <a:tabLst/>
+                        <a:defRPr/>
+                      </a:pPr>
+                      <a:r>
+                        <a:rPr lang="fr-FR" sz="700" b="0" i="0" kern="1200" noProof="0" dirty="0">
+                          <a:solidFill>
+                            <a:schemeClr val="tx1"/>
+                          </a:solidFill>
+                          <a:latin typeface="+mn-lt"/>
+                          <a:ea typeface="+mn-ea"/>
+                          <a:cs typeface="+mn-cs"/>
+                        </a:rPr>
+                        <a:t>BNP Paribas Arbitrage S.N.C. s’engage, dans des conditions normales de marché, à donner de manière quotidienne des prix indicatifs pendant toute la durée de vie du produit avec une fourchette achat/vente de 1,00%.</a:t>
+                      </a:r>
+                    </a:p>
+                  </a:txBody>
+                  <a:tcPr marT="46800" marB="46800" anchor="ctr" horzOverflow="overflow">
+                    <a:lnL w="12700" cap="flat" cmpd="sng" algn="ctr">
+                      <a:solidFill>
+                        <a:schemeClr val="bg1"/>
+                      </a:solidFill>
+                      <a:prstDash val="solid"/>
+                      <a:round/>
+                      <a:headEnd type="none" w="med" len="med"/>
+                      <a:tailEnd type="none" w="med" len="med"/>
+                    </a:lnL>
+                    <a:lnR w="6350" cap="flat" cmpd="sng" algn="ctr">
+                      <a:solidFill>
+                        <a:schemeClr val="bg1">
+                          <a:lumMod val="65000"/>
+                        </a:schemeClr>
+                      </a:solidFill>
+                      <a:prstDash val="solid"/>
+                      <a:round/>
+                      <a:headEnd type="none" w="med" len="med"/>
+                      <a:tailEnd type="none" w="med" len="med"/>
+                    </a:lnR>
+                    <a:lnT w="6350" cap="flat" cmpd="sng" algn="ctr">
+                      <a:solidFill>
+                        <a:schemeClr val="bg1">
+                          <a:lumMod val="65000"/>
+                        </a:schemeClr>
+                      </a:solidFill>
+                      <a:prstDash val="solid"/>
+                      <a:round/>
+                      <a:headEnd type="none" w="med" len="med"/>
+                      <a:tailEnd type="none" w="med" len="med"/>
+                    </a:lnT>
+                    <a:lnB w="6350" cap="flat" cmpd="sng" algn="ctr">
+                      <a:solidFill>
+                        <a:schemeClr val="bg1">
+                          <a:lumMod val="65000"/>
+                        </a:schemeClr>
+                      </a:solidFill>
+                      <a:prstDash val="solid"/>
+                      <a:round/>
+                      <a:headEnd type="none" w="med" len="med"/>
+                      <a:tailEnd type="none" w="med" len="med"/>
+                    </a:lnB>
+                    <a:lnTlToBr w="12700" cmpd="sng">
+                      <a:noFill/>
+                      <a:prstDash val="solid"/>
+                    </a:lnTlToBr>
+                    <a:lnBlToTr w="12700" cmpd="sng">
+                      <a:noFill/>
+                      <a:prstDash val="solid"/>
+                    </a:lnBlToTr>
+                    <a:noFill/>
+                  </a:tcPr>
+                </a:tc>
+                <a:extLst>
+                  <a:ext uri="{0D108BD9-81ED-4DB2-BD59-A6C34878D82A}">
+                    <a16:rowId xmlns:a16="http://schemas.microsoft.com/office/drawing/2014/main" val="1570988225"/>
+                  </a:ext>
+                </a:extLst>
+              </a:tr>
+              <a:tr h="198049">
+                <a:tc>
+                  <a:txBody>
+                    <a:bodyPr/>
+                    <a:lstStyle/>
+                    <a:p>
+                      <a:pPr algn="l">
+                        <a:lnSpc>
+                          <a:spcPct val="100000"/>
+                        </a:lnSpc>
+                      </a:pPr>
+                      <a:r>
+                        <a:rPr lang="fr-FR" sz="700" b="1" kern="1200">
+                          <a:solidFill>
+                            <a:srgbClr val="B9A049"/>
+                          </a:solidFill>
+                          <a:latin typeface="+mn-lt"/>
+                          <a:ea typeface="+mn-ea"/>
+                          <a:cs typeface="+mn-cs"/>
+                        </a:rPr>
+                        <a:t>Agent de calcul</a:t>
+                      </a:r>
+                    </a:p>
+                  </a:txBody>
+                  <a:tcPr marT="46800" marB="46800" anchor="ctr" horzOverflow="overflow">
+                    <a:lnL w="12700" cap="flat" cmpd="sng" algn="ctr">
+                      <a:solidFill>
+                        <a:schemeClr val="bg1">
+                          <a:lumMod val="85000"/>
+                        </a:schemeClr>
+                      </a:solidFill>
+                      <a:prstDash val="solid"/>
+                      <a:round/>
+                      <a:headEnd type="none" w="med" len="med"/>
+                      <a:tailEnd type="none" w="med" len="med"/>
+                    </a:lnL>
+                    <a:lnR w="12700" cap="flat" cmpd="sng" algn="ctr">
+                      <a:solidFill>
+                        <a:schemeClr val="bg1"/>
+                      </a:solidFill>
+                      <a:prstDash val="solid"/>
+                      <a:round/>
+                      <a:headEnd type="none" w="med" len="med"/>
+                      <a:tailEnd type="none" w="med" len="med"/>
+                    </a:lnR>
+                    <a:lnT w="12700" cap="flat" cmpd="sng" algn="ctr">
+                      <a:solidFill>
+                        <a:schemeClr val="bg1"/>
+                      </a:solidFill>
+                      <a:prstDash val="solid"/>
+                      <a:round/>
+                      <a:headEnd type="none" w="med" len="med"/>
+                      <a:tailEnd type="none" w="med" len="med"/>
+                    </a:lnT>
+                    <a:lnB w="12700" cap="flat" cmpd="sng" algn="ctr">
+                      <a:solidFill>
+                        <a:schemeClr val="bg1"/>
+                      </a:solidFill>
+                      <a:prstDash val="solid"/>
+                      <a:round/>
+                      <a:headEnd type="none" w="med" len="med"/>
+                      <a:tailEnd type="none" w="med" len="med"/>
+                    </a:lnB>
+                    <a:lnTlToBr w="12700" cmpd="sng">
+                      <a:noFill/>
+                      <a:prstDash val="solid"/>
+                    </a:lnTlToBr>
+                    <a:lnBlToTr w="12700" cmpd="sng">
+                      <a:noFill/>
+                      <a:prstDash val="solid"/>
+                    </a:lnBlToTr>
+                    <a:solidFill>
+                      <a:schemeClr val="bg1">
+                        <a:lumMod val="95000"/>
+                      </a:schemeClr>
+                    </a:solidFill>
+                  </a:tcPr>
+                </a:tc>
+                <a:tc>
+                  <a:txBody>
+                    <a:bodyPr/>
+                    <a:lstStyle/>
+                    <a:p>
+                      <a:pPr marL="0" marR="0" lvl="0" indent="0" algn="just" defTabSz="755934" rtl="0" eaLnBrk="1" fontAlgn="base" latinLnBrk="0" hangingPunct="1">
+                        <a:lnSpc>
+                          <a:spcPct val="88000"/>
+                        </a:lnSpc>
+                        <a:spcBef>
+                          <a:spcPct val="0"/>
+                        </a:spcBef>
+                        <a:spcAft>
+                          <a:spcPct val="0"/>
+                        </a:spcAft>
+                        <a:buClrTx/>
+                        <a:buSzTx/>
+                        <a:buFontTx/>
+                        <a:buNone/>
+                        <a:tabLst/>
+                        <a:defRPr/>
+                      </a:pPr>
+                      <a:r>
+                        <a:rPr lang="fr-FR" sz="700" b="0" i="0" kern="1200" noProof="0" dirty="0">
+                          <a:solidFill>
+                            <a:schemeClr val="tx1"/>
+                          </a:solidFill>
+                          <a:latin typeface="+mn-lt"/>
+                          <a:ea typeface="+mn-ea"/>
+                          <a:cs typeface="+mn-cs"/>
+                        </a:rPr>
+                        <a:t>BNP Paribas Arbitrage S.N.C, entité du Groupe BNP Paribas, potentiellement source de conflits d'intérêts.</a:t>
+                      </a:r>
+                    </a:p>
+                  </a:txBody>
+                  <a:tcPr marT="46800" marB="46800" anchor="ctr" horzOverflow="overflow">
+                    <a:lnL w="12700" cap="flat" cmpd="sng" algn="ctr">
+                      <a:solidFill>
+                        <a:schemeClr val="bg1"/>
+                      </a:solidFill>
+                      <a:prstDash val="solid"/>
+                      <a:round/>
+                      <a:headEnd type="none" w="med" len="med"/>
+                      <a:tailEnd type="none" w="med" len="med"/>
+                    </a:lnL>
+                    <a:lnR w="6350" cap="flat" cmpd="sng" algn="ctr">
+                      <a:solidFill>
+                        <a:schemeClr val="bg1">
+                          <a:lumMod val="65000"/>
+                        </a:schemeClr>
+                      </a:solidFill>
+                      <a:prstDash val="solid"/>
+                      <a:round/>
+                      <a:headEnd type="none" w="med" len="med"/>
+                      <a:tailEnd type="none" w="med" len="med"/>
+                    </a:lnR>
+                    <a:lnT w="6350" cap="flat" cmpd="sng" algn="ctr">
+                      <a:solidFill>
+                        <a:schemeClr val="bg1">
+                          <a:lumMod val="65000"/>
+                        </a:schemeClr>
+                      </a:solidFill>
+                      <a:prstDash val="solid"/>
+                      <a:round/>
+                      <a:headEnd type="none" w="med" len="med"/>
+                      <a:tailEnd type="none" w="med" len="med"/>
+                    </a:lnT>
+                    <a:lnB w="6350" cap="flat" cmpd="sng" algn="ctr">
+                      <a:solidFill>
+                        <a:schemeClr val="bg1">
+                          <a:lumMod val="65000"/>
+                        </a:schemeClr>
+                      </a:solidFill>
+                      <a:prstDash val="solid"/>
+                      <a:round/>
+                      <a:headEnd type="none" w="med" len="med"/>
+                      <a:tailEnd type="none" w="med" len="med"/>
+                    </a:lnB>
+                    <a:lnTlToBr w="12700" cmpd="sng">
+                      <a:noFill/>
+                      <a:prstDash val="solid"/>
+                    </a:lnTlToBr>
+                    <a:lnBlToTr w="12700" cmpd="sng">
+                      <a:noFill/>
+                      <a:prstDash val="solid"/>
+                    </a:lnBlToTr>
+                    <a:noFill/>
+                  </a:tcPr>
+                </a:tc>
+                <a:extLst>
+                  <a:ext uri="{0D108BD9-81ED-4DB2-BD59-A6C34878D82A}">
+                    <a16:rowId xmlns:a16="http://schemas.microsoft.com/office/drawing/2014/main" val="291602086"/>
+                  </a:ext>
+                </a:extLst>
+              </a:tr>
+              <a:tr h="198049">
+                <a:tc>
+                  <a:txBody>
+                    <a:bodyPr/>
+                    <a:lstStyle/>
+                    <a:p>
+                      <a:pPr marL="0" marR="0" lvl="0" indent="0" algn="l" defTabSz="1042988" rtl="0" eaLnBrk="1" fontAlgn="base" latinLnBrk="0" hangingPunct="1">
+                        <a:lnSpc>
+                          <a:spcPct val="100000"/>
+                        </a:lnSpc>
+                        <a:spcBef>
+                          <a:spcPct val="0"/>
+                        </a:spcBef>
+                        <a:spcAft>
+                          <a:spcPct val="0"/>
+                        </a:spcAft>
+                        <a:buClrTx/>
+                        <a:buSzTx/>
+                        <a:buFontTx/>
+                        <a:buNone/>
+                        <a:tabLst/>
+                      </a:pPr>
+                      <a:r>
+                        <a:rPr lang="fr-FR" sz="700" b="1" kern="1200">
+                          <a:solidFill>
+                            <a:srgbClr val="B9A049"/>
+                          </a:solidFill>
+                          <a:latin typeface="+mn-lt"/>
+                          <a:ea typeface="+mn-ea"/>
+                          <a:cs typeface="+mn-cs"/>
+                        </a:rPr>
+                        <a:t>Code ISIN</a:t>
+                      </a:r>
+                    </a:p>
+                  </a:txBody>
+                  <a:tcPr marT="46800" marB="46800" anchor="ctr" horzOverflow="overflow">
+                    <a:lnL w="12700" cap="flat" cmpd="sng" algn="ctr">
+                      <a:solidFill>
+                        <a:schemeClr val="bg1">
+                          <a:lumMod val="85000"/>
+                        </a:schemeClr>
+                      </a:solidFill>
+                      <a:prstDash val="solid"/>
+                      <a:round/>
+                      <a:headEnd type="none" w="med" len="med"/>
+                      <a:tailEnd type="none" w="med" len="med"/>
+                    </a:lnL>
+                    <a:lnR w="12700" cap="flat" cmpd="sng" algn="ctr">
+                      <a:solidFill>
+                        <a:schemeClr val="bg1"/>
+                      </a:solidFill>
+                      <a:prstDash val="solid"/>
+                      <a:round/>
+                      <a:headEnd type="none" w="med" len="med"/>
+                      <a:tailEnd type="none" w="med" len="med"/>
+                    </a:lnR>
+                    <a:lnT w="12700" cap="flat" cmpd="sng" algn="ctr">
+                      <a:solidFill>
+                        <a:schemeClr val="bg1"/>
+                      </a:solidFill>
+                      <a:prstDash val="solid"/>
+                      <a:round/>
+                      <a:headEnd type="none" w="med" len="med"/>
+                      <a:tailEnd type="none" w="med" len="med"/>
+                    </a:lnT>
+                    <a:lnB w="12700" cap="flat" cmpd="sng" algn="ctr">
+                      <a:solidFill>
+                        <a:schemeClr val="bg1">
+                          <a:lumMod val="85000"/>
+                        </a:schemeClr>
+                      </a:solidFill>
+                      <a:prstDash val="solid"/>
+                      <a:round/>
+                      <a:headEnd type="none" w="med" len="med"/>
+                      <a:tailEnd type="none" w="med" len="med"/>
+                    </a:lnB>
+                    <a:lnTlToBr w="12700" cmpd="sng">
+                      <a:noFill/>
+                      <a:prstDash val="solid"/>
+                    </a:lnTlToBr>
+                    <a:lnBlToTr w="12700" cmpd="sng">
+                      <a:noFill/>
+                      <a:prstDash val="solid"/>
+                    </a:lnBlToTr>
+                    <a:solidFill>
+                      <a:schemeClr val="bg1">
+                        <a:lumMod val="95000"/>
+                      </a:schemeClr>
+                    </a:solidFill>
+                  </a:tcPr>
+                </a:tc>
+                <a:tc>
+                  <a:txBody>
+                    <a:bodyPr/>
+                    <a:lstStyle/>
+                    <a:p>
+                      <a:pPr marL="0" indent="0" algn="just">
+                        <a:spcBef>
+                          <a:spcPts val="1200"/>
+                        </a:spcBef>
+                        <a:buClr>
+                          <a:srgbClr val="1C1C1C"/>
+                        </a:buClr>
+                        <a:buFont typeface="Wingdings" panose="05000000000000000000" pitchFamily="2" charset="2"/>
+                        <a:buNone/>
+                      </a:pPr>
+                      <a:r>
+                        <a:rPr lang="fr-FR" sz="700" b="0" i="0" kern="1200" dirty="0">
+                          <a:solidFill>
+                            <a:schemeClr val="tx1"/>
+                          </a:solidFill>
+                          <a:latin typeface="+mn-lt"/>
+                          <a:ea typeface="+mn-ea"/>
+                          <a:cs typeface="+mn-cs"/>
+                        </a:rPr>
+                        <a:t>&lt;ISIN&gt;</a:t>
+                      </a:r>
+                    </a:p>
+                  </a:txBody>
+                  <a:tcPr marT="46800" marB="46800" anchor="ctr" horzOverflow="overflow">
+                    <a:lnL w="12700" cap="flat" cmpd="sng" algn="ctr">
+                      <a:solidFill>
+                        <a:schemeClr val="bg1"/>
+                      </a:solidFill>
+                      <a:prstDash val="solid"/>
+                      <a:round/>
+                      <a:headEnd type="none" w="med" len="med"/>
+                      <a:tailEnd type="none" w="med" len="med"/>
+                    </a:lnL>
+                    <a:lnR w="6350" cap="flat" cmpd="sng" algn="ctr">
+                      <a:solidFill>
+                        <a:schemeClr val="bg1">
+                          <a:lumMod val="65000"/>
+                        </a:schemeClr>
+                      </a:solidFill>
+                      <a:prstDash val="solid"/>
+                      <a:round/>
+                      <a:headEnd type="none" w="med" len="med"/>
+                      <a:tailEnd type="none" w="med" len="med"/>
+                    </a:lnR>
+                    <a:lnT w="6350" cap="flat" cmpd="sng" algn="ctr">
+                      <a:solidFill>
+                        <a:schemeClr val="bg1">
+                          <a:lumMod val="65000"/>
+                        </a:schemeClr>
+                      </a:solidFill>
+                      <a:prstDash val="solid"/>
+                      <a:round/>
+                      <a:headEnd type="none" w="med" len="med"/>
+                      <a:tailEnd type="none" w="med" len="med"/>
+                    </a:lnT>
+                    <a:lnB w="6350" cap="flat" cmpd="sng" algn="ctr">
+                      <a:solidFill>
+                        <a:schemeClr val="bg1">
+                          <a:lumMod val="65000"/>
+                        </a:schemeClr>
+                      </a:solidFill>
+                      <a:prstDash val="solid"/>
+                      <a:round/>
+                      <a:headEnd type="none" w="med" len="med"/>
+                      <a:tailEnd type="none" w="med" len="med"/>
+                    </a:lnB>
+                    <a:lnTlToBr w="12700" cmpd="sng">
+                      <a:noFill/>
+                      <a:prstDash val="solid"/>
+                    </a:lnTlToBr>
+                    <a:lnBlToTr w="12700" cmpd="sng">
+                      <a:noFill/>
+                      <a:prstDash val="solid"/>
+                    </a:lnBlToTr>
+                    <a:noFill/>
+                  </a:tcPr>
+                </a:tc>
+                <a:extLst>
+                  <a:ext uri="{0D108BD9-81ED-4DB2-BD59-A6C34878D82A}">
+                    <a16:rowId xmlns:a16="http://schemas.microsoft.com/office/drawing/2014/main" val="2069171025"/>
+                  </a:ext>
+                </a:extLst>
+              </a:tr>
+            </a:tbl>
+          </a:graphicData>
+        </a:graphic>
+      </p:graphicFrame>
     </p:spTree>
     <p:extLst>
       <p:ext uri="{BB962C8B-B14F-4D97-AF65-F5344CB8AC3E}">
@@ -29606,14 +36427,6 @@
 </file>
 
 <file path=customXml/item2.xml><?xml version="1.0" encoding="utf-8"?>
-<p:properties xmlns:p="http://schemas.microsoft.com/office/2006/metadata/properties" xmlns:xsi="http://www.w3.org/2001/XMLSchema-instance" xmlns:pc="http://schemas.microsoft.com/office/infopath/2007/PartnerControls">
-  <documentManagement>
-    <_Flow_SignoffStatus xmlns="ef624bc2-1644-4d69-8362-5c28ca496374" xsi:nil="true"/>
-  </documentManagement>
-</p:properties>
-</file>
-
-<file path=customXml/item3.xml><?xml version="1.0" encoding="utf-8"?>
 <ct:contentTypeSchema xmlns:ct="http://schemas.microsoft.com/office/2006/metadata/contentType" xmlns:ma="http://schemas.microsoft.com/office/2006/metadata/properties/metaAttributes" ct:_="" ma:_="" ma:contentTypeName="Document" ma:contentTypeID="0x0101005DDE610BC516E448BB8152259F39635A" ma:contentTypeVersion="13" ma:contentTypeDescription="Crée un document." ma:contentTypeScope="" ma:versionID="4e51a0dab1f5d4663d954168d546c586">
   <xsd:schema xmlns:xsd="http://www.w3.org/2001/XMLSchema" xmlns:xs="http://www.w3.org/2001/XMLSchema" xmlns:p="http://schemas.microsoft.com/office/2006/metadata/properties" xmlns:ns2="ef624bc2-1644-4d69-8362-5c28ca496374" xmlns:ns3="514a554b-82b0-4359-b247-fc84018a95f0" targetNamespace="http://schemas.microsoft.com/office/2006/metadata/properties" ma:root="true" ma:fieldsID="d7b51e5f287975310341ecd8502634d3" ns2:_="" ns3:_="">
     <xsd:import namespace="ef624bc2-1644-4d69-8362-5c28ca496374"/>
@@ -29836,6 +36649,14 @@
 </ct:contentTypeSchema>
 </file>
 
+<file path=customXml/item3.xml><?xml version="1.0" encoding="utf-8"?>
+<p:properties xmlns:p="http://schemas.microsoft.com/office/2006/metadata/properties" xmlns:xsi="http://www.w3.org/2001/XMLSchema-instance" xmlns:pc="http://schemas.microsoft.com/office/infopath/2007/PartnerControls">
+  <documentManagement>
+    <_Flow_SignoffStatus xmlns="ef624bc2-1644-4d69-8362-5c28ca496374" xsi:nil="true"/>
+  </documentManagement>
+</p:properties>
+</file>
+
 <file path=customXml/itemProps1.xml><?xml version="1.0" encoding="utf-8"?>
 <ds:datastoreItem xmlns:ds="http://schemas.openxmlformats.org/officeDocument/2006/customXml" ds:itemID="{B00FC41E-FBDE-42E2-B58A-20EBD240A376}">
   <ds:schemaRefs>
@@ -29845,23 +36666,6 @@
 </file>
 
 <file path=customXml/itemProps2.xml><?xml version="1.0" encoding="utf-8"?>
-<ds:datastoreItem xmlns:ds="http://schemas.openxmlformats.org/officeDocument/2006/customXml" ds:itemID="{25DE574B-2CD2-4078-9BEA-2A14717D9698}">
-  <ds:schemaRefs>
-    <ds:schemaRef ds:uri="ef624bc2-1644-4d69-8362-5c28ca496374"/>
-    <ds:schemaRef ds:uri="http://www.w3.org/XML/1998/namespace"/>
-    <ds:schemaRef ds:uri="http://schemas.openxmlformats.org/package/2006/metadata/core-properties"/>
-    <ds:schemaRef ds:uri="http://purl.org/dc/elements/1.1/"/>
-    <ds:schemaRef ds:uri="http://schemas.microsoft.com/office/2006/metadata/properties"/>
-    <ds:schemaRef ds:uri="514a554b-82b0-4359-b247-fc84018a95f0"/>
-    <ds:schemaRef ds:uri="http://purl.org/dc/terms/"/>
-    <ds:schemaRef ds:uri="http://schemas.microsoft.com/office/2006/documentManagement/types"/>
-    <ds:schemaRef ds:uri="http://schemas.microsoft.com/office/infopath/2007/PartnerControls"/>
-    <ds:schemaRef ds:uri="http://purl.org/dc/dcmitype/"/>
-  </ds:schemaRefs>
-</ds:datastoreItem>
-</file>
-
-<file path=customXml/itemProps3.xml><?xml version="1.0" encoding="utf-8"?>
 <ds:datastoreItem xmlns:ds="http://schemas.openxmlformats.org/officeDocument/2006/customXml" ds:itemID="{41EF0323-6FE8-41A6-BEA1-CC5178579BBD}">
   <ds:schemaRefs>
     <ds:schemaRef ds:uri="http://schemas.microsoft.com/office/2006/metadata/contentType"/>
@@ -29878,4 +36682,21 @@
     <ds:schemaRef ds:uri="http://schemas.microsoft.com/internal/obd"/>
   </ds:schemaRefs>
 </ds:datastoreItem>
+</file>
+
+<file path=customXml/itemProps3.xml><?xml version="1.0" encoding="utf-8"?>
+<ds:datastoreItem xmlns:ds="http://schemas.openxmlformats.org/officeDocument/2006/customXml" ds:itemID="{25DE574B-2CD2-4078-9BEA-2A14717D9698}">
+  <ds:schemaRefs>
+    <ds:schemaRef ds:uri="ef624bc2-1644-4d69-8362-5c28ca496374"/>
+    <ds:schemaRef ds:uri="http://www.w3.org/XML/1998/namespace"/>
+    <ds:schemaRef ds:uri="http://schemas.openxmlformats.org/package/2006/metadata/core-properties"/>
+    <ds:schemaRef ds:uri="http://purl.org/dc/elements/1.1/"/>
+    <ds:schemaRef ds:uri="http://schemas.microsoft.com/office/2006/metadata/properties"/>
+    <ds:schemaRef ds:uri="514a554b-82b0-4359-b247-fc84018a95f0"/>
+    <ds:schemaRef ds:uri="http://purl.org/dc/terms/"/>
+    <ds:schemaRef ds:uri="http://schemas.microsoft.com/office/2006/documentManagement/types"/>
+    <ds:schemaRef ds:uri="http://schemas.microsoft.com/office/infopath/2007/PartnerControls"/>
+    <ds:schemaRef ds:uri="http://purl.org/dc/dcmitype/"/>
+  </ds:schemaRefs>
+</ds:datastoreItem>
 </file>
--- a/Templates/testmercredi.pptx
+++ b/Templates/testmercredi.pptx
@@ -2003,17 +2003,14 @@
               <a:t>Durée d’investissement conseillée : </a:t>
             </a:r>
             <a:r>
+              <a:rPr lang="fr-FR" sz="800" b="1" dirty="0"/>
+              <a:t>&lt;DIC&gt;</a:t>
+            </a:r>
+            <a:r>
               <a:rPr lang="fr-FR" sz="800" b="1" dirty="0">
-                <a:latin typeface="Futura PT" panose="020B0902020204020203" pitchFamily="34" charset="0"/>
-              </a:rPr>
-              <a:t>&lt;DIC&gt;</a:t>
-            </a:r>
-            <a:r>
-              <a:rPr lang="fr-FR" sz="800" b="1" dirty="0">
                 <a:solidFill>
                   <a:srgbClr val="B9A049"/>
                 </a:solidFill>
-                <a:latin typeface="Futura PT" panose="020B0902020204020203" pitchFamily="34" charset="0"/>
               </a:rPr>
               <a:t> </a:t>
             </a:r>
@@ -3473,7 +3470,7 @@
         </p:nvSpPr>
         <p:spPr>
           <a:xfrm>
-            <a:off x="4008562" y="1574957"/>
+            <a:off x="4008562" y="1524157"/>
             <a:ext cx="3189159" cy="2539157"/>
           </a:xfrm>
           <a:prstGeom prst="rect">
@@ -3598,7 +3595,7 @@
                   <a:srgbClr val="00FFFF"/>
                 </a:highlight>
               </a:rPr>
-              <a:t>&lt;TRA.D.P&gt;%</a:t>
+              <a:t>&lt;TRA.D.P&gt;</a:t>
             </a:r>
             <a:r>
               <a:rPr lang="fr-FR" sz="800" baseline="30000" dirty="0"/>
@@ -3617,7 +3614,7 @@
                   <a:srgbClr val="00FFFF"/>
                 </a:highlight>
               </a:rPr>
-              <a:t>&lt;TRA.D.A&gt;%</a:t>
+              <a:t>&lt;TRA.D.A&gt;</a:t>
             </a:r>
             <a:r>
               <a:rPr lang="fr-FR" sz="800" baseline="30000" dirty="0"/>
@@ -3765,7 +3762,7 @@
                 </a:highlight>
                 <a:latin typeface="+mn-lt"/>
               </a:rPr>
-              <a:t>&lt;TRA.RM.P&gt;%</a:t>
+              <a:t>&lt;TRA.RM.P&gt;</a:t>
             </a:r>
             <a:r>
               <a:rPr lang="fr-FR" sz="800" baseline="30000" dirty="0">
@@ -3801,7 +3798,7 @@
                 </a:highlight>
                 <a:latin typeface="+mn-lt"/>
               </a:rPr>
-              <a:t>&lt;TRA.M.SJ&gt;%</a:t>
+              <a:t>&lt;TRA.M.SJ&gt;</a:t>
             </a:r>
             <a:r>
               <a:rPr lang="fr-FR" sz="800" baseline="30000" dirty="0">
@@ -4008,7 +4005,7 @@
                   <a:srgbClr val="00FFFF"/>
                 </a:highlight>
               </a:rPr>
-              <a:t>&lt;TRA.F.P&gt;%</a:t>
+              <a:t>&lt;TRA.F.P&gt;</a:t>
             </a:r>
             <a:r>
               <a:rPr lang="fr-FR" sz="800" baseline="30000" dirty="0">
@@ -4043,7 +4040,7 @@
                   <a:srgbClr val="00FFFF"/>
                 </a:highlight>
               </a:rPr>
-              <a:t>&lt;TRA.F.SJ&gt;%</a:t>
+              <a:t>&lt;TRA.F.SJ&gt;</a:t>
             </a:r>
             <a:r>
               <a:rPr lang="fr-FR" sz="800" baseline="30000" dirty="0">
@@ -21773,7 +21770,7 @@
                 <a:ea typeface="+mn-ea"/>
                 <a:cs typeface="+mn-cs"/>
               </a:rPr>
-              <a:t>n’enregistre pas de baisse de plus de &lt;PDIPERF&gt; par rapport à son &lt;NDR&gt;, l’investisseur accepte de limiter ses gains en cas de forte hausse &lt;SJR7&gt; (Taux de Rendement Annuel net maximum de &lt;TRA.F</a:t>
+              <a:t>n’enregistre pas de baisse de plus de &lt;PDIPERF&gt; par rapport à son &lt;NDR&gt;, l’investisseur accepte de limiter ses gains en cas de forte hausse &lt;SJR7&gt; (Taux de Rendement Annuel net maximum de </a:t>
             </a:r>
             <a:r>
               <a:rPr lang="fr-FR" sz="800" dirty="0">
@@ -21782,10 +21779,10 @@
                 </a:solidFill>
                 <a:latin typeface="Proxima Nova Rg"/>
               </a:rPr>
-              <a:t>.</a:t>
-            </a:r>
-            <a:r>
-              <a:rPr kumimoji="0" lang="fr-FR" sz="800" b="0" i="0" u="none" strike="noStrike" kern="1200" cap="none" spc="0" normalizeH="0" baseline="0" noProof="0" dirty="0">
+              <a:t>&lt;TRA.F.A&gt;(</a:t>
+            </a:r>
+            <a:r>
+              <a:rPr kumimoji="0" lang="fr-FR" sz="800" b="0" i="0" u="none" strike="noStrike" kern="1200" cap="none" spc="0" normalizeH="0" baseline="30000" noProof="0" dirty="0">
                 <a:ln>
                   <a:noFill/>
                 </a:ln>
@@ -21799,24 +21796,7 @@
                 <a:ea typeface="+mn-ea"/>
                 <a:cs typeface="+mn-cs"/>
               </a:rPr>
-              <a:t>A&gt;</a:t>
-            </a:r>
-            <a:r>
-              <a:rPr kumimoji="0" lang="fr-FR" sz="800" b="0" i="0" u="none" strike="noStrike" kern="1200" cap="none" spc="0" normalizeH="0" baseline="30000" noProof="0" dirty="0">
-                <a:ln>
-                  <a:noFill/>
-                </a:ln>
-                <a:solidFill>
-                  <a:schemeClr val="tx1"/>
-                </a:solidFill>
-                <a:effectLst/>
-                <a:uLnTx/>
-                <a:uFillTx/>
-                <a:latin typeface="Proxima Nova Rg"/>
-                <a:ea typeface="+mn-ea"/>
-                <a:cs typeface="+mn-cs"/>
-              </a:rPr>
-              <a:t>(2)</a:t>
+              <a:t>2)</a:t>
             </a:r>
             <a:r>
               <a:rPr kumimoji="0" lang="fr-FR" sz="800" b="0" i="0" u="none" strike="noStrike" kern="1200" cap="none" spc="0" normalizeH="0" baseline="0" noProof="0" dirty="0">
@@ -25893,8 +25873,8 @@
         </p:nvSpPr>
         <p:spPr>
           <a:xfrm>
-            <a:off x="1277442" y="1298007"/>
-            <a:ext cx="5021862" cy="182880"/>
+            <a:off x="1277442" y="1181326"/>
+            <a:ext cx="5021862" cy="492443"/>
           </a:xfrm>
           <a:prstGeom prst="rect">
             <a:avLst/>
@@ -25907,7 +25887,7 @@
           </a:ln>
         </p:spPr>
         <p:txBody>
-          <a:bodyPr wrap="square" lIns="108000" tIns="72000" rIns="108000" bIns="72000" anchor="ctr">
+          <a:bodyPr wrap="square" lIns="108000" tIns="182880" rIns="108000" bIns="182880" anchor="ctr">
             <a:spAutoFit/>
           </a:bodyPr>
           <a:lstStyle>
@@ -27317,8 +27297,8 @@
         </p:nvSpPr>
         <p:spPr>
           <a:xfrm>
-            <a:off x="1028700" y="1821417"/>
-            <a:ext cx="5270604" cy="268517"/>
+            <a:off x="1028700" y="1709454"/>
+            <a:ext cx="5270604" cy="492443"/>
           </a:xfrm>
           <a:prstGeom prst="rect">
             <a:avLst/>
@@ -27331,7 +27311,7 @@
           </a:ln>
         </p:spPr>
         <p:txBody>
-          <a:bodyPr wrap="square" lIns="108000" tIns="72000" rIns="108000" bIns="72000" anchor="ctr">
+          <a:bodyPr wrap="square" lIns="108000" tIns="182880" rIns="108000" bIns="182880" anchor="ctr">
             <a:spAutoFit/>
           </a:bodyPr>
           <a:lstStyle>
@@ -28085,8 +28065,8 @@
         </p:nvSpPr>
         <p:spPr>
           <a:xfrm>
-            <a:off x="1486485" y="5474452"/>
-            <a:ext cx="5025383" cy="394705"/>
+            <a:off x="1028701" y="5441554"/>
+            <a:ext cx="5483168" cy="460502"/>
           </a:xfrm>
           <a:prstGeom prst="rect">
             <a:avLst/>
@@ -28101,7 +28081,7 @@
           </a:ln>
         </p:spPr>
         <p:txBody>
-          <a:bodyPr lIns="108000" tIns="72000" rIns="108000" bIns="72000" anchor="ctr">
+          <a:bodyPr wrap="square" lIns="108000" tIns="137160" rIns="108000" bIns="72000" anchor="ctr">
             <a:spAutoFit/>
           </a:bodyPr>
           <a:lstStyle>
@@ -29376,7 +29356,7 @@
                   <a:srgbClr val="00FFFF"/>
                 </a:highlight>
               </a:rPr>
-              <a:t>&lt;TRA.EM.P&gt; &lt;TRA.MRE.MIN.PM&gt;</a:t>
+              <a:t>&lt;TRA.MRE.MIN.PM&gt;</a:t>
             </a:r>
             <a:r>
               <a:rPr lang="fr-FR" sz="800" baseline="30000" dirty="0"/>
@@ -30048,29 +30028,7 @@
             </a:pPr>
             <a:r>
               <a:rPr lang="fr-FR" sz="800" dirty="0"/>
-              <a:t>(Soit un Taux de Rendement Annuel net inférieur ou égal à </a:t>
-            </a:r>
-            <a:r>
-              <a:rPr lang="fr-FR" sz="800" dirty="0">
-                <a:highlight>
-                  <a:srgbClr val="00FFFF"/>
-                </a:highlight>
-              </a:rPr>
-              <a:t>&lt;TRA.MRD.P&gt;</a:t>
-            </a:r>
-            <a:r>
-              <a:rPr lang="fr-FR" sz="800" baseline="30000" dirty="0">
-                <a:latin typeface="+mn-lt"/>
-              </a:rPr>
-              <a:t>(</a:t>
-            </a:r>
-            <a:r>
-              <a:rPr lang="fr-FR" sz="800" baseline="30000" dirty="0"/>
-              <a:t>2)</a:t>
-            </a:r>
-            <a:r>
-              <a:rPr lang="fr-FR" sz="800" dirty="0"/>
-              <a:t>) &lt;TRA.MED.P&gt;% &lt;TRA.MRD.P&gt;</a:t>
+              <a:t>(Soit un Taux de Rendement Annuel net inférieur ou égal à &lt;TRA.MED.P&gt;</a:t>
             </a:r>
           </a:p>
           <a:p>
@@ -30364,8 +30322,8 @@
         </p:nvSpPr>
         <p:spPr>
           <a:xfrm>
-            <a:off x="1163900" y="2781191"/>
-            <a:ext cx="5030802" cy="760959"/>
+            <a:off x="1163900" y="2842746"/>
+            <a:ext cx="5030802" cy="637849"/>
           </a:xfrm>
           <a:prstGeom prst="rect">
             <a:avLst/>
@@ -30610,7 +30568,7 @@
                   <a:srgbClr val="00FFFF"/>
                 </a:highlight>
               </a:rPr>
-              <a:t>&lt;TRA.MRA.MIN.PM&gt;%</a:t>
+              <a:t>&lt;TRA.MRA.MIN.PM&gt;</a:t>
             </a:r>
             <a:r>
               <a:rPr lang="fr-FR" sz="800" baseline="30000" dirty="0"/>
@@ -30634,7 +30592,7 @@
             </a:r>
             <a:r>
               <a:rPr lang="fr-FR" sz="800" dirty="0"/>
-              <a:t>)     &lt;TRA.TOUT-1.P&gt;  &lt;TRA.TOUT-1.P&gt;%</a:t>
+              <a:t>)</a:t>
             </a:r>
           </a:p>
         </p:txBody>
@@ -33633,7 +33591,7 @@
                   <a:srgbClr val="000000"/>
                 </a:solidFill>
               </a:rPr>
-              <a:t>(soit un Taux de Rendement Annuel net maximum de de </a:t>
+              <a:t>(soit un Taux de Rendement Annuel net maximum de de de </a:t>
             </a:r>
             <a:r>
               <a:rPr lang="fr-FR" sz="800" dirty="0">
@@ -33644,21 +33602,10 @@
                   <a:srgbClr val="00FFFF"/>
                 </a:highlight>
               </a:rPr>
-              <a:t>&lt;TRA.TOUT.</a:t>
-            </a:r>
-            <a:r>
-              <a:rPr lang="fr-FR" sz="800">
-                <a:solidFill>
-                  <a:srgbClr val="000000"/>
-                </a:solidFill>
-                <a:highlight>
-                  <a:srgbClr val="00FFFF"/>
-                </a:highlight>
-              </a:rPr>
-              <a:t>P&gt;</a:t>
-            </a:r>
-            <a:r>
-              <a:rPr lang="fr-FR" sz="800" baseline="30000">
+              <a:t>&lt;TRA.TOUT.P&gt;</a:t>
+            </a:r>
+            <a:r>
+              <a:rPr lang="fr-FR" sz="800" baseline="30000" dirty="0">
                 <a:solidFill>
                   <a:srgbClr val="000000"/>
                 </a:solidFill>
@@ -36418,15 +36365,6 @@
 </file>
 
 <file path=customXml/item1.xml><?xml version="1.0" encoding="utf-8"?>
-<?mso-contentType ?>
-<FormTemplates xmlns="http://schemas.microsoft.com/sharepoint/v3/contenttype/forms">
-  <Display>DocumentLibraryForm</Display>
-  <Edit>DocumentLibraryForm</Edit>
-  <New>DocumentLibraryForm</New>
-</FormTemplates>
-</file>
-
-<file path=customXml/item2.xml><?xml version="1.0" encoding="utf-8"?>
 <ct:contentTypeSchema xmlns:ct="http://schemas.microsoft.com/office/2006/metadata/contentType" xmlns:ma="http://schemas.microsoft.com/office/2006/metadata/properties/metaAttributes" ct:_="" ma:_="" ma:contentTypeName="Document" ma:contentTypeID="0x0101005DDE610BC516E448BB8152259F39635A" ma:contentTypeVersion="13" ma:contentTypeDescription="Crée un document." ma:contentTypeScope="" ma:versionID="4e51a0dab1f5d4663d954168d546c586">
   <xsd:schema xmlns:xsd="http://www.w3.org/2001/XMLSchema" xmlns:xs="http://www.w3.org/2001/XMLSchema" xmlns:p="http://schemas.microsoft.com/office/2006/metadata/properties" xmlns:ns2="ef624bc2-1644-4d69-8362-5c28ca496374" xmlns:ns3="514a554b-82b0-4359-b247-fc84018a95f0" targetNamespace="http://schemas.microsoft.com/office/2006/metadata/properties" ma:root="true" ma:fieldsID="d7b51e5f287975310341ecd8502634d3" ns2:_="" ns3:_="">
     <xsd:import namespace="ef624bc2-1644-4d69-8362-5c28ca496374"/>
@@ -36649,6 +36587,15 @@
 </ct:contentTypeSchema>
 </file>
 
+<file path=customXml/item2.xml><?xml version="1.0" encoding="utf-8"?>
+<?mso-contentType ?>
+<FormTemplates xmlns="http://schemas.microsoft.com/sharepoint/v3/contenttype/forms">
+  <Display>DocumentLibraryForm</Display>
+  <Edit>DocumentLibraryForm</Edit>
+  <New>DocumentLibraryForm</New>
+</FormTemplates>
+</file>
+
 <file path=customXml/item3.xml><?xml version="1.0" encoding="utf-8"?>
 <p:properties xmlns:p="http://schemas.microsoft.com/office/2006/metadata/properties" xmlns:xsi="http://www.w3.org/2001/XMLSchema-instance" xmlns:pc="http://schemas.microsoft.com/office/infopath/2007/PartnerControls">
   <documentManagement>
@@ -36658,14 +36605,6 @@
 </file>
 
 <file path=customXml/itemProps1.xml><?xml version="1.0" encoding="utf-8"?>
-<ds:datastoreItem xmlns:ds="http://schemas.openxmlformats.org/officeDocument/2006/customXml" ds:itemID="{B00FC41E-FBDE-42E2-B58A-20EBD240A376}">
-  <ds:schemaRefs>
-    <ds:schemaRef ds:uri="http://schemas.microsoft.com/sharepoint/v3/contenttype/forms"/>
-  </ds:schemaRefs>
-</ds:datastoreItem>
-</file>
-
-<file path=customXml/itemProps2.xml><?xml version="1.0" encoding="utf-8"?>
 <ds:datastoreItem xmlns:ds="http://schemas.openxmlformats.org/officeDocument/2006/customXml" ds:itemID="{41EF0323-6FE8-41A6-BEA1-CC5178579BBD}">
   <ds:schemaRefs>
     <ds:schemaRef ds:uri="http://schemas.microsoft.com/office/2006/metadata/contentType"/>
@@ -36680,6 +36619,14 @@
     <ds:schemaRef ds:uri="http://purl.org/dc/elements/1.1/"/>
     <ds:schemaRef ds:uri="http://purl.org/dc/terms/"/>
     <ds:schemaRef ds:uri="http://schemas.microsoft.com/internal/obd"/>
+  </ds:schemaRefs>
+</ds:datastoreItem>
+</file>
+
+<file path=customXml/itemProps2.xml><?xml version="1.0" encoding="utf-8"?>
+<ds:datastoreItem xmlns:ds="http://schemas.openxmlformats.org/officeDocument/2006/customXml" ds:itemID="{B00FC41E-FBDE-42E2-B58A-20EBD240A376}">
+  <ds:schemaRefs>
+    <ds:schemaRef ds:uri="http://schemas.microsoft.com/sharepoint/v3/contenttype/forms"/>
   </ds:schemaRefs>
 </ds:datastoreItem>
 </file>

--- a/Templates/testmercredi.pptx
+++ b/Templates/testmercredi.pptx
@@ -238,7 +238,7 @@
           <a:p>
             <a:fld id="{515CCE07-1711-4DC7-A7D8-7ED312C82FB8}" type="datetimeFigureOut">
               <a:rPr lang="fr-FR" smtClean="0"/>
-              <a:t>20/05/2022</a:t>
+              <a:t>23/05/2022</a:t>
             </a:fld>
             <a:endParaRPr lang="fr-FR"/>
           </a:p>
@@ -403,7 +403,7 @@
           <a:p>
             <a:fld id="{014ABEAC-8B63-4BD1-9569-A14EB8752A94}" type="datetimeFigureOut">
               <a:rPr lang="fr-FR" smtClean="0"/>
-              <a:t>20/05/2022</a:t>
+              <a:t>23/05/2022</a:t>
             </a:fld>
             <a:endParaRPr lang="fr-FR"/>
           </a:p>
@@ -6166,7 +6166,7 @@
           <p:nvPr>
             <p:extLst>
               <p:ext uri="{D42A27DB-BD31-4B8C-83A1-F6EECF244321}">
-                <p14:modId xmlns:p14="http://schemas.microsoft.com/office/powerpoint/2010/main" val="2018787666"/>
+                <p14:modId xmlns:p14="http://schemas.microsoft.com/office/powerpoint/2010/main" val="4115707583"/>
               </p:ext>
             </p:extLst>
           </p:nvPr>
@@ -9752,7 +9752,7 @@
                         <a:defRPr/>
                       </a:pPr>
                       <a:r>
-                        <a:rPr lang="fr-FR" sz="700" b="0" i="0" kern="1200" dirty="0">
+                        <a:rPr lang="fr-FR" sz="700" b="0" i="0" kern="1200">
                           <a:solidFill>
                             <a:schemeClr val="tx1"/>
                           </a:solidFill>
@@ -9765,6 +9765,17 @@
                         </a:rPr>
                         <a:t>&lt;Datesconstatations1&gt;</a:t>
                       </a:r>
+                      <a:endParaRPr lang="fr-FR" sz="700" b="0" i="0" kern="1200" dirty="0">
+                        <a:solidFill>
+                          <a:schemeClr val="tx1"/>
+                        </a:solidFill>
+                        <a:highlight>
+                          <a:srgbClr val="00FFFF"/>
+                        </a:highlight>
+                        <a:latin typeface="+mn-lt"/>
+                        <a:ea typeface="+mn-ea"/>
+                        <a:cs typeface="+mn-cs"/>
+                      </a:endParaRPr>
                     </a:p>
                   </a:txBody>
                   <a:tcPr marL="72000" marR="72000" marT="46800" marB="46800" anchor="ctr" horzOverflow="overflow">
@@ -13259,7 +13270,7 @@
           <p:nvPr>
             <p:extLst>
               <p:ext uri="{D42A27DB-BD31-4B8C-83A1-F6EECF244321}">
-                <p14:modId xmlns:p14="http://schemas.microsoft.com/office/powerpoint/2010/main" val="1137634670"/>
+                <p14:modId xmlns:p14="http://schemas.microsoft.com/office/powerpoint/2010/main" val="1455076025"/>
               </p:ext>
             </p:extLst>
           </p:nvPr>
@@ -16845,7 +16856,7 @@
                         <a:defRPr/>
                       </a:pPr>
                       <a:r>
-                        <a:rPr lang="fr-FR" sz="700" b="0" i="0" kern="1200">
+                        <a:rPr lang="fr-FR" sz="700" b="0" i="0" kern="1200" dirty="0">
                           <a:solidFill>
                             <a:schemeClr val="tx1"/>
                           </a:solidFill>
@@ -16856,19 +16867,8 @@
                           <a:ea typeface="+mn-ea"/>
                           <a:cs typeface="+mn-cs"/>
                         </a:rPr>
-                        <a:t>&lt;Datesconstatations1&gt;</a:t>
+                        <a:t>&lt;Datesconstatations3&gt;</a:t>
                       </a:r>
-                      <a:endParaRPr lang="fr-FR" sz="700" b="0" i="0" kern="1200" dirty="0">
-                        <a:solidFill>
-                          <a:schemeClr val="tx1"/>
-                        </a:solidFill>
-                        <a:highlight>
-                          <a:srgbClr val="00FFFF"/>
-                        </a:highlight>
-                        <a:latin typeface="+mn-lt"/>
-                        <a:ea typeface="+mn-ea"/>
-                        <a:cs typeface="+mn-cs"/>
-                      </a:endParaRPr>
                     </a:p>
                   </a:txBody>
                   <a:tcPr marL="72000" marR="72000" marT="46800" marB="46800" anchor="ctr" horzOverflow="overflow">
@@ -20729,7 +20729,7 @@
         <p:spPr>
           <a:xfrm>
             <a:off x="458462" y="974579"/>
-            <a:ext cx="6741374" cy="3830279"/>
+            <a:ext cx="6741374" cy="3761030"/>
           </a:xfrm>
           <a:prstGeom prst="rect">
             <a:avLst/>
@@ -21554,7 +21554,7 @@
                 <a:ea typeface="+mn-ea"/>
                 <a:cs typeface="+mn-cs"/>
               </a:rPr>
-              <a:t>ou égal à &lt;ABAC&gt; &lt;balisedeg1&gt;</a:t>
+              <a:t>ou égal à &lt;BCPN&gt; &lt;balisedeg1&gt;</a:t>
             </a:r>
             <a:r>
               <a:rPr kumimoji="0" lang="fr-FR" sz="800" b="0" i="0" u="none" strike="noStrike" kern="1200" cap="none" spc="0" normalizeH="0" baseline="0" noProof="0" dirty="0">
@@ -33656,7 +33656,7 @@
               <a:buChar char="•"/>
             </a:pPr>
             <a:r>
-              <a:rPr lang="fr-FR" sz="800" b="1" dirty="0">
+              <a:rPr lang="fr-FR" sz="800" dirty="0">
                 <a:solidFill>
                   <a:srgbClr val="000000"/>
                 </a:solidFill>
@@ -33664,7 +33664,7 @@
               <a:t>Le rendement de « &lt;NOM&gt; » est très sensible à une faible variation du &lt;SJR3&gt; de clôture &lt;SJR7&gt; autour du seuil de </a:t>
             </a:r>
             <a:r>
-              <a:rPr lang="fr-FR" sz="800" b="1" dirty="0">
+              <a:rPr lang="fr-FR" sz="800" dirty="0">
                 <a:solidFill>
                   <a:srgbClr val="000000"/>
                 </a:solidFill>
@@ -33674,18 +33674,25 @@
               <a:t>&lt;ABAC2&gt; &lt;EBAC&gt; &lt;DESONNDR&gt; </a:t>
             </a:r>
             <a:r>
-              <a:rPr lang="fr-FR" sz="800" b="1" dirty="0">
+              <a:rPr lang="fr-FR" sz="800" dirty="0">
                 <a:effectLst/>
                 <a:ea typeface="Calibri" panose="020F0502020204030204" pitchFamily="34" charset="0"/>
               </a:rPr>
               <a:t>en cours de vie, et des seuils de &lt;BFP&gt; et &lt;PDI&gt; de son &lt;NDR&gt; à la date de constatation finale</a:t>
+            </a:r>
+            <a:r>
+              <a:rPr lang="fr-FR" sz="800" baseline="30000" dirty="0">
+                <a:effectLst/>
+                <a:ea typeface="Calibri" panose="020F0502020204030204" pitchFamily="34" charset="0"/>
+              </a:rPr>
+              <a:t>(1</a:t>
             </a:r>
             <a:r>
               <a:rPr lang="fr-FR" sz="800" b="1" baseline="30000" dirty="0">
                 <a:effectLst/>
                 <a:ea typeface="Calibri" panose="020F0502020204030204" pitchFamily="34" charset="0"/>
               </a:rPr>
-              <a:t>(1)</a:t>
+              <a:t>)</a:t>
             </a:r>
             <a:r>
               <a:rPr lang="fr-FR" sz="800" b="1" dirty="0">
@@ -36365,6 +36372,15 @@
 </file>
 
 <file path=customXml/item1.xml><?xml version="1.0" encoding="utf-8"?>
+<?mso-contentType ?>
+<FormTemplates xmlns="http://schemas.microsoft.com/sharepoint/v3/contenttype/forms">
+  <Display>DocumentLibraryForm</Display>
+  <Edit>DocumentLibraryForm</Edit>
+  <New>DocumentLibraryForm</New>
+</FormTemplates>
+</file>
+
+<file path=customXml/item2.xml><?xml version="1.0" encoding="utf-8"?>
 <ct:contentTypeSchema xmlns:ct="http://schemas.microsoft.com/office/2006/metadata/contentType" xmlns:ma="http://schemas.microsoft.com/office/2006/metadata/properties/metaAttributes" ct:_="" ma:_="" ma:contentTypeName="Document" ma:contentTypeID="0x0101005DDE610BC516E448BB8152259F39635A" ma:contentTypeVersion="13" ma:contentTypeDescription="Crée un document." ma:contentTypeScope="" ma:versionID="4e51a0dab1f5d4663d954168d546c586">
   <xsd:schema xmlns:xsd="http://www.w3.org/2001/XMLSchema" xmlns:xs="http://www.w3.org/2001/XMLSchema" xmlns:p="http://schemas.microsoft.com/office/2006/metadata/properties" xmlns:ns2="ef624bc2-1644-4d69-8362-5c28ca496374" xmlns:ns3="514a554b-82b0-4359-b247-fc84018a95f0" targetNamespace="http://schemas.microsoft.com/office/2006/metadata/properties" ma:root="true" ma:fieldsID="d7b51e5f287975310341ecd8502634d3" ns2:_="" ns3:_="">
     <xsd:import namespace="ef624bc2-1644-4d69-8362-5c28ca496374"/>
@@ -36587,15 +36603,6 @@
 </ct:contentTypeSchema>
 </file>
 
-<file path=customXml/item2.xml><?xml version="1.0" encoding="utf-8"?>
-<?mso-contentType ?>
-<FormTemplates xmlns="http://schemas.microsoft.com/sharepoint/v3/contenttype/forms">
-  <Display>DocumentLibraryForm</Display>
-  <Edit>DocumentLibraryForm</Edit>
-  <New>DocumentLibraryForm</New>
-</FormTemplates>
-</file>
-
 <file path=customXml/item3.xml><?xml version="1.0" encoding="utf-8"?>
 <p:properties xmlns:p="http://schemas.microsoft.com/office/2006/metadata/properties" xmlns:xsi="http://www.w3.org/2001/XMLSchema-instance" xmlns:pc="http://schemas.microsoft.com/office/infopath/2007/PartnerControls">
   <documentManagement>
@@ -36605,6 +36612,14 @@
 </file>
 
 <file path=customXml/itemProps1.xml><?xml version="1.0" encoding="utf-8"?>
+<ds:datastoreItem xmlns:ds="http://schemas.openxmlformats.org/officeDocument/2006/customXml" ds:itemID="{B00FC41E-FBDE-42E2-B58A-20EBD240A376}">
+  <ds:schemaRefs>
+    <ds:schemaRef ds:uri="http://schemas.microsoft.com/sharepoint/v3/contenttype/forms"/>
+  </ds:schemaRefs>
+</ds:datastoreItem>
+</file>
+
+<file path=customXml/itemProps2.xml><?xml version="1.0" encoding="utf-8"?>
 <ds:datastoreItem xmlns:ds="http://schemas.openxmlformats.org/officeDocument/2006/customXml" ds:itemID="{41EF0323-6FE8-41A6-BEA1-CC5178579BBD}">
   <ds:schemaRefs>
     <ds:schemaRef ds:uri="http://schemas.microsoft.com/office/2006/metadata/contentType"/>
@@ -36619,14 +36634,6 @@
     <ds:schemaRef ds:uri="http://purl.org/dc/elements/1.1/"/>
     <ds:schemaRef ds:uri="http://purl.org/dc/terms/"/>
     <ds:schemaRef ds:uri="http://schemas.microsoft.com/internal/obd"/>
-  </ds:schemaRefs>
-</ds:datastoreItem>
-</file>
-
-<file path=customXml/itemProps2.xml><?xml version="1.0" encoding="utf-8"?>
-<ds:datastoreItem xmlns:ds="http://schemas.openxmlformats.org/officeDocument/2006/customXml" ds:itemID="{B00FC41E-FBDE-42E2-B58A-20EBD240A376}">
-  <ds:schemaRefs>
-    <ds:schemaRef ds:uri="http://schemas.microsoft.com/sharepoint/v3/contenttype/forms"/>
   </ds:schemaRefs>
 </ds:datastoreItem>
 </file>

--- a/Templates/testmercredi.pptx
+++ b/Templates/testmercredi.pptx
@@ -238,7 +238,7 @@
           <a:p>
             <a:fld id="{515CCE07-1711-4DC7-A7D8-7ED312C82FB8}" type="datetimeFigureOut">
               <a:rPr lang="fr-FR" smtClean="0"/>
-              <a:t>23/05/2022</a:t>
+              <a:t>25/05/2022</a:t>
             </a:fld>
             <a:endParaRPr lang="fr-FR"/>
           </a:p>
@@ -403,7 +403,7 @@
           <a:p>
             <a:fld id="{014ABEAC-8B63-4BD1-9569-A14EB8752A94}" type="datetimeFigureOut">
               <a:rPr lang="fr-FR" smtClean="0"/>
-              <a:t>23/05/2022</a:t>
+              <a:t>25/05/2022</a:t>
             </a:fld>
             <a:endParaRPr lang="fr-FR"/>
           </a:p>
@@ -6166,7 +6166,7 @@
           <p:nvPr>
             <p:extLst>
               <p:ext uri="{D42A27DB-BD31-4B8C-83A1-F6EECF244321}">
-                <p14:modId xmlns:p14="http://schemas.microsoft.com/office/powerpoint/2010/main" val="4115707583"/>
+                <p14:modId xmlns:p14="http://schemas.microsoft.com/office/powerpoint/2010/main" val="3800238041"/>
               </p:ext>
             </p:extLst>
           </p:nvPr>
@@ -9752,7 +9752,7 @@
                         <a:defRPr/>
                       </a:pPr>
                       <a:r>
-                        <a:rPr lang="fr-FR" sz="700" b="0" i="0" kern="1200">
+                        <a:rPr lang="fr-FR" sz="700" b="0" i="0" kern="1200" dirty="0">
                           <a:solidFill>
                             <a:schemeClr val="tx1"/>
                           </a:solidFill>
@@ -9763,19 +9763,36 @@
                           <a:ea typeface="+mn-ea"/>
                           <a:cs typeface="+mn-cs"/>
                         </a:rPr>
-                        <a:t>&lt;Datesconstatations1&gt;</a:t>
+                        <a:t>&lt;</a:t>
                       </a:r>
-                      <a:endParaRPr lang="fr-FR" sz="700" b="0" i="0" kern="1200" dirty="0">
-                        <a:solidFill>
-                          <a:schemeClr val="tx1"/>
-                        </a:solidFill>
-                        <a:highlight>
-                          <a:srgbClr val="00FFFF"/>
-                        </a:highlight>
-                        <a:latin typeface="+mn-lt"/>
-                        <a:ea typeface="+mn-ea"/>
-                        <a:cs typeface="+mn-cs"/>
-                      </a:endParaRPr>
+                      <a:r>
+                        <a:rPr lang="fr-FR" sz="700" b="0" i="0" kern="1200" dirty="0" err="1">
+                          <a:solidFill>
+                            <a:schemeClr val="tx1"/>
+                          </a:solidFill>
+                          <a:highlight>
+                            <a:srgbClr val="00FFFF"/>
+                          </a:highlight>
+                          <a:latin typeface="+mn-lt"/>
+                          <a:ea typeface="+mn-ea"/>
+                          <a:cs typeface="+mn-cs"/>
+                        </a:rPr>
+                        <a:t>dates_constat_autocall</a:t>
+                      </a:r>
+                      <a:r>
+                        <a:rPr lang="fr-FR" sz="700" b="0" i="0" kern="1200" dirty="0">
+                          <a:solidFill>
+                            <a:schemeClr val="tx1"/>
+                          </a:solidFill>
+                          <a:highlight>
+                            <a:srgbClr val="00FFFF"/>
+                          </a:highlight>
+                          <a:latin typeface="+mn-lt"/>
+                          <a:ea typeface="+mn-ea"/>
+                          <a:cs typeface="+mn-cs"/>
+                        </a:rPr>
+                        <a:t>&gt;</a:t>
+                      </a:r>
                     </a:p>
                   </a:txBody>
                   <a:tcPr marL="72000" marR="72000" marT="46800" marB="46800" anchor="ctr" horzOverflow="overflow">
@@ -9953,6 +9970,20 @@
                       <a:r>
                         <a:rPr lang="fr-FR" sz="700" b="0" i="0" kern="1200" dirty="0">
                           <a:solidFill>
+                            <a:srgbClr val="FF0000"/>
+                          </a:solidFill>
+                          <a:highlight>
+                            <a:srgbClr val="00FFFF"/>
+                          </a:highlight>
+                          <a:latin typeface="+mn-lt"/>
+                          <a:ea typeface="+mn-ea"/>
+                          <a:cs typeface="+mn-cs"/>
+                        </a:rPr>
+                        <a:t>&lt;</a:t>
+                      </a:r>
+                      <a:r>
+                        <a:rPr lang="fr-FR" sz="700" b="0" i="0" kern="1200" baseline="0" dirty="0" err="1">
+                          <a:solidFill>
                             <a:schemeClr val="tx1"/>
                           </a:solidFill>
                           <a:highlight>
@@ -9962,7 +9993,21 @@
                           <a:ea typeface="+mn-ea"/>
                           <a:cs typeface="+mn-cs"/>
                         </a:rPr>
-                        <a:t>&lt;Datesremb1&gt;</a:t>
+                        <a:t>dates_paiement_autocall</a:t>
+                      </a:r>
+                      <a:r>
+                        <a:rPr lang="fr-FR" sz="700" b="0" i="0" kern="1200" baseline="0" dirty="0">
+                          <a:solidFill>
+                            <a:schemeClr val="tx1"/>
+                          </a:solidFill>
+                          <a:highlight>
+                            <a:srgbClr val="00FFFF"/>
+                          </a:highlight>
+                          <a:latin typeface="+mn-lt"/>
+                          <a:ea typeface="+mn-ea"/>
+                          <a:cs typeface="+mn-cs"/>
+                        </a:rPr>
+                        <a:t>&gt;</a:t>
                       </a:r>
                     </a:p>
                   </a:txBody>
@@ -13270,7 +13315,7 @@
           <p:nvPr>
             <p:extLst>
               <p:ext uri="{D42A27DB-BD31-4B8C-83A1-F6EECF244321}">
-                <p14:modId xmlns:p14="http://schemas.microsoft.com/office/powerpoint/2010/main" val="1455076025"/>
+                <p14:modId xmlns:p14="http://schemas.microsoft.com/office/powerpoint/2010/main" val="2012834819"/>
               </p:ext>
             </p:extLst>
           </p:nvPr>
@@ -16867,7 +16912,35 @@
                           <a:ea typeface="+mn-ea"/>
                           <a:cs typeface="+mn-cs"/>
                         </a:rPr>
-                        <a:t>&lt;Datesconstatations3&gt;</a:t>
+                        <a:t>&lt;</a:t>
+                      </a:r>
+                      <a:r>
+                        <a:rPr lang="fr-FR" sz="700" b="0" i="0" kern="1200" dirty="0" err="1">
+                          <a:solidFill>
+                            <a:schemeClr val="tx1"/>
+                          </a:solidFill>
+                          <a:highlight>
+                            <a:srgbClr val="00FFFF"/>
+                          </a:highlight>
+                          <a:latin typeface="+mn-lt"/>
+                          <a:ea typeface="+mn-ea"/>
+                          <a:cs typeface="+mn-cs"/>
+                        </a:rPr>
+                        <a:t>dates_constat_phoenix</a:t>
+                      </a:r>
+                      <a:r>
+                        <a:rPr lang="fr-FR" sz="700" b="0" i="0" kern="1200" dirty="0">
+                          <a:solidFill>
+                            <a:schemeClr val="tx1"/>
+                          </a:solidFill>
+                          <a:highlight>
+                            <a:srgbClr val="00FFFF"/>
+                          </a:highlight>
+                          <a:latin typeface="+mn-lt"/>
+                          <a:ea typeface="+mn-ea"/>
+                          <a:cs typeface="+mn-cs"/>
+                        </a:rPr>
+                        <a:t>&gt;</a:t>
                       </a:r>
                     </a:p>
                   </a:txBody>
@@ -17055,7 +17128,35 @@
                           <a:ea typeface="+mn-ea"/>
                           <a:cs typeface="+mn-cs"/>
                         </a:rPr>
-                        <a:t>&lt;Datespaiement1&gt;</a:t>
+                        <a:t>&lt;</a:t>
+                      </a:r>
+                      <a:r>
+                        <a:rPr lang="fr-FR" sz="700" b="0" i="0" kern="1200" dirty="0" err="1">
+                          <a:solidFill>
+                            <a:schemeClr val="tx1"/>
+                          </a:solidFill>
+                          <a:highlight>
+                            <a:srgbClr val="00FFFF"/>
+                          </a:highlight>
+                          <a:latin typeface="+mn-lt"/>
+                          <a:ea typeface="+mn-ea"/>
+                          <a:cs typeface="+mn-cs"/>
+                        </a:rPr>
+                        <a:t>dates_paiement_phoenix</a:t>
+                      </a:r>
+                      <a:r>
+                        <a:rPr lang="fr-FR" sz="700" b="0" i="0" kern="1200" dirty="0">
+                          <a:solidFill>
+                            <a:schemeClr val="tx1"/>
+                          </a:solidFill>
+                          <a:highlight>
+                            <a:srgbClr val="00FFFF"/>
+                          </a:highlight>
+                          <a:latin typeface="+mn-lt"/>
+                          <a:ea typeface="+mn-ea"/>
+                          <a:cs typeface="+mn-cs"/>
+                        </a:rPr>
+                        <a:t>&gt;</a:t>
                       </a:r>
                     </a:p>
                   </a:txBody>
@@ -17243,8 +17344,47 @@
                           <a:ea typeface="+mn-ea"/>
                           <a:cs typeface="+mn-cs"/>
                         </a:rPr>
-                        <a:t>&lt;Datesremb1&gt;</a:t>
+                        <a:t>&lt;</a:t>
                       </a:r>
+                      <a:r>
+                        <a:rPr lang="fr-FR" sz="700" b="0" i="0" kern="1200" dirty="0" err="1">
+                          <a:solidFill>
+                            <a:schemeClr val="tx1"/>
+                          </a:solidFill>
+                          <a:highlight>
+                            <a:srgbClr val="00FFFF"/>
+                          </a:highlight>
+                          <a:latin typeface="+mn-lt"/>
+                          <a:ea typeface="+mn-ea"/>
+                          <a:cs typeface="+mn-cs"/>
+                        </a:rPr>
+                        <a:t>dates_last_remboursement_rappel</a:t>
+                      </a:r>
+                      <a:r>
+                        <a:rPr lang="fr-FR" sz="700" b="0" i="0" kern="1200">
+                          <a:solidFill>
+                            <a:schemeClr val="tx1"/>
+                          </a:solidFill>
+                          <a:highlight>
+                            <a:srgbClr val="00FFFF"/>
+                          </a:highlight>
+                          <a:latin typeface="+mn-lt"/>
+                          <a:ea typeface="+mn-ea"/>
+                          <a:cs typeface="+mn-cs"/>
+                        </a:rPr>
+                        <a:t>&gt;</a:t>
+                      </a:r>
+                      <a:endParaRPr lang="fr-FR" sz="700" b="0" i="0" kern="1200" dirty="0">
+                        <a:solidFill>
+                          <a:schemeClr val="tx1"/>
+                        </a:solidFill>
+                        <a:highlight>
+                          <a:srgbClr val="00FFFF"/>
+                        </a:highlight>
+                        <a:latin typeface="+mn-lt"/>
+                        <a:ea typeface="+mn-ea"/>
+                        <a:cs typeface="+mn-cs"/>
+                      </a:endParaRPr>
                     </a:p>
                   </a:txBody>
                   <a:tcPr marL="72000" marR="72000" marT="46800" marB="46800" anchor="ctr" horzOverflow="overflow">
@@ -36372,15 +36512,6 @@
 </file>
 
 <file path=customXml/item1.xml><?xml version="1.0" encoding="utf-8"?>
-<?mso-contentType ?>
-<FormTemplates xmlns="http://schemas.microsoft.com/sharepoint/v3/contenttype/forms">
-  <Display>DocumentLibraryForm</Display>
-  <Edit>DocumentLibraryForm</Edit>
-  <New>DocumentLibraryForm</New>
-</FormTemplates>
-</file>
-
-<file path=customXml/item2.xml><?xml version="1.0" encoding="utf-8"?>
 <ct:contentTypeSchema xmlns:ct="http://schemas.microsoft.com/office/2006/metadata/contentType" xmlns:ma="http://schemas.microsoft.com/office/2006/metadata/properties/metaAttributes" ct:_="" ma:_="" ma:contentTypeName="Document" ma:contentTypeID="0x0101005DDE610BC516E448BB8152259F39635A" ma:contentTypeVersion="13" ma:contentTypeDescription="Crée un document." ma:contentTypeScope="" ma:versionID="4e51a0dab1f5d4663d954168d546c586">
   <xsd:schema xmlns:xsd="http://www.w3.org/2001/XMLSchema" xmlns:xs="http://www.w3.org/2001/XMLSchema" xmlns:p="http://schemas.microsoft.com/office/2006/metadata/properties" xmlns:ns2="ef624bc2-1644-4d69-8362-5c28ca496374" xmlns:ns3="514a554b-82b0-4359-b247-fc84018a95f0" targetNamespace="http://schemas.microsoft.com/office/2006/metadata/properties" ma:root="true" ma:fieldsID="d7b51e5f287975310341ecd8502634d3" ns2:_="" ns3:_="">
     <xsd:import namespace="ef624bc2-1644-4d69-8362-5c28ca496374"/>
@@ -36603,6 +36734,15 @@
 </ct:contentTypeSchema>
 </file>
 
+<file path=customXml/item2.xml><?xml version="1.0" encoding="utf-8"?>
+<?mso-contentType ?>
+<FormTemplates xmlns="http://schemas.microsoft.com/sharepoint/v3/contenttype/forms">
+  <Display>DocumentLibraryForm</Display>
+  <Edit>DocumentLibraryForm</Edit>
+  <New>DocumentLibraryForm</New>
+</FormTemplates>
+</file>
+
 <file path=customXml/item3.xml><?xml version="1.0" encoding="utf-8"?>
 <p:properties xmlns:p="http://schemas.microsoft.com/office/2006/metadata/properties" xmlns:xsi="http://www.w3.org/2001/XMLSchema-instance" xmlns:pc="http://schemas.microsoft.com/office/infopath/2007/PartnerControls">
   <documentManagement>
@@ -36612,14 +36752,6 @@
 </file>
 
 <file path=customXml/itemProps1.xml><?xml version="1.0" encoding="utf-8"?>
-<ds:datastoreItem xmlns:ds="http://schemas.openxmlformats.org/officeDocument/2006/customXml" ds:itemID="{B00FC41E-FBDE-42E2-B58A-20EBD240A376}">
-  <ds:schemaRefs>
-    <ds:schemaRef ds:uri="http://schemas.microsoft.com/sharepoint/v3/contenttype/forms"/>
-  </ds:schemaRefs>
-</ds:datastoreItem>
-</file>
-
-<file path=customXml/itemProps2.xml><?xml version="1.0" encoding="utf-8"?>
 <ds:datastoreItem xmlns:ds="http://schemas.openxmlformats.org/officeDocument/2006/customXml" ds:itemID="{41EF0323-6FE8-41A6-BEA1-CC5178579BBD}">
   <ds:schemaRefs>
     <ds:schemaRef ds:uri="http://schemas.microsoft.com/office/2006/metadata/contentType"/>
@@ -36634,6 +36766,14 @@
     <ds:schemaRef ds:uri="http://purl.org/dc/elements/1.1/"/>
     <ds:schemaRef ds:uri="http://purl.org/dc/terms/"/>
     <ds:schemaRef ds:uri="http://schemas.microsoft.com/internal/obd"/>
+  </ds:schemaRefs>
+</ds:datastoreItem>
+</file>
+
+<file path=customXml/itemProps2.xml><?xml version="1.0" encoding="utf-8"?>
+<ds:datastoreItem xmlns:ds="http://schemas.openxmlformats.org/officeDocument/2006/customXml" ds:itemID="{B00FC41E-FBDE-42E2-B58A-20EBD240A376}">
+  <ds:schemaRefs>
+    <ds:schemaRef ds:uri="http://schemas.microsoft.com/sharepoint/v3/contenttype/forms"/>
   </ds:schemaRefs>
 </ds:datastoreItem>
 </file>

--- a/Templates/testmercredi.pptx
+++ b/Templates/testmercredi.pptx
@@ -238,7 +238,7 @@
           <a:p>
             <a:fld id="{515CCE07-1711-4DC7-A7D8-7ED312C82FB8}" type="datetimeFigureOut">
               <a:rPr lang="fr-FR" smtClean="0"/>
-              <a:t>25/05/2022</a:t>
+              <a:t>07/06/2022</a:t>
             </a:fld>
             <a:endParaRPr lang="fr-FR"/>
           </a:p>
@@ -403,7 +403,7 @@
           <a:p>
             <a:fld id="{014ABEAC-8B63-4BD1-9569-A14EB8752A94}" type="datetimeFigureOut">
               <a:rPr lang="fr-FR" smtClean="0"/>
-              <a:t>25/05/2022</a:t>
+              <a:t>07/06/2022</a:t>
             </a:fld>
             <a:endParaRPr lang="fr-FR"/>
           </a:p>
@@ -2003,16 +2003,12 @@
               <a:t>Durée d’investissement conseillée : </a:t>
             </a:r>
             <a:r>
-              <a:rPr lang="fr-FR" sz="800" b="1" dirty="0"/>
-              <a:t>&lt;DIC&gt;</a:t>
-            </a:r>
-            <a:r>
               <a:rPr lang="fr-FR" sz="800" b="1" dirty="0">
                 <a:solidFill>
-                  <a:srgbClr val="B9A049"/>
-                </a:solidFill>
-              </a:rPr>
-              <a:t> </a:t>
+                  <a:srgbClr val="000000"/>
+                </a:solidFill>
+              </a:rPr>
+              <a:t>&lt;DIC&gt; </a:t>
             </a:r>
             <a:r>
               <a:rPr lang="fr-FR" sz="800" cap="none" dirty="0">
@@ -2111,7 +2107,7 @@
         <p:spPr>
           <a:xfrm>
             <a:off x="4175836" y="6069790"/>
-            <a:ext cx="3024000" cy="2185214"/>
+            <a:ext cx="3024000" cy="3016210"/>
           </a:xfrm>
           <a:prstGeom prst="rect">
             <a:avLst/>
@@ -2294,6 +2290,114 @@
                 </a:solidFill>
               </a:rPr>
               <a:t>Ce document à caractère promotionnel s’adresse à des investisseurs situés en France</a:t>
+            </a:r>
+          </a:p>
+          <a:p>
+            <a:pPr marL="171450" indent="-171450" algn="just">
+              <a:spcBef>
+                <a:spcPts val="1200"/>
+              </a:spcBef>
+              <a:buClr>
+                <a:srgbClr val="1C1C1C"/>
+              </a:buClr>
+              <a:buFont typeface="Wingdings" panose="05000000000000000000" pitchFamily="2" charset="2"/>
+              <a:buChar char="§"/>
+            </a:pPr>
+            <a:r>
+              <a:rPr lang="fr-FR" sz="800" dirty="0">
+                <a:solidFill>
+                  <a:srgbClr val="000000"/>
+                </a:solidFill>
+              </a:rPr>
+              <a:t>&lt;</a:t>
+            </a:r>
+            <a:r>
+              <a:rPr lang="fr-FR" sz="800" dirty="0" err="1">
+                <a:solidFill>
+                  <a:srgbClr val="000000"/>
+                </a:solidFill>
+              </a:rPr>
+              <a:t>legendetickers</a:t>
+            </a:r>
+            <a:r>
+              <a:rPr lang="fr-FR" sz="800" dirty="0">
+                <a:solidFill>
+                  <a:srgbClr val="000000"/>
+                </a:solidFill>
+              </a:rPr>
+              <a:t>&gt;  &lt;DIC&gt;</a:t>
+            </a:r>
+          </a:p>
+          <a:p>
+            <a:pPr marL="171450" indent="-171450" algn="just">
+              <a:spcBef>
+                <a:spcPts val="1200"/>
+              </a:spcBef>
+              <a:buClr>
+                <a:srgbClr val="1C1C1C"/>
+              </a:buClr>
+              <a:buFont typeface="Wingdings" panose="05000000000000000000" pitchFamily="2" charset="2"/>
+              <a:buChar char="§"/>
+            </a:pPr>
+            <a:r>
+              <a:rPr lang="fr-FR" sz="800" dirty="0">
+                <a:solidFill>
+                  <a:srgbClr val="000000"/>
+                </a:solidFill>
+              </a:rPr>
+              <a:t>&lt;</a:t>
+            </a:r>
+            <a:r>
+              <a:rPr lang="fr-FR" sz="800" dirty="0" err="1">
+                <a:solidFill>
+                  <a:srgbClr val="000000"/>
+                </a:solidFill>
+              </a:rPr>
+              <a:t>legendetickers</a:t>
+            </a:r>
+            <a:r>
+              <a:rPr lang="fr-FR" sz="800" dirty="0">
+                <a:solidFill>
+                  <a:srgbClr val="000000"/>
+                </a:solidFill>
+              </a:rPr>
+              <a:t>&gt;</a:t>
+            </a:r>
+          </a:p>
+          <a:p>
+            <a:pPr marL="171450" indent="-171450" algn="just">
+              <a:spcBef>
+                <a:spcPts val="1200"/>
+              </a:spcBef>
+              <a:buClr>
+                <a:srgbClr val="1C1C1C"/>
+              </a:buClr>
+              <a:buFont typeface="Wingdings" panose="05000000000000000000" pitchFamily="2" charset="2"/>
+              <a:buChar char="§"/>
+            </a:pPr>
+            <a:r>
+              <a:rPr lang="fr-FR" sz="800" dirty="0">
+                <a:solidFill>
+                  <a:srgbClr val="000000"/>
+                </a:solidFill>
+              </a:rPr>
+              <a:t>&lt;</a:t>
+            </a:r>
+            <a:r>
+              <a:rPr lang="fr-FR" sz="800" dirty="0" err="1">
+                <a:solidFill>
+                  <a:srgbClr val="000000"/>
+                </a:solidFill>
+              </a:rPr>
+              <a:t>legendetickers</a:t>
+            </a:r>
+            <a:r>
+              <a:rPr lang="fr-FR" sz="800" dirty="0">
+                <a:solidFill>
+                  <a:srgbClr val="000000"/>
+                </a:solidFill>
+              </a:rPr>
+              <a:t>&gt;</a:t>
             </a:r>
           </a:p>
         </p:txBody>
@@ -4790,7 +4894,7 @@
           <p:nvPr>
             <p:extLst>
               <p:ext uri="{D42A27DB-BD31-4B8C-83A1-F6EECF244321}">
-                <p14:modId xmlns:p14="http://schemas.microsoft.com/office/powerpoint/2010/main" val="566184000"/>
+                <p14:modId xmlns:p14="http://schemas.microsoft.com/office/powerpoint/2010/main" val="1659642961"/>
               </p:ext>
             </p:extLst>
           </p:nvPr>
@@ -5179,17 +5283,20 @@
                     <a:p>
                       <a:pPr marL="0" algn="l" defTabSz="755934" rtl="0" eaLnBrk="1" fontAlgn="ctr" latinLnBrk="0" hangingPunct="1"/>
                       <a:r>
-                        <a:rPr lang="fr-FR" sz="800" b="1" i="0" u="none" strike="noStrike" kern="1200" dirty="0">
-                          <a:solidFill>
-                            <a:srgbClr val="004F74"/>
-                          </a:solidFill>
-                          <a:effectLst/>
-                          <a:latin typeface="Proxima Nova Rg" panose="02000506030000020004" pitchFamily="2" charset="0"/>
-                          <a:ea typeface="+mn-ea"/>
-                          <a:cs typeface="+mn-cs"/>
+                        <a:rPr lang="fr-FR" sz="800" cap="none">
+                          <a:latin typeface="Futura PT" panose="020B0902020204020203" pitchFamily="34" charset="0"/>
                         </a:rPr>
-                        <a:t>&lt;NOMSOUSJACENT&gt;</a:t>
+                        <a:t>&lt;NOMSOUSJACENTP1&gt; </a:t>
                       </a:r>
+                      <a:endParaRPr lang="fr-FR" sz="800" b="1" i="0" u="none" strike="noStrike" kern="1200" dirty="0">
+                        <a:solidFill>
+                          <a:srgbClr val="004F74"/>
+                        </a:solidFill>
+                        <a:effectLst/>
+                        <a:latin typeface="Proxima Nova Rg" panose="02000506030000020004" pitchFamily="2" charset="0"/>
+                        <a:ea typeface="+mn-ea"/>
+                        <a:cs typeface="+mn-cs"/>
+                      </a:endParaRPr>
                     </a:p>
                   </a:txBody>
                   <a:tcPr marL="9525" marR="9525" marT="9525" marB="0" anchor="ctr">
@@ -13315,7 +13422,7 @@
           <p:nvPr>
             <p:extLst>
               <p:ext uri="{D42A27DB-BD31-4B8C-83A1-F6EECF244321}">
-                <p14:modId xmlns:p14="http://schemas.microsoft.com/office/powerpoint/2010/main" val="2012834819"/>
+                <p14:modId xmlns:p14="http://schemas.microsoft.com/office/powerpoint/2010/main" val="1720198660"/>
               </p:ext>
             </p:extLst>
           </p:nvPr>
@@ -17361,7 +17468,7 @@
                         <a:t>dates_last_remboursement_rappel</a:t>
                       </a:r>
                       <a:r>
-                        <a:rPr lang="fr-FR" sz="700" b="0" i="0" kern="1200">
+                        <a:rPr lang="fr-FR" sz="700" b="0" i="0" kern="1200" dirty="0">
                           <a:solidFill>
                             <a:schemeClr val="tx1"/>
                           </a:solidFill>
@@ -17374,17 +17481,6 @@
                         </a:rPr>
                         <a:t>&gt;</a:t>
                       </a:r>
-                      <a:endParaRPr lang="fr-FR" sz="700" b="0" i="0" kern="1200" dirty="0">
-                        <a:solidFill>
-                          <a:schemeClr val="tx1"/>
-                        </a:solidFill>
-                        <a:highlight>
-                          <a:srgbClr val="00FFFF"/>
-                        </a:highlight>
-                        <a:latin typeface="+mn-lt"/>
-                        <a:ea typeface="+mn-ea"/>
-                        <a:cs typeface="+mn-cs"/>
-                      </a:endParaRPr>
                     </a:p>
                   </a:txBody>
                   <a:tcPr marL="72000" marR="72000" marT="46800" marB="46800" anchor="ctr" horzOverflow="overflow">
@@ -17744,14 +17840,17 @@
                         <a:tabLst/>
                         <a:defRPr/>
                       </a:pPr>
-                      <a:endParaRPr lang="fr-FR" sz="700" b="0" i="0" kern="1200" dirty="0">
-                        <a:solidFill>
-                          <a:schemeClr val="tx1"/>
-                        </a:solidFill>
-                        <a:latin typeface="+mn-lt"/>
-                        <a:ea typeface="+mn-ea"/>
-                        <a:cs typeface="+mn-cs"/>
-                      </a:endParaRPr>
+                      <a:r>
+                        <a:rPr lang="fr-FR" sz="700" b="0" i="0" kern="1200" dirty="0">
+                          <a:solidFill>
+                            <a:schemeClr val="tx1"/>
+                          </a:solidFill>
+                          <a:latin typeface="+mn-lt"/>
+                          <a:ea typeface="+mn-ea"/>
+                          <a:cs typeface="+mn-cs"/>
+                        </a:rPr>
+                        <a:t>&lt;ABAC&gt; du &lt;NDR&gt; &lt;SJR7&gt;</a:t>
+                      </a:r>
                     </a:p>
                   </a:txBody>
                   <a:tcPr marT="46800" marB="46800" anchor="ctr" horzOverflow="overflow">
@@ -21282,7 +21381,7 @@
                 <a:ea typeface="+mn-ea"/>
                 <a:cs typeface="+mn-cs"/>
               </a:rPr>
-              <a:t>Pour un investissement dans « &lt;NOM&gt; », vous êtes exposé pour une durée de &lt;1PR&gt; à &lt;DPRR&gt; &lt;F0&gt;&lt;F0s&gt; à l’évolution &lt;SJR6&gt;</a:t>
+              <a:t>Pour un investissement dans « &lt;NOM&gt; », vous êtes exposés pour une durée de &lt;1PR&gt; à &lt;DPRR&gt; &lt;F0&gt;&lt;F0s&gt; à l’évolution &lt;SJR6&gt;</a:t>
             </a:r>
             <a:r>
               <a:rPr lang="fr-FR" sz="800" b="1" dirty="0">
@@ -28751,7 +28850,7 @@
               <a:rPr lang="fr-FR" dirty="0">
                 <a:latin typeface="Proxima Nova Rg" panose="02000506030000020004" pitchFamily="2" charset="0"/>
               </a:rPr>
-              <a:t>Aucun coupon</a:t>
+              <a:t>Aucun coupon &lt;Mémoire2&gt;</a:t>
             </a:r>
             <a:endParaRPr lang="fr-FR" dirty="0">
               <a:solidFill>
@@ -33801,7 +33900,7 @@
                   <a:srgbClr val="000000"/>
                 </a:solidFill>
               </a:rPr>
-              <a:t>Le rendement de « &lt;NOM&gt; » est très sensible à une faible variation du &lt;SJR3&gt; de clôture &lt;SJR7&gt; autour du seuil de </a:t>
+              <a:t>Le rendement de « &lt;NOM&gt; » est très sensible à une faible variation du &lt;SJR3&gt; de clôture &lt;SJR7&gt; autour des seuils de </a:t>
             </a:r>
             <a:r>
               <a:rPr lang="fr-FR" sz="800" dirty="0">
@@ -33811,7 +33910,7 @@
                 <a:effectLst/>
                 <a:ea typeface="Calibri" panose="020F0502020204030204" pitchFamily="34" charset="0"/>
               </a:rPr>
-              <a:t>&lt;ABAC2&gt; &lt;EBAC&gt; &lt;DESONNDR&gt; </a:t>
+              <a:t>&lt;ABAC2&gt; et &lt;ABAC&gt; &lt;EBAC&gt; &lt;DESONNDR&gt; </a:t>
             </a:r>
             <a:r>
               <a:rPr lang="fr-FR" sz="800" dirty="0">
@@ -36512,6 +36611,15 @@
 </file>
 
 <file path=customXml/item1.xml><?xml version="1.0" encoding="utf-8"?>
+<?mso-contentType ?>
+<FormTemplates xmlns="http://schemas.microsoft.com/sharepoint/v3/contenttype/forms">
+  <Display>DocumentLibraryForm</Display>
+  <Edit>DocumentLibraryForm</Edit>
+  <New>DocumentLibraryForm</New>
+</FormTemplates>
+</file>
+
+<file path=customXml/item2.xml><?xml version="1.0" encoding="utf-8"?>
 <ct:contentTypeSchema xmlns:ct="http://schemas.microsoft.com/office/2006/metadata/contentType" xmlns:ma="http://schemas.microsoft.com/office/2006/metadata/properties/metaAttributes" ct:_="" ma:_="" ma:contentTypeName="Document" ma:contentTypeID="0x0101005DDE610BC516E448BB8152259F39635A" ma:contentTypeVersion="13" ma:contentTypeDescription="Crée un document." ma:contentTypeScope="" ma:versionID="4e51a0dab1f5d4663d954168d546c586">
   <xsd:schema xmlns:xsd="http://www.w3.org/2001/XMLSchema" xmlns:xs="http://www.w3.org/2001/XMLSchema" xmlns:p="http://schemas.microsoft.com/office/2006/metadata/properties" xmlns:ns2="ef624bc2-1644-4d69-8362-5c28ca496374" xmlns:ns3="514a554b-82b0-4359-b247-fc84018a95f0" targetNamespace="http://schemas.microsoft.com/office/2006/metadata/properties" ma:root="true" ma:fieldsID="d7b51e5f287975310341ecd8502634d3" ns2:_="" ns3:_="">
     <xsd:import namespace="ef624bc2-1644-4d69-8362-5c28ca496374"/>
@@ -36734,15 +36842,6 @@
 </ct:contentTypeSchema>
 </file>
 
-<file path=customXml/item2.xml><?xml version="1.0" encoding="utf-8"?>
-<?mso-contentType ?>
-<FormTemplates xmlns="http://schemas.microsoft.com/sharepoint/v3/contenttype/forms">
-  <Display>DocumentLibraryForm</Display>
-  <Edit>DocumentLibraryForm</Edit>
-  <New>DocumentLibraryForm</New>
-</FormTemplates>
-</file>
-
 <file path=customXml/item3.xml><?xml version="1.0" encoding="utf-8"?>
 <p:properties xmlns:p="http://schemas.microsoft.com/office/2006/metadata/properties" xmlns:xsi="http://www.w3.org/2001/XMLSchema-instance" xmlns:pc="http://schemas.microsoft.com/office/infopath/2007/PartnerControls">
   <documentManagement>
@@ -36752,6 +36851,14 @@
 </file>
 
 <file path=customXml/itemProps1.xml><?xml version="1.0" encoding="utf-8"?>
+<ds:datastoreItem xmlns:ds="http://schemas.openxmlformats.org/officeDocument/2006/customXml" ds:itemID="{B00FC41E-FBDE-42E2-B58A-20EBD240A376}">
+  <ds:schemaRefs>
+    <ds:schemaRef ds:uri="http://schemas.microsoft.com/sharepoint/v3/contenttype/forms"/>
+  </ds:schemaRefs>
+</ds:datastoreItem>
+</file>
+
+<file path=customXml/itemProps2.xml><?xml version="1.0" encoding="utf-8"?>
 <ds:datastoreItem xmlns:ds="http://schemas.openxmlformats.org/officeDocument/2006/customXml" ds:itemID="{41EF0323-6FE8-41A6-BEA1-CC5178579BBD}">
   <ds:schemaRefs>
     <ds:schemaRef ds:uri="http://schemas.microsoft.com/office/2006/metadata/contentType"/>
@@ -36766,14 +36873,6 @@
     <ds:schemaRef ds:uri="http://purl.org/dc/elements/1.1/"/>
     <ds:schemaRef ds:uri="http://purl.org/dc/terms/"/>
     <ds:schemaRef ds:uri="http://schemas.microsoft.com/internal/obd"/>
-  </ds:schemaRefs>
-</ds:datastoreItem>
-</file>
-
-<file path=customXml/itemProps2.xml><?xml version="1.0" encoding="utf-8"?>
-<ds:datastoreItem xmlns:ds="http://schemas.openxmlformats.org/officeDocument/2006/customXml" ds:itemID="{B00FC41E-FBDE-42E2-B58A-20EBD240A376}">
-  <ds:schemaRefs>
-    <ds:schemaRef ds:uri="http://schemas.microsoft.com/sharepoint/v3/contenttype/forms"/>
   </ds:schemaRefs>
 </ds:datastoreItem>
 </file>
